--- a/master.pptx
+++ b/master.pptx
@@ -5,22 +5,25 @@
     <p:sldMasterId id="2147483648" r:id="rId1"/>
   </p:sldMasterIdLst>
   <p:notesMasterIdLst>
-    <p:notesMasterId r:id="rId13"/>
+    <p:notesMasterId r:id="rId17"/>
   </p:notesMasterIdLst>
   <p:sldIdLst>
-    <p:sldId id="256" r:id="rId2"/>
-    <p:sldId id="262" r:id="rId3"/>
-    <p:sldId id="263" r:id="rId4"/>
-    <p:sldId id="266" r:id="rId5"/>
-    <p:sldId id="258" r:id="rId6"/>
-    <p:sldId id="257" r:id="rId7"/>
-    <p:sldId id="264" r:id="rId8"/>
-    <p:sldId id="259" r:id="rId9"/>
-    <p:sldId id="260" r:id="rId10"/>
-    <p:sldId id="267" r:id="rId11"/>
-    <p:sldId id="261" r:id="rId12"/>
+    <p:sldId id="256" r:id="rId3"/>
+    <p:sldId id="261" r:id="rId4"/>
+    <p:sldId id="268" r:id="rId5"/>
+    <p:sldId id="269" r:id="rId6"/>
+    <p:sldId id="270" r:id="rId7"/>
+    <p:sldId id="283" r:id="rId8"/>
+    <p:sldId id="271" r:id="rId9"/>
+    <p:sldId id="276" r:id="rId10"/>
+    <p:sldId id="284" r:id="rId11"/>
+    <p:sldId id="282" r:id="rId12"/>
+    <p:sldId id="277" r:id="rId13"/>
+    <p:sldId id="278" r:id="rId14"/>
+    <p:sldId id="279" r:id="rId15"/>
+    <p:sldId id="280" r:id="rId16"/>
   </p:sldIdLst>
-  <p:sldSz cx="12192000" cy="6858000"/>
+  <p:sldSz cx="9144000" cy="5143500" type="screen16x9"/>
   <p:notesSz cx="6858000" cy="9144000"/>
   <p:defaultTextStyle>
     <a:defPPr>
@@ -117,11 +120,6 @@
       </a:defRPr>
     </a:lvl9pPr>
   </p:defaultTextStyle>
-  <p:extLst>
-    <p:ext uri="{EFAFB233-063F-42B5-8137-9DF3F51BA10A}">
-      <p15:sldGuideLst xmlns:p15="http://schemas.microsoft.com/office/powerpoint/2012/main"/>
-    </p:ext>
-  </p:extLst>
 </p:presentation>
 </file>
 
@@ -160,7 +158,7 @@
         <p:spPr>
           <a:xfrm>
             <a:off x="0" y="0"/>
-            <a:ext cx="2971800" cy="458788"/>
+            <a:ext cx="2971800" cy="457200"/>
           </a:xfrm>
           <a:prstGeom prst="rect">
             <a:avLst/>
@@ -191,7 +189,7 @@
         <p:spPr>
           <a:xfrm>
             <a:off x="3884613" y="0"/>
-            <a:ext cx="2971800" cy="458788"/>
+            <a:ext cx="2971800" cy="457200"/>
           </a:xfrm>
           <a:prstGeom prst="rect">
             <a:avLst/>
@@ -205,9 +203,8 @@
             </a:lvl1pPr>
           </a:lstStyle>
           <a:p>
-            <a:fld id="{BC4ED1BF-FD5B-48F1-A90F-6FEE00DDCE67}" type="datetimeFigureOut">
+            <a:fld id="{CA2184FF-9293-4A02-8CC9-38973ADC98A0}" type="datetimeFigureOut">
               <a:rPr lang="zh-CN" altLang="en-US" smtClean="0"/>
-              <a:t>2016/1/6</a:t>
             </a:fld>
             <a:endParaRPr lang="zh-CN" altLang="en-US"/>
           </a:p>
@@ -225,8 +222,8 @@
         </p:nvSpPr>
         <p:spPr>
           <a:xfrm>
-            <a:off x="685800" y="1143000"/>
-            <a:ext cx="5486400" cy="3086100"/>
+            <a:off x="381000" y="685800"/>
+            <a:ext cx="6096000" cy="3429000"/>
           </a:xfrm>
           <a:prstGeom prst="rect">
             <a:avLst/>
@@ -258,8 +255,8 @@
         </p:nvSpPr>
         <p:spPr>
           <a:xfrm>
-            <a:off x="685800" y="4400550"/>
-            <a:ext cx="5486400" cy="3600450"/>
+            <a:off x="685800" y="4343400"/>
+            <a:ext cx="5486400" cy="4114800"/>
           </a:xfrm>
           <a:prstGeom prst="rect">
             <a:avLst/>
@@ -274,6 +271,7 @@
               <a:rPr lang="zh-CN" altLang="en-US" smtClean="0"/>
               <a:t>单击此处编辑母版文本样式</a:t>
             </a:r>
+            <a:endParaRPr lang="zh-CN" altLang="en-US" smtClean="0"/>
           </a:p>
           <a:p>
             <a:pPr lvl="1"/>
@@ -281,6 +279,7 @@
               <a:rPr lang="zh-CN" altLang="en-US" smtClean="0"/>
               <a:t>第二级</a:t>
             </a:r>
+            <a:endParaRPr lang="zh-CN" altLang="en-US" smtClean="0"/>
           </a:p>
           <a:p>
             <a:pPr lvl="2"/>
@@ -288,6 +287,7 @@
               <a:rPr lang="zh-CN" altLang="en-US" smtClean="0"/>
               <a:t>第三级</a:t>
             </a:r>
+            <a:endParaRPr lang="zh-CN" altLang="en-US" smtClean="0"/>
           </a:p>
           <a:p>
             <a:pPr lvl="3"/>
@@ -295,6 +295,7 @@
               <a:rPr lang="zh-CN" altLang="en-US" smtClean="0"/>
               <a:t>第四级</a:t>
             </a:r>
+            <a:endParaRPr lang="zh-CN" altLang="en-US" smtClean="0"/>
           </a:p>
           <a:p>
             <a:pPr lvl="4"/>
@@ -319,7 +320,7 @@
         <p:spPr>
           <a:xfrm>
             <a:off x="0" y="8685213"/>
-            <a:ext cx="2971800" cy="458787"/>
+            <a:ext cx="2971800" cy="457200"/>
           </a:xfrm>
           <a:prstGeom prst="rect">
             <a:avLst/>
@@ -350,7 +351,7 @@
         <p:spPr>
           <a:xfrm>
             <a:off x="3884613" y="8685213"/>
-            <a:ext cx="2971800" cy="458787"/>
+            <a:ext cx="2971800" cy="457200"/>
           </a:xfrm>
           <a:prstGeom prst="rect">
             <a:avLst/>
@@ -364,20 +365,14 @@
             </a:lvl1pPr>
           </a:lstStyle>
           <a:p>
-            <a:fld id="{C95CF2A9-DF19-409F-8D82-29FD6CA4FFB3}" type="slidenum">
+            <a:fld id="{05DF3F2A-4184-48CE-93F7-3FC1F0E4C045}" type="slidenum">
               <a:rPr lang="zh-CN" altLang="en-US" smtClean="0"/>
-              <a:t>‹#›</a:t>
             </a:fld>
             <a:endParaRPr lang="zh-CN" altLang="en-US"/>
           </a:p>
         </p:txBody>
       </p:sp>
     </p:spTree>
-    <p:extLst>
-      <p:ext uri="{BB962C8B-B14F-4D97-AF65-F5344CB8AC3E}">
-        <p14:creationId xmlns:p14="http://schemas.microsoft.com/office/powerpoint/2010/main" val="3735041878"/>
-      </p:ext>
-    </p:extLst>
   </p:cSld>
   <p:clrMap bg1="lt1" tx1="dk1" bg2="lt2" tx2="dk2" accent1="accent1" accent2="accent2" accent3="accent3" accent4="accent4" accent5="accent5" accent6="accent6" hlink="hlink" folHlink="folHlink"/>
   <p:notesStyle>
@@ -475,253 +470,6 @@
 </p:notesMaster>
 </file>
 
-<file path=ppt/notesSlides/notesSlide1.xml><?xml version="1.0" encoding="utf-8"?>
-<p:notes xmlns:a="http://schemas.openxmlformats.org/drawingml/2006/main" xmlns:r="http://schemas.openxmlformats.org/officeDocument/2006/relationships" xmlns:p="http://schemas.openxmlformats.org/presentationml/2006/main">
-  <p:cSld>
-    <p:spTree>
-      <p:nvGrpSpPr>
-        <p:cNvPr id="1" name=""/>
-        <p:cNvGrpSpPr/>
-        <p:nvPr/>
-      </p:nvGrpSpPr>
-      <p:grpSpPr>
-        <a:xfrm>
-          <a:off x="0" y="0"/>
-          <a:ext cx="0" cy="0"/>
-          <a:chOff x="0" y="0"/>
-          <a:chExt cx="0" cy="0"/>
-        </a:xfrm>
-      </p:grpSpPr>
-      <p:sp>
-        <p:nvSpPr>
-          <p:cNvPr id="2" name="幻灯片图像占位符 1"/>
-          <p:cNvSpPr>
-            <a:spLocks noGrp="1" noRot="1" noChangeAspect="1"/>
-          </p:cNvSpPr>
-          <p:nvPr>
-            <p:ph type="sldImg"/>
-          </p:nvPr>
-        </p:nvSpPr>
-        <p:spPr/>
-      </p:sp>
-      <p:sp>
-        <p:nvSpPr>
-          <p:cNvPr id="3" name="备注占位符 2"/>
-          <p:cNvSpPr>
-            <a:spLocks noGrp="1"/>
-          </p:cNvSpPr>
-          <p:nvPr>
-            <p:ph type="body" idx="1"/>
-          </p:nvPr>
-        </p:nvSpPr>
-        <p:spPr/>
-        <p:txBody>
-          <a:bodyPr/>
-          <a:lstStyle/>
-          <a:p>
-            <a:pPr marL="0" marR="0" indent="0" algn="l" defTabSz="914400" rtl="0" eaLnBrk="1" fontAlgn="auto" latinLnBrk="0" hangingPunct="1">
-              <a:lnSpc>
-                <a:spcPct val="100000"/>
-              </a:lnSpc>
-              <a:spcBef>
-                <a:spcPts val="0"/>
-              </a:spcBef>
-              <a:spcAft>
-                <a:spcPts val="0"/>
-              </a:spcAft>
-              <a:buClrTx/>
-              <a:buSzTx/>
-              <a:buFontTx/>
-              <a:buNone/>
-              <a:tabLst/>
-              <a:defRPr/>
-            </a:pPr>
-            <a:r>
-              <a:rPr lang="en-US" altLang="zh-CN" dirty="0" smtClean="0"/>
-              <a:t>1. </a:t>
-            </a:r>
-            <a:r>
-              <a:rPr lang="zh-CN" altLang="en-US" dirty="0" smtClean="0"/>
-              <a:t>爬虫线程池工厂根据</a:t>
-            </a:r>
-            <a:r>
-              <a:rPr lang="en-US" altLang="zh-CN" dirty="0" smtClean="0"/>
-              <a:t>URL</a:t>
-            </a:r>
-            <a:r>
-              <a:rPr lang="zh-CN" altLang="en-US" dirty="0" smtClean="0"/>
-              <a:t>类别暂存容器获取</a:t>
-            </a:r>
-            <a:r>
-              <a:rPr lang="en-US" altLang="zh-CN" dirty="0" smtClean="0"/>
-              <a:t>URL</a:t>
-            </a:r>
-            <a:r>
-              <a:rPr lang="zh-CN" altLang="en-US" dirty="0" smtClean="0"/>
-              <a:t>生产多个线程加入线程池。每个线程依次使用网页爬取、网页分析、文件读写操作，爬取的新的链接加入</a:t>
-            </a:r>
-            <a:r>
-              <a:rPr lang="en-US" altLang="zh-CN" dirty="0" smtClean="0"/>
-              <a:t>URL</a:t>
-            </a:r>
-            <a:r>
-              <a:rPr lang="zh-CN" altLang="en-US" dirty="0" smtClean="0"/>
-              <a:t>暂存容器。迭代生产新的线程。</a:t>
-            </a:r>
-            <a:endParaRPr lang="en-US" altLang="zh-CN" dirty="0" smtClean="0"/>
-          </a:p>
-          <a:p>
-            <a:pPr marL="0" marR="0" indent="0" algn="l" defTabSz="914400" rtl="0" eaLnBrk="1" fontAlgn="auto" latinLnBrk="0" hangingPunct="1">
-              <a:lnSpc>
-                <a:spcPct val="100000"/>
-              </a:lnSpc>
-              <a:spcBef>
-                <a:spcPts val="0"/>
-              </a:spcBef>
-              <a:spcAft>
-                <a:spcPts val="0"/>
-              </a:spcAft>
-              <a:buClrTx/>
-              <a:buSzTx/>
-              <a:buFontTx/>
-              <a:buNone/>
-              <a:tabLst/>
-              <a:defRPr/>
-            </a:pPr>
-            <a:r>
-              <a:rPr lang="en-US" altLang="zh-CN" dirty="0" smtClean="0"/>
-              <a:t>2. </a:t>
-            </a:r>
-            <a:r>
-              <a:rPr lang="zh-CN" altLang="en-US" dirty="0" smtClean="0"/>
-              <a:t>依据爬取生成的页面格式化后存入数据库。</a:t>
-            </a:r>
-          </a:p>
-          <a:p>
-            <a:endParaRPr lang="zh-CN" altLang="en-US" dirty="0"/>
-          </a:p>
-        </p:txBody>
-      </p:sp>
-      <p:sp>
-        <p:nvSpPr>
-          <p:cNvPr id="4" name="灯片编号占位符 3"/>
-          <p:cNvSpPr>
-            <a:spLocks noGrp="1"/>
-          </p:cNvSpPr>
-          <p:nvPr>
-            <p:ph type="sldNum" sz="quarter" idx="10"/>
-          </p:nvPr>
-        </p:nvSpPr>
-        <p:spPr/>
-        <p:txBody>
-          <a:bodyPr/>
-          <a:lstStyle/>
-          <a:p>
-            <a:fld id="{C95CF2A9-DF19-409F-8D82-29FD6CA4FFB3}" type="slidenum">
-              <a:rPr lang="zh-CN" altLang="en-US" smtClean="0"/>
-              <a:t>8</a:t>
-            </a:fld>
-            <a:endParaRPr lang="zh-CN" altLang="en-US"/>
-          </a:p>
-        </p:txBody>
-      </p:sp>
-    </p:spTree>
-    <p:extLst>
-      <p:ext uri="{BB962C8B-B14F-4D97-AF65-F5344CB8AC3E}">
-        <p14:creationId xmlns:p14="http://schemas.microsoft.com/office/powerpoint/2010/main" val="1942501684"/>
-      </p:ext>
-    </p:extLst>
-  </p:cSld>
-  <p:clrMapOvr>
-    <a:masterClrMapping/>
-  </p:clrMapOvr>
-</p:notes>
-</file>
-
-<file path=ppt/notesSlides/notesSlide2.xml><?xml version="1.0" encoding="utf-8"?>
-<p:notes xmlns:a="http://schemas.openxmlformats.org/drawingml/2006/main" xmlns:r="http://schemas.openxmlformats.org/officeDocument/2006/relationships" xmlns:p="http://schemas.openxmlformats.org/presentationml/2006/main">
-  <p:cSld>
-    <p:spTree>
-      <p:nvGrpSpPr>
-        <p:cNvPr id="1" name=""/>
-        <p:cNvGrpSpPr/>
-        <p:nvPr/>
-      </p:nvGrpSpPr>
-      <p:grpSpPr>
-        <a:xfrm>
-          <a:off x="0" y="0"/>
-          <a:ext cx="0" cy="0"/>
-          <a:chOff x="0" y="0"/>
-          <a:chExt cx="0" cy="0"/>
-        </a:xfrm>
-      </p:grpSpPr>
-      <p:sp>
-        <p:nvSpPr>
-          <p:cNvPr id="2" name="幻灯片图像占位符 1"/>
-          <p:cNvSpPr>
-            <a:spLocks noGrp="1" noRot="1" noChangeAspect="1"/>
-          </p:cNvSpPr>
-          <p:nvPr>
-            <p:ph type="sldImg"/>
-          </p:nvPr>
-        </p:nvSpPr>
-        <p:spPr/>
-      </p:sp>
-      <p:sp>
-        <p:nvSpPr>
-          <p:cNvPr id="3" name="备注占位符 2"/>
-          <p:cNvSpPr>
-            <a:spLocks noGrp="1"/>
-          </p:cNvSpPr>
-          <p:nvPr>
-            <p:ph type="body" idx="1"/>
-          </p:nvPr>
-        </p:nvSpPr>
-        <p:spPr/>
-        <p:txBody>
-          <a:bodyPr/>
-          <a:lstStyle/>
-          <a:p>
-            <a:endParaRPr lang="zh-CN" altLang="en-US" dirty="0"/>
-          </a:p>
-        </p:txBody>
-      </p:sp>
-      <p:sp>
-        <p:nvSpPr>
-          <p:cNvPr id="4" name="灯片编号占位符 3"/>
-          <p:cNvSpPr>
-            <a:spLocks noGrp="1"/>
-          </p:cNvSpPr>
-          <p:nvPr>
-            <p:ph type="sldNum" sz="quarter" idx="10"/>
-          </p:nvPr>
-        </p:nvSpPr>
-        <p:spPr/>
-        <p:txBody>
-          <a:bodyPr/>
-          <a:lstStyle/>
-          <a:p>
-            <a:fld id="{C95CF2A9-DF19-409F-8D82-29FD6CA4FFB3}" type="slidenum">
-              <a:rPr lang="zh-CN" altLang="en-US" smtClean="0"/>
-              <a:t>9</a:t>
-            </a:fld>
-            <a:endParaRPr lang="zh-CN" altLang="en-US"/>
-          </a:p>
-        </p:txBody>
-      </p:sp>
-    </p:spTree>
-    <p:extLst>
-      <p:ext uri="{BB962C8B-B14F-4D97-AF65-F5344CB8AC3E}">
-        <p14:creationId xmlns:p14="http://schemas.microsoft.com/office/powerpoint/2010/main" val="1763734441"/>
-      </p:ext>
-    </p:extLst>
-  </p:cSld>
-  <p:clrMapOvr>
-    <a:masterClrMapping/>
-  </p:clrMapOvr>
-</p:notes>
-</file>
-
 <file path=ppt/slideLayouts/slideLayout1.xml><?xml version="1.0" encoding="utf-8"?>
 <p:sldLayout xmlns:a="http://schemas.openxmlformats.org/drawingml/2006/main" xmlns:r="http://schemas.openxmlformats.org/officeDocument/2006/relationships" xmlns:p="http://schemas.openxmlformats.org/presentationml/2006/main" type="title" preserve="1">
   <p:cSld name="标题幻灯片">
@@ -751,17 +499,13 @@
         </p:nvSpPr>
         <p:spPr>
           <a:xfrm>
-            <a:off x="1524000" y="1122363"/>
-            <a:ext cx="9144000" cy="2387600"/>
+            <a:off x="685800" y="1597819"/>
+            <a:ext cx="7772400" cy="1102519"/>
           </a:xfrm>
         </p:spPr>
         <p:txBody>
-          <a:bodyPr anchor="b"/>
-          <a:lstStyle>
-            <a:lvl1pPr algn="ctr">
-              <a:defRPr sz="6000"/>
-            </a:lvl1pPr>
-          </a:lstStyle>
+          <a:bodyPr/>
+          <a:lstStyle/>
           <a:p>
             <a:r>
               <a:rPr lang="zh-CN" altLang="en-US" smtClean="0"/>
@@ -783,8 +527,8 @@
         </p:nvSpPr>
         <p:spPr>
           <a:xfrm>
-            <a:off x="1524000" y="3602038"/>
-            <a:ext cx="9144000" cy="1655762"/>
+            <a:off x="1371600" y="2914650"/>
+            <a:ext cx="6400800" cy="1314450"/>
           </a:xfrm>
         </p:spPr>
         <p:txBody>
@@ -792,39 +536,93 @@
           <a:lstStyle>
             <a:lvl1pPr marL="0" indent="0" algn="ctr">
               <a:buNone/>
-              <a:defRPr sz="2400"/>
+              <a:defRPr>
+                <a:solidFill>
+                  <a:schemeClr val="tx1">
+                    <a:tint val="75000"/>
+                  </a:schemeClr>
+                </a:solidFill>
+              </a:defRPr>
             </a:lvl1pPr>
             <a:lvl2pPr marL="457200" indent="0" algn="ctr">
               <a:buNone/>
-              <a:defRPr sz="2000"/>
+              <a:defRPr>
+                <a:solidFill>
+                  <a:schemeClr val="tx1">
+                    <a:tint val="75000"/>
+                  </a:schemeClr>
+                </a:solidFill>
+              </a:defRPr>
             </a:lvl2pPr>
             <a:lvl3pPr marL="914400" indent="0" algn="ctr">
               <a:buNone/>
-              <a:defRPr sz="1800"/>
+              <a:defRPr>
+                <a:solidFill>
+                  <a:schemeClr val="tx1">
+                    <a:tint val="75000"/>
+                  </a:schemeClr>
+                </a:solidFill>
+              </a:defRPr>
             </a:lvl3pPr>
             <a:lvl4pPr marL="1371600" indent="0" algn="ctr">
               <a:buNone/>
-              <a:defRPr sz="1600"/>
+              <a:defRPr>
+                <a:solidFill>
+                  <a:schemeClr val="tx1">
+                    <a:tint val="75000"/>
+                  </a:schemeClr>
+                </a:solidFill>
+              </a:defRPr>
             </a:lvl4pPr>
             <a:lvl5pPr marL="1828800" indent="0" algn="ctr">
               <a:buNone/>
-              <a:defRPr sz="1600"/>
+              <a:defRPr>
+                <a:solidFill>
+                  <a:schemeClr val="tx1">
+                    <a:tint val="75000"/>
+                  </a:schemeClr>
+                </a:solidFill>
+              </a:defRPr>
             </a:lvl5pPr>
             <a:lvl6pPr marL="2286000" indent="0" algn="ctr">
               <a:buNone/>
-              <a:defRPr sz="1600"/>
+              <a:defRPr>
+                <a:solidFill>
+                  <a:schemeClr val="tx1">
+                    <a:tint val="75000"/>
+                  </a:schemeClr>
+                </a:solidFill>
+              </a:defRPr>
             </a:lvl6pPr>
             <a:lvl7pPr marL="2743200" indent="0" algn="ctr">
               <a:buNone/>
-              <a:defRPr sz="1600"/>
+              <a:defRPr>
+                <a:solidFill>
+                  <a:schemeClr val="tx1">
+                    <a:tint val="75000"/>
+                  </a:schemeClr>
+                </a:solidFill>
+              </a:defRPr>
             </a:lvl7pPr>
             <a:lvl8pPr marL="3200400" indent="0" algn="ctr">
               <a:buNone/>
-              <a:defRPr sz="1600"/>
+              <a:defRPr>
+                <a:solidFill>
+                  <a:schemeClr val="tx1">
+                    <a:tint val="75000"/>
+                  </a:schemeClr>
+                </a:solidFill>
+              </a:defRPr>
             </a:lvl8pPr>
             <a:lvl9pPr marL="3657600" indent="0" algn="ctr">
               <a:buNone/>
-              <a:defRPr sz="1600"/>
+              <a:defRPr>
+                <a:solidFill>
+                  <a:schemeClr val="tx1">
+                    <a:tint val="75000"/>
+                  </a:schemeClr>
+                </a:solidFill>
+              </a:defRPr>
             </a:lvl9pPr>
           </a:lstStyle>
           <a:p>
@@ -851,9 +649,8 @@
           <a:bodyPr/>
           <a:lstStyle/>
           <a:p>
-            <a:fld id="{EA43ED3D-02D6-4073-A3D1-74945AE96D50}" type="datetimeFigureOut">
+            <a:fld id="{F7F56605-C295-43CC-8288-2C9C231C2BD4}" type="datetimeFigureOut">
               <a:rPr lang="zh-CN" altLang="en-US" smtClean="0"/>
-              <a:t>2016/1/6</a:t>
             </a:fld>
             <a:endParaRPr lang="zh-CN" altLang="en-US"/>
           </a:p>
@@ -893,24 +690,25 @@
           <a:bodyPr/>
           <a:lstStyle/>
           <a:p>
-            <a:fld id="{18C631A9-1D39-423D-AA5C-ADE46CE80CD5}" type="slidenum">
+            <a:fld id="{4E21473D-8D1E-42F7-A2CB-98B067C99015}" type="slidenum">
               <a:rPr lang="zh-CN" altLang="en-US" smtClean="0"/>
-              <a:t>‹#›</a:t>
             </a:fld>
             <a:endParaRPr lang="zh-CN" altLang="en-US"/>
           </a:p>
         </p:txBody>
       </p:sp>
     </p:spTree>
-    <p:extLst>
-      <p:ext uri="{BB962C8B-B14F-4D97-AF65-F5344CB8AC3E}">
-        <p14:creationId xmlns:p14="http://schemas.microsoft.com/office/powerpoint/2010/main" val="411434104"/>
-      </p:ext>
-    </p:extLst>
   </p:cSld>
   <p:clrMapOvr>
     <a:masterClrMapping/>
   </p:clrMapOvr>
+  <p:timing>
+    <p:tnLst>
+      <p:par>
+        <p:cTn id="1" dur="indefinite" restart="never" nodeType="tmRoot"/>
+      </p:par>
+    </p:tnLst>
+  </p:timing>
 </p:sldLayout>
 </file>
 
@@ -974,6 +772,7 @@
               <a:rPr lang="zh-CN" altLang="en-US" smtClean="0"/>
               <a:t>单击此处编辑母版文本样式</a:t>
             </a:r>
+            <a:endParaRPr lang="zh-CN" altLang="en-US" smtClean="0"/>
           </a:p>
           <a:p>
             <a:pPr lvl="1"/>
@@ -981,6 +780,7 @@
               <a:rPr lang="zh-CN" altLang="en-US" smtClean="0"/>
               <a:t>第二级</a:t>
             </a:r>
+            <a:endParaRPr lang="zh-CN" altLang="en-US" smtClean="0"/>
           </a:p>
           <a:p>
             <a:pPr lvl="2"/>
@@ -988,6 +788,7 @@
               <a:rPr lang="zh-CN" altLang="en-US" smtClean="0"/>
               <a:t>第三级</a:t>
             </a:r>
+            <a:endParaRPr lang="zh-CN" altLang="en-US" smtClean="0"/>
           </a:p>
           <a:p>
             <a:pPr lvl="3"/>
@@ -995,6 +796,7 @@
               <a:rPr lang="zh-CN" altLang="en-US" smtClean="0"/>
               <a:t>第四级</a:t>
             </a:r>
+            <a:endParaRPr lang="zh-CN" altLang="en-US" smtClean="0"/>
           </a:p>
           <a:p>
             <a:pPr lvl="4"/>
@@ -1021,9 +823,8 @@
           <a:bodyPr/>
           <a:lstStyle/>
           <a:p>
-            <a:fld id="{EA43ED3D-02D6-4073-A3D1-74945AE96D50}" type="datetimeFigureOut">
+            <a:fld id="{F7F56605-C295-43CC-8288-2C9C231C2BD4}" type="datetimeFigureOut">
               <a:rPr lang="zh-CN" altLang="en-US" smtClean="0"/>
-              <a:t>2016/1/6</a:t>
             </a:fld>
             <a:endParaRPr lang="zh-CN" altLang="en-US"/>
           </a:p>
@@ -1063,20 +864,14 @@
           <a:bodyPr/>
           <a:lstStyle/>
           <a:p>
-            <a:fld id="{18C631A9-1D39-423D-AA5C-ADE46CE80CD5}" type="slidenum">
+            <a:fld id="{4E21473D-8D1E-42F7-A2CB-98B067C99015}" type="slidenum">
               <a:rPr lang="zh-CN" altLang="en-US" smtClean="0"/>
-              <a:t>‹#›</a:t>
             </a:fld>
             <a:endParaRPr lang="zh-CN" altLang="en-US"/>
           </a:p>
         </p:txBody>
       </p:sp>
     </p:spTree>
-    <p:extLst>
-      <p:ext uri="{BB962C8B-B14F-4D97-AF65-F5344CB8AC3E}">
-        <p14:creationId xmlns:p14="http://schemas.microsoft.com/office/powerpoint/2010/main" val="2322415129"/>
-      </p:ext>
-    </p:extLst>
   </p:cSld>
   <p:clrMapOvr>
     <a:masterClrMapping/>
@@ -1086,7 +881,7 @@
 
 <file path=ppt/slideLayouts/slideLayout11.xml><?xml version="1.0" encoding="utf-8"?>
 <p:sldLayout xmlns:a="http://schemas.openxmlformats.org/drawingml/2006/main" xmlns:r="http://schemas.openxmlformats.org/officeDocument/2006/relationships" xmlns:p="http://schemas.openxmlformats.org/presentationml/2006/main" type="vertTitleAndTx" preserve="1">
-  <p:cSld name="垂直排列标题与&#10;文本">
+  <p:cSld name="垂直排列标题与文本">
     <p:spTree>
       <p:nvGrpSpPr>
         <p:cNvPr id="1" name=""/>
@@ -1113,8 +908,8 @@
         </p:nvSpPr>
         <p:spPr>
           <a:xfrm>
-            <a:off x="8724900" y="365125"/>
-            <a:ext cx="2628900" cy="5811838"/>
+            <a:off x="6629400" y="205979"/>
+            <a:ext cx="2057400" cy="4388644"/>
           </a:xfrm>
         </p:spPr>
         <p:txBody>
@@ -1141,8 +936,8 @@
         </p:nvSpPr>
         <p:spPr>
           <a:xfrm>
-            <a:off x="838200" y="365125"/>
-            <a:ext cx="7734300" cy="5811838"/>
+            <a:off x="457200" y="205979"/>
+            <a:ext cx="6019800" cy="4388644"/>
           </a:xfrm>
         </p:spPr>
         <p:txBody>
@@ -1154,6 +949,7 @@
               <a:rPr lang="zh-CN" altLang="en-US" smtClean="0"/>
               <a:t>单击此处编辑母版文本样式</a:t>
             </a:r>
+            <a:endParaRPr lang="zh-CN" altLang="en-US" smtClean="0"/>
           </a:p>
           <a:p>
             <a:pPr lvl="1"/>
@@ -1161,6 +957,7 @@
               <a:rPr lang="zh-CN" altLang="en-US" smtClean="0"/>
               <a:t>第二级</a:t>
             </a:r>
+            <a:endParaRPr lang="zh-CN" altLang="en-US" smtClean="0"/>
           </a:p>
           <a:p>
             <a:pPr lvl="2"/>
@@ -1168,6 +965,7 @@
               <a:rPr lang="zh-CN" altLang="en-US" smtClean="0"/>
               <a:t>第三级</a:t>
             </a:r>
+            <a:endParaRPr lang="zh-CN" altLang="en-US" smtClean="0"/>
           </a:p>
           <a:p>
             <a:pPr lvl="3"/>
@@ -1175,6 +973,7 @@
               <a:rPr lang="zh-CN" altLang="en-US" smtClean="0"/>
               <a:t>第四级</a:t>
             </a:r>
+            <a:endParaRPr lang="zh-CN" altLang="en-US" smtClean="0"/>
           </a:p>
           <a:p>
             <a:pPr lvl="4"/>
@@ -1201,9 +1000,8 @@
           <a:bodyPr/>
           <a:lstStyle/>
           <a:p>
-            <a:fld id="{EA43ED3D-02D6-4073-A3D1-74945AE96D50}" type="datetimeFigureOut">
+            <a:fld id="{F7F56605-C295-43CC-8288-2C9C231C2BD4}" type="datetimeFigureOut">
               <a:rPr lang="zh-CN" altLang="en-US" smtClean="0"/>
-              <a:t>2016/1/6</a:t>
             </a:fld>
             <a:endParaRPr lang="zh-CN" altLang="en-US"/>
           </a:p>
@@ -1243,20 +1041,14 @@
           <a:bodyPr/>
           <a:lstStyle/>
           <a:p>
-            <a:fld id="{18C631A9-1D39-423D-AA5C-ADE46CE80CD5}" type="slidenum">
+            <a:fld id="{4E21473D-8D1E-42F7-A2CB-98B067C99015}" type="slidenum">
               <a:rPr lang="zh-CN" altLang="en-US" smtClean="0"/>
-              <a:t>‹#›</a:t>
             </a:fld>
             <a:endParaRPr lang="zh-CN" altLang="en-US"/>
           </a:p>
         </p:txBody>
       </p:sp>
     </p:spTree>
-    <p:extLst>
-      <p:ext uri="{BB962C8B-B14F-4D97-AF65-F5344CB8AC3E}">
-        <p14:creationId xmlns:p14="http://schemas.microsoft.com/office/powerpoint/2010/main" val="1336585872"/>
-      </p:ext>
-    </p:extLst>
   </p:cSld>
   <p:clrMapOvr>
     <a:masterClrMapping/>
@@ -1324,6 +1116,7 @@
               <a:rPr lang="zh-CN" altLang="en-US" smtClean="0"/>
               <a:t>单击此处编辑母版文本样式</a:t>
             </a:r>
+            <a:endParaRPr lang="zh-CN" altLang="en-US" smtClean="0"/>
           </a:p>
           <a:p>
             <a:pPr lvl="1"/>
@@ -1331,6 +1124,7 @@
               <a:rPr lang="zh-CN" altLang="en-US" smtClean="0"/>
               <a:t>第二级</a:t>
             </a:r>
+            <a:endParaRPr lang="zh-CN" altLang="en-US" smtClean="0"/>
           </a:p>
           <a:p>
             <a:pPr lvl="2"/>
@@ -1338,6 +1132,7 @@
               <a:rPr lang="zh-CN" altLang="en-US" smtClean="0"/>
               <a:t>第三级</a:t>
             </a:r>
+            <a:endParaRPr lang="zh-CN" altLang="en-US" smtClean="0"/>
           </a:p>
           <a:p>
             <a:pPr lvl="3"/>
@@ -1345,6 +1140,7 @@
               <a:rPr lang="zh-CN" altLang="en-US" smtClean="0"/>
               <a:t>第四级</a:t>
             </a:r>
+            <a:endParaRPr lang="zh-CN" altLang="en-US" smtClean="0"/>
           </a:p>
           <a:p>
             <a:pPr lvl="4"/>
@@ -1371,9 +1167,8 @@
           <a:bodyPr/>
           <a:lstStyle/>
           <a:p>
-            <a:fld id="{EA43ED3D-02D6-4073-A3D1-74945AE96D50}" type="datetimeFigureOut">
+            <a:fld id="{F7F56605-C295-43CC-8288-2C9C231C2BD4}" type="datetimeFigureOut">
               <a:rPr lang="zh-CN" altLang="en-US" smtClean="0"/>
-              <a:t>2016/1/6</a:t>
             </a:fld>
             <a:endParaRPr lang="zh-CN" altLang="en-US"/>
           </a:p>
@@ -1413,24 +1208,25 @@
           <a:bodyPr/>
           <a:lstStyle/>
           <a:p>
-            <a:fld id="{18C631A9-1D39-423D-AA5C-ADE46CE80CD5}" type="slidenum">
+            <a:fld id="{4E21473D-8D1E-42F7-A2CB-98B067C99015}" type="slidenum">
               <a:rPr lang="zh-CN" altLang="en-US" smtClean="0"/>
-              <a:t>‹#›</a:t>
             </a:fld>
             <a:endParaRPr lang="zh-CN" altLang="en-US"/>
           </a:p>
         </p:txBody>
       </p:sp>
     </p:spTree>
-    <p:extLst>
-      <p:ext uri="{BB962C8B-B14F-4D97-AF65-F5344CB8AC3E}">
-        <p14:creationId xmlns:p14="http://schemas.microsoft.com/office/powerpoint/2010/main" val="2243114357"/>
-      </p:ext>
-    </p:extLst>
   </p:cSld>
   <p:clrMapOvr>
     <a:masterClrMapping/>
   </p:clrMapOvr>
+  <p:timing>
+    <p:tnLst>
+      <p:par>
+        <p:cTn id="1" dur="indefinite" restart="never" nodeType="tmRoot"/>
+      </p:par>
+    </p:tnLst>
+  </p:timing>
 </p:sldLayout>
 </file>
 
@@ -1463,15 +1259,15 @@
         </p:nvSpPr>
         <p:spPr>
           <a:xfrm>
-            <a:off x="831850" y="1709738"/>
-            <a:ext cx="10515600" cy="2852737"/>
+            <a:off x="722313" y="3305176"/>
+            <a:ext cx="7772400" cy="1021556"/>
           </a:xfrm>
         </p:spPr>
         <p:txBody>
-          <a:bodyPr anchor="b"/>
+          <a:bodyPr anchor="t"/>
           <a:lstStyle>
-            <a:lvl1pPr>
-              <a:defRPr sz="6000"/>
+            <a:lvl1pPr algn="l">
+              <a:defRPr sz="4000" b="1" cap="all"/>
             </a:lvl1pPr>
           </a:lstStyle>
           <a:p>
@@ -1495,16 +1291,16 @@
         </p:nvSpPr>
         <p:spPr>
           <a:xfrm>
-            <a:off x="831850" y="4589463"/>
-            <a:ext cx="10515600" cy="1500187"/>
+            <a:off x="722313" y="2180035"/>
+            <a:ext cx="7772400" cy="1125140"/>
           </a:xfrm>
         </p:spPr>
         <p:txBody>
-          <a:bodyPr/>
+          <a:bodyPr anchor="b"/>
           <a:lstStyle>
             <a:lvl1pPr marL="0" indent="0">
               <a:buNone/>
-              <a:defRPr sz="2400">
+              <a:defRPr sz="2000">
                 <a:solidFill>
                   <a:schemeClr val="tx1">
                     <a:tint val="75000"/>
@@ -1514,7 +1310,7 @@
             </a:lvl1pPr>
             <a:lvl2pPr marL="457200" indent="0">
               <a:buNone/>
-              <a:defRPr sz="2000">
+              <a:defRPr sz="1800">
                 <a:solidFill>
                   <a:schemeClr val="tx1">
                     <a:tint val="75000"/>
@@ -1524,7 +1320,7 @@
             </a:lvl2pPr>
             <a:lvl3pPr marL="914400" indent="0">
               <a:buNone/>
-              <a:defRPr sz="1800">
+              <a:defRPr sz="1600">
                 <a:solidFill>
                   <a:schemeClr val="tx1">
                     <a:tint val="75000"/>
@@ -1534,7 +1330,7 @@
             </a:lvl3pPr>
             <a:lvl4pPr marL="1371600" indent="0">
               <a:buNone/>
-              <a:defRPr sz="1600">
+              <a:defRPr sz="1400">
                 <a:solidFill>
                   <a:schemeClr val="tx1">
                     <a:tint val="75000"/>
@@ -1544,7 +1340,7 @@
             </a:lvl4pPr>
             <a:lvl5pPr marL="1828800" indent="0">
               <a:buNone/>
-              <a:defRPr sz="1600">
+              <a:defRPr sz="1400">
                 <a:solidFill>
                   <a:schemeClr val="tx1">
                     <a:tint val="75000"/>
@@ -1554,7 +1350,7 @@
             </a:lvl5pPr>
             <a:lvl6pPr marL="2286000" indent="0">
               <a:buNone/>
-              <a:defRPr sz="1600">
+              <a:defRPr sz="1400">
                 <a:solidFill>
                   <a:schemeClr val="tx1">
                     <a:tint val="75000"/>
@@ -1564,7 +1360,7 @@
             </a:lvl6pPr>
             <a:lvl7pPr marL="2743200" indent="0">
               <a:buNone/>
-              <a:defRPr sz="1600">
+              <a:defRPr sz="1400">
                 <a:solidFill>
                   <a:schemeClr val="tx1">
                     <a:tint val="75000"/>
@@ -1574,7 +1370,7 @@
             </a:lvl7pPr>
             <a:lvl8pPr marL="3200400" indent="0">
               <a:buNone/>
-              <a:defRPr sz="1600">
+              <a:defRPr sz="1400">
                 <a:solidFill>
                   <a:schemeClr val="tx1">
                     <a:tint val="75000"/>
@@ -1584,7 +1380,7 @@
             </a:lvl8pPr>
             <a:lvl9pPr marL="3657600" indent="0">
               <a:buNone/>
-              <a:defRPr sz="1600">
+              <a:defRPr sz="1400">
                 <a:solidFill>
                   <a:schemeClr val="tx1">
                     <a:tint val="75000"/>
@@ -1617,9 +1413,8 @@
           <a:bodyPr/>
           <a:lstStyle/>
           <a:p>
-            <a:fld id="{EA43ED3D-02D6-4073-A3D1-74945AE96D50}" type="datetimeFigureOut">
+            <a:fld id="{F7F56605-C295-43CC-8288-2C9C231C2BD4}" type="datetimeFigureOut">
               <a:rPr lang="zh-CN" altLang="en-US" smtClean="0"/>
-              <a:t>2016/1/6</a:t>
             </a:fld>
             <a:endParaRPr lang="zh-CN" altLang="en-US"/>
           </a:p>
@@ -1659,20 +1454,14 @@
           <a:bodyPr/>
           <a:lstStyle/>
           <a:p>
-            <a:fld id="{18C631A9-1D39-423D-AA5C-ADE46CE80CD5}" type="slidenum">
+            <a:fld id="{4E21473D-8D1E-42F7-A2CB-98B067C99015}" type="slidenum">
               <a:rPr lang="zh-CN" altLang="en-US" smtClean="0"/>
-              <a:t>‹#›</a:t>
             </a:fld>
             <a:endParaRPr lang="zh-CN" altLang="en-US"/>
           </a:p>
         </p:txBody>
       </p:sp>
     </p:spTree>
-    <p:extLst>
-      <p:ext uri="{BB962C8B-B14F-4D97-AF65-F5344CB8AC3E}">
-        <p14:creationId xmlns:p14="http://schemas.microsoft.com/office/powerpoint/2010/main" val="3506281062"/>
-      </p:ext>
-    </p:extLst>
   </p:cSld>
   <p:clrMapOvr>
     <a:masterClrMapping/>
@@ -1732,19 +1521,48 @@
         </p:nvSpPr>
         <p:spPr>
           <a:xfrm>
-            <a:off x="838200" y="1825625"/>
-            <a:ext cx="5181600" cy="4351338"/>
+            <a:off x="457200" y="1200151"/>
+            <a:ext cx="4038600" cy="3394472"/>
           </a:xfrm>
         </p:spPr>
         <p:txBody>
           <a:bodyPr/>
-          <a:lstStyle/>
+          <a:lstStyle>
+            <a:lvl1pPr>
+              <a:defRPr sz="2800"/>
+            </a:lvl1pPr>
+            <a:lvl2pPr>
+              <a:defRPr sz="2400"/>
+            </a:lvl2pPr>
+            <a:lvl3pPr>
+              <a:defRPr sz="2000"/>
+            </a:lvl3pPr>
+            <a:lvl4pPr>
+              <a:defRPr sz="1800"/>
+            </a:lvl4pPr>
+            <a:lvl5pPr>
+              <a:defRPr sz="1800"/>
+            </a:lvl5pPr>
+            <a:lvl6pPr>
+              <a:defRPr sz="1800"/>
+            </a:lvl6pPr>
+            <a:lvl7pPr>
+              <a:defRPr sz="1800"/>
+            </a:lvl7pPr>
+            <a:lvl8pPr>
+              <a:defRPr sz="1800"/>
+            </a:lvl8pPr>
+            <a:lvl9pPr>
+              <a:defRPr sz="1800"/>
+            </a:lvl9pPr>
+          </a:lstStyle>
           <a:p>
             <a:pPr lvl="0"/>
             <a:r>
               <a:rPr lang="zh-CN" altLang="en-US" smtClean="0"/>
               <a:t>单击此处编辑母版文本样式</a:t>
             </a:r>
+            <a:endParaRPr lang="zh-CN" altLang="en-US" smtClean="0"/>
           </a:p>
           <a:p>
             <a:pPr lvl="1"/>
@@ -1752,6 +1570,7 @@
               <a:rPr lang="zh-CN" altLang="en-US" smtClean="0"/>
               <a:t>第二级</a:t>
             </a:r>
+            <a:endParaRPr lang="zh-CN" altLang="en-US" smtClean="0"/>
           </a:p>
           <a:p>
             <a:pPr lvl="2"/>
@@ -1759,6 +1578,7 @@
               <a:rPr lang="zh-CN" altLang="en-US" smtClean="0"/>
               <a:t>第三级</a:t>
             </a:r>
+            <a:endParaRPr lang="zh-CN" altLang="en-US" smtClean="0"/>
           </a:p>
           <a:p>
             <a:pPr lvl="3"/>
@@ -1766,6 +1586,7 @@
               <a:rPr lang="zh-CN" altLang="en-US" smtClean="0"/>
               <a:t>第四级</a:t>
             </a:r>
+            <a:endParaRPr lang="zh-CN" altLang="en-US" smtClean="0"/>
           </a:p>
           <a:p>
             <a:pPr lvl="4"/>
@@ -1789,19 +1610,48 @@
         </p:nvSpPr>
         <p:spPr>
           <a:xfrm>
-            <a:off x="6172200" y="1825625"/>
-            <a:ext cx="5181600" cy="4351338"/>
+            <a:off x="4648200" y="1200151"/>
+            <a:ext cx="4038600" cy="3394472"/>
           </a:xfrm>
         </p:spPr>
         <p:txBody>
           <a:bodyPr/>
-          <a:lstStyle/>
+          <a:lstStyle>
+            <a:lvl1pPr>
+              <a:defRPr sz="2800"/>
+            </a:lvl1pPr>
+            <a:lvl2pPr>
+              <a:defRPr sz="2400"/>
+            </a:lvl2pPr>
+            <a:lvl3pPr>
+              <a:defRPr sz="2000"/>
+            </a:lvl3pPr>
+            <a:lvl4pPr>
+              <a:defRPr sz="1800"/>
+            </a:lvl4pPr>
+            <a:lvl5pPr>
+              <a:defRPr sz="1800"/>
+            </a:lvl5pPr>
+            <a:lvl6pPr>
+              <a:defRPr sz="1800"/>
+            </a:lvl6pPr>
+            <a:lvl7pPr>
+              <a:defRPr sz="1800"/>
+            </a:lvl7pPr>
+            <a:lvl8pPr>
+              <a:defRPr sz="1800"/>
+            </a:lvl8pPr>
+            <a:lvl9pPr>
+              <a:defRPr sz="1800"/>
+            </a:lvl9pPr>
+          </a:lstStyle>
           <a:p>
             <a:pPr lvl="0"/>
             <a:r>
               <a:rPr lang="zh-CN" altLang="en-US" smtClean="0"/>
               <a:t>单击此处编辑母版文本样式</a:t>
             </a:r>
+            <a:endParaRPr lang="zh-CN" altLang="en-US" smtClean="0"/>
           </a:p>
           <a:p>
             <a:pPr lvl="1"/>
@@ -1809,6 +1659,7 @@
               <a:rPr lang="zh-CN" altLang="en-US" smtClean="0"/>
               <a:t>第二级</a:t>
             </a:r>
+            <a:endParaRPr lang="zh-CN" altLang="en-US" smtClean="0"/>
           </a:p>
           <a:p>
             <a:pPr lvl="2"/>
@@ -1816,6 +1667,7 @@
               <a:rPr lang="zh-CN" altLang="en-US" smtClean="0"/>
               <a:t>第三级</a:t>
             </a:r>
+            <a:endParaRPr lang="zh-CN" altLang="en-US" smtClean="0"/>
           </a:p>
           <a:p>
             <a:pPr lvl="3"/>
@@ -1823,6 +1675,7 @@
               <a:rPr lang="zh-CN" altLang="en-US" smtClean="0"/>
               <a:t>第四级</a:t>
             </a:r>
+            <a:endParaRPr lang="zh-CN" altLang="en-US" smtClean="0"/>
           </a:p>
           <a:p>
             <a:pPr lvl="4"/>
@@ -1849,9 +1702,8 @@
           <a:bodyPr/>
           <a:lstStyle/>
           <a:p>
-            <a:fld id="{EA43ED3D-02D6-4073-A3D1-74945AE96D50}" type="datetimeFigureOut">
+            <a:fld id="{F7F56605-C295-43CC-8288-2C9C231C2BD4}" type="datetimeFigureOut">
               <a:rPr lang="zh-CN" altLang="en-US" smtClean="0"/>
-              <a:t>2016/1/6</a:t>
             </a:fld>
             <a:endParaRPr lang="zh-CN" altLang="en-US"/>
           </a:p>
@@ -1891,20 +1743,14 @@
           <a:bodyPr/>
           <a:lstStyle/>
           <a:p>
-            <a:fld id="{18C631A9-1D39-423D-AA5C-ADE46CE80CD5}" type="slidenum">
+            <a:fld id="{4E21473D-8D1E-42F7-A2CB-98B067C99015}" type="slidenum">
               <a:rPr lang="zh-CN" altLang="en-US" smtClean="0"/>
-              <a:t>‹#›</a:t>
             </a:fld>
             <a:endParaRPr lang="zh-CN" altLang="en-US"/>
           </a:p>
         </p:txBody>
       </p:sp>
     </p:spTree>
-    <p:extLst>
-      <p:ext uri="{BB962C8B-B14F-4D97-AF65-F5344CB8AC3E}">
-        <p14:creationId xmlns:p14="http://schemas.microsoft.com/office/powerpoint/2010/main" val="425157131"/>
-      </p:ext>
-    </p:extLst>
   </p:cSld>
   <p:clrMapOvr>
     <a:masterClrMapping/>
@@ -1939,15 +1785,14 @@
             <p:ph type="title"/>
           </p:nvPr>
         </p:nvSpPr>
-        <p:spPr>
-          <a:xfrm>
-            <a:off x="839788" y="365125"/>
-            <a:ext cx="10515600" cy="1325563"/>
-          </a:xfrm>
-        </p:spPr>
+        <p:spPr/>
         <p:txBody>
           <a:bodyPr/>
-          <a:lstStyle/>
+          <a:lstStyle>
+            <a:lvl1pPr>
+              <a:defRPr/>
+            </a:lvl1pPr>
+          </a:lstStyle>
           <a:p>
             <a:r>
               <a:rPr lang="zh-CN" altLang="en-US" smtClean="0"/>
@@ -1969,8 +1814,8 @@
         </p:nvSpPr>
         <p:spPr>
           <a:xfrm>
-            <a:off x="839788" y="1681163"/>
-            <a:ext cx="5157787" cy="823912"/>
+            <a:off x="457200" y="1151335"/>
+            <a:ext cx="4040188" cy="479822"/>
           </a:xfrm>
         </p:spPr>
         <p:txBody>
@@ -2034,19 +1879,48 @@
         </p:nvSpPr>
         <p:spPr>
           <a:xfrm>
-            <a:off x="839788" y="2505075"/>
-            <a:ext cx="5157787" cy="3684588"/>
+            <a:off x="457200" y="1631156"/>
+            <a:ext cx="4040188" cy="2963466"/>
           </a:xfrm>
         </p:spPr>
         <p:txBody>
           <a:bodyPr/>
-          <a:lstStyle/>
+          <a:lstStyle>
+            <a:lvl1pPr>
+              <a:defRPr sz="2400"/>
+            </a:lvl1pPr>
+            <a:lvl2pPr>
+              <a:defRPr sz="2000"/>
+            </a:lvl2pPr>
+            <a:lvl3pPr>
+              <a:defRPr sz="1800"/>
+            </a:lvl3pPr>
+            <a:lvl4pPr>
+              <a:defRPr sz="1600"/>
+            </a:lvl4pPr>
+            <a:lvl5pPr>
+              <a:defRPr sz="1600"/>
+            </a:lvl5pPr>
+            <a:lvl6pPr>
+              <a:defRPr sz="1600"/>
+            </a:lvl6pPr>
+            <a:lvl7pPr>
+              <a:defRPr sz="1600"/>
+            </a:lvl7pPr>
+            <a:lvl8pPr>
+              <a:defRPr sz="1600"/>
+            </a:lvl8pPr>
+            <a:lvl9pPr>
+              <a:defRPr sz="1600"/>
+            </a:lvl9pPr>
+          </a:lstStyle>
           <a:p>
             <a:pPr lvl="0"/>
             <a:r>
               <a:rPr lang="zh-CN" altLang="en-US" smtClean="0"/>
               <a:t>单击此处编辑母版文本样式</a:t>
             </a:r>
+            <a:endParaRPr lang="zh-CN" altLang="en-US" smtClean="0"/>
           </a:p>
           <a:p>
             <a:pPr lvl="1"/>
@@ -2054,6 +1928,7 @@
               <a:rPr lang="zh-CN" altLang="en-US" smtClean="0"/>
               <a:t>第二级</a:t>
             </a:r>
+            <a:endParaRPr lang="zh-CN" altLang="en-US" smtClean="0"/>
           </a:p>
           <a:p>
             <a:pPr lvl="2"/>
@@ -2061,6 +1936,7 @@
               <a:rPr lang="zh-CN" altLang="en-US" smtClean="0"/>
               <a:t>第三级</a:t>
             </a:r>
+            <a:endParaRPr lang="zh-CN" altLang="en-US" smtClean="0"/>
           </a:p>
           <a:p>
             <a:pPr lvl="3"/>
@@ -2068,6 +1944,7 @@
               <a:rPr lang="zh-CN" altLang="en-US" smtClean="0"/>
               <a:t>第四级</a:t>
             </a:r>
+            <a:endParaRPr lang="zh-CN" altLang="en-US" smtClean="0"/>
           </a:p>
           <a:p>
             <a:pPr lvl="4"/>
@@ -2091,8 +1968,8 @@
         </p:nvSpPr>
         <p:spPr>
           <a:xfrm>
-            <a:off x="6172200" y="1681163"/>
-            <a:ext cx="5183188" cy="823912"/>
+            <a:off x="4645026" y="1151335"/>
+            <a:ext cx="4041775" cy="479822"/>
           </a:xfrm>
         </p:spPr>
         <p:txBody>
@@ -2156,19 +2033,48 @@
         </p:nvSpPr>
         <p:spPr>
           <a:xfrm>
-            <a:off x="6172200" y="2505075"/>
-            <a:ext cx="5183188" cy="3684588"/>
+            <a:off x="4645026" y="1631156"/>
+            <a:ext cx="4041775" cy="2963466"/>
           </a:xfrm>
         </p:spPr>
         <p:txBody>
           <a:bodyPr/>
-          <a:lstStyle/>
+          <a:lstStyle>
+            <a:lvl1pPr>
+              <a:defRPr sz="2400"/>
+            </a:lvl1pPr>
+            <a:lvl2pPr>
+              <a:defRPr sz="2000"/>
+            </a:lvl2pPr>
+            <a:lvl3pPr>
+              <a:defRPr sz="1800"/>
+            </a:lvl3pPr>
+            <a:lvl4pPr>
+              <a:defRPr sz="1600"/>
+            </a:lvl4pPr>
+            <a:lvl5pPr>
+              <a:defRPr sz="1600"/>
+            </a:lvl5pPr>
+            <a:lvl6pPr>
+              <a:defRPr sz="1600"/>
+            </a:lvl6pPr>
+            <a:lvl7pPr>
+              <a:defRPr sz="1600"/>
+            </a:lvl7pPr>
+            <a:lvl8pPr>
+              <a:defRPr sz="1600"/>
+            </a:lvl8pPr>
+            <a:lvl9pPr>
+              <a:defRPr sz="1600"/>
+            </a:lvl9pPr>
+          </a:lstStyle>
           <a:p>
             <a:pPr lvl="0"/>
             <a:r>
               <a:rPr lang="zh-CN" altLang="en-US" smtClean="0"/>
               <a:t>单击此处编辑母版文本样式</a:t>
             </a:r>
+            <a:endParaRPr lang="zh-CN" altLang="en-US" smtClean="0"/>
           </a:p>
           <a:p>
             <a:pPr lvl="1"/>
@@ -2176,6 +2082,7 @@
               <a:rPr lang="zh-CN" altLang="en-US" smtClean="0"/>
               <a:t>第二级</a:t>
             </a:r>
+            <a:endParaRPr lang="zh-CN" altLang="en-US" smtClean="0"/>
           </a:p>
           <a:p>
             <a:pPr lvl="2"/>
@@ -2183,6 +2090,7 @@
               <a:rPr lang="zh-CN" altLang="en-US" smtClean="0"/>
               <a:t>第三级</a:t>
             </a:r>
+            <a:endParaRPr lang="zh-CN" altLang="en-US" smtClean="0"/>
           </a:p>
           <a:p>
             <a:pPr lvl="3"/>
@@ -2190,6 +2098,7 @@
               <a:rPr lang="zh-CN" altLang="en-US" smtClean="0"/>
               <a:t>第四级</a:t>
             </a:r>
+            <a:endParaRPr lang="zh-CN" altLang="en-US" smtClean="0"/>
           </a:p>
           <a:p>
             <a:pPr lvl="4"/>
@@ -2216,9 +2125,8 @@
           <a:bodyPr/>
           <a:lstStyle/>
           <a:p>
-            <a:fld id="{EA43ED3D-02D6-4073-A3D1-74945AE96D50}" type="datetimeFigureOut">
+            <a:fld id="{F7F56605-C295-43CC-8288-2C9C231C2BD4}" type="datetimeFigureOut">
               <a:rPr lang="zh-CN" altLang="en-US" smtClean="0"/>
-              <a:t>2016/1/6</a:t>
             </a:fld>
             <a:endParaRPr lang="zh-CN" altLang="en-US"/>
           </a:p>
@@ -2258,20 +2166,14 @@
           <a:bodyPr/>
           <a:lstStyle/>
           <a:p>
-            <a:fld id="{18C631A9-1D39-423D-AA5C-ADE46CE80CD5}" type="slidenum">
+            <a:fld id="{4E21473D-8D1E-42F7-A2CB-98B067C99015}" type="slidenum">
               <a:rPr lang="zh-CN" altLang="en-US" smtClean="0"/>
-              <a:t>‹#›</a:t>
             </a:fld>
             <a:endParaRPr lang="zh-CN" altLang="en-US"/>
           </a:p>
         </p:txBody>
       </p:sp>
     </p:spTree>
-    <p:extLst>
-      <p:ext uri="{BB962C8B-B14F-4D97-AF65-F5344CB8AC3E}">
-        <p14:creationId xmlns:p14="http://schemas.microsoft.com/office/powerpoint/2010/main" val="2524770771"/>
-      </p:ext>
-    </p:extLst>
   </p:cSld>
   <p:clrMapOvr>
     <a:masterClrMapping/>
@@ -2334,9 +2236,8 @@
           <a:bodyPr/>
           <a:lstStyle/>
           <a:p>
-            <a:fld id="{EA43ED3D-02D6-4073-A3D1-74945AE96D50}" type="datetimeFigureOut">
+            <a:fld id="{F7F56605-C295-43CC-8288-2C9C231C2BD4}" type="datetimeFigureOut">
               <a:rPr lang="zh-CN" altLang="en-US" smtClean="0"/>
-              <a:t>2016/1/6</a:t>
             </a:fld>
             <a:endParaRPr lang="zh-CN" altLang="en-US"/>
           </a:p>
@@ -2376,20 +2277,14 @@
           <a:bodyPr/>
           <a:lstStyle/>
           <a:p>
-            <a:fld id="{18C631A9-1D39-423D-AA5C-ADE46CE80CD5}" type="slidenum">
+            <a:fld id="{4E21473D-8D1E-42F7-A2CB-98B067C99015}" type="slidenum">
               <a:rPr lang="zh-CN" altLang="en-US" smtClean="0"/>
-              <a:t>‹#›</a:t>
             </a:fld>
             <a:endParaRPr lang="zh-CN" altLang="en-US"/>
           </a:p>
         </p:txBody>
       </p:sp>
     </p:spTree>
-    <p:extLst>
-      <p:ext uri="{BB962C8B-B14F-4D97-AF65-F5344CB8AC3E}">
-        <p14:creationId xmlns:p14="http://schemas.microsoft.com/office/powerpoint/2010/main" val="2272283258"/>
-      </p:ext>
-    </p:extLst>
   </p:cSld>
   <p:clrMapOvr>
     <a:masterClrMapping/>
@@ -2429,9 +2324,8 @@
           <a:bodyPr/>
           <a:lstStyle/>
           <a:p>
-            <a:fld id="{EA43ED3D-02D6-4073-A3D1-74945AE96D50}" type="datetimeFigureOut">
+            <a:fld id="{F7F56605-C295-43CC-8288-2C9C231C2BD4}" type="datetimeFigureOut">
               <a:rPr lang="zh-CN" altLang="en-US" smtClean="0"/>
-              <a:t>2016/1/6</a:t>
             </a:fld>
             <a:endParaRPr lang="zh-CN" altLang="en-US"/>
           </a:p>
@@ -2471,24 +2365,25 @@
           <a:bodyPr/>
           <a:lstStyle/>
           <a:p>
-            <a:fld id="{18C631A9-1D39-423D-AA5C-ADE46CE80CD5}" type="slidenum">
+            <a:fld id="{4E21473D-8D1E-42F7-A2CB-98B067C99015}" type="slidenum">
               <a:rPr lang="zh-CN" altLang="en-US" smtClean="0"/>
-              <a:t>‹#›</a:t>
             </a:fld>
             <a:endParaRPr lang="zh-CN" altLang="en-US"/>
           </a:p>
         </p:txBody>
       </p:sp>
     </p:spTree>
-    <p:extLst>
-      <p:ext uri="{BB962C8B-B14F-4D97-AF65-F5344CB8AC3E}">
-        <p14:creationId xmlns:p14="http://schemas.microsoft.com/office/powerpoint/2010/main" val="1876317092"/>
-      </p:ext>
-    </p:extLst>
   </p:cSld>
   <p:clrMapOvr>
     <a:masterClrMapping/>
   </p:clrMapOvr>
+  <p:timing>
+    <p:tnLst>
+      <p:par>
+        <p:cTn id="1" dur="indefinite" restart="never" nodeType="tmRoot"/>
+      </p:par>
+    </p:tnLst>
+  </p:timing>
 </p:sldLayout>
 </file>
 
@@ -2521,15 +2416,15 @@
         </p:nvSpPr>
         <p:spPr>
           <a:xfrm>
-            <a:off x="839788" y="457200"/>
-            <a:ext cx="3932237" cy="1600200"/>
+            <a:off x="457201" y="204787"/>
+            <a:ext cx="3008313" cy="871538"/>
           </a:xfrm>
         </p:spPr>
         <p:txBody>
           <a:bodyPr anchor="b"/>
           <a:lstStyle>
-            <a:lvl1pPr>
-              <a:defRPr sz="3200"/>
+            <a:lvl1pPr algn="l">
+              <a:defRPr sz="2000" b="1"/>
             </a:lvl1pPr>
           </a:lstStyle>
           <a:p>
@@ -2553,8 +2448,8 @@
         </p:nvSpPr>
         <p:spPr>
           <a:xfrm>
-            <a:off x="5183188" y="987425"/>
-            <a:ext cx="6172200" cy="4873625"/>
+            <a:off x="3575050" y="204788"/>
+            <a:ext cx="5111750" cy="4389835"/>
           </a:xfrm>
         </p:spPr>
         <p:txBody>
@@ -2594,6 +2489,7 @@
               <a:rPr lang="zh-CN" altLang="en-US" smtClean="0"/>
               <a:t>单击此处编辑母版文本样式</a:t>
             </a:r>
+            <a:endParaRPr lang="zh-CN" altLang="en-US" smtClean="0"/>
           </a:p>
           <a:p>
             <a:pPr lvl="1"/>
@@ -2601,6 +2497,7 @@
               <a:rPr lang="zh-CN" altLang="en-US" smtClean="0"/>
               <a:t>第二级</a:t>
             </a:r>
+            <a:endParaRPr lang="zh-CN" altLang="en-US" smtClean="0"/>
           </a:p>
           <a:p>
             <a:pPr lvl="2"/>
@@ -2608,6 +2505,7 @@
               <a:rPr lang="zh-CN" altLang="en-US" smtClean="0"/>
               <a:t>第三级</a:t>
             </a:r>
+            <a:endParaRPr lang="zh-CN" altLang="en-US" smtClean="0"/>
           </a:p>
           <a:p>
             <a:pPr lvl="3"/>
@@ -2615,6 +2513,7 @@
               <a:rPr lang="zh-CN" altLang="en-US" smtClean="0"/>
               <a:t>第四级</a:t>
             </a:r>
+            <a:endParaRPr lang="zh-CN" altLang="en-US" smtClean="0"/>
           </a:p>
           <a:p>
             <a:pPr lvl="4"/>
@@ -2638,8 +2537,8 @@
         </p:nvSpPr>
         <p:spPr>
           <a:xfrm>
-            <a:off x="839788" y="2057400"/>
-            <a:ext cx="3932237" cy="3811588"/>
+            <a:off x="457201" y="1076326"/>
+            <a:ext cx="3008313" cy="3518297"/>
           </a:xfrm>
         </p:spPr>
         <p:txBody>
@@ -2647,39 +2546,39 @@
           <a:lstStyle>
             <a:lvl1pPr marL="0" indent="0">
               <a:buNone/>
-              <a:defRPr sz="1600"/>
+              <a:defRPr sz="1400"/>
             </a:lvl1pPr>
             <a:lvl2pPr marL="457200" indent="0">
               <a:buNone/>
-              <a:defRPr sz="1400"/>
+              <a:defRPr sz="1200"/>
             </a:lvl2pPr>
             <a:lvl3pPr marL="914400" indent="0">
               <a:buNone/>
-              <a:defRPr sz="1200"/>
+              <a:defRPr sz="1000"/>
             </a:lvl3pPr>
             <a:lvl4pPr marL="1371600" indent="0">
               <a:buNone/>
-              <a:defRPr sz="1000"/>
+              <a:defRPr sz="900"/>
             </a:lvl4pPr>
             <a:lvl5pPr marL="1828800" indent="0">
               <a:buNone/>
-              <a:defRPr sz="1000"/>
+              <a:defRPr sz="900"/>
             </a:lvl5pPr>
             <a:lvl6pPr marL="2286000" indent="0">
               <a:buNone/>
-              <a:defRPr sz="1000"/>
+              <a:defRPr sz="900"/>
             </a:lvl6pPr>
             <a:lvl7pPr marL="2743200" indent="0">
               <a:buNone/>
-              <a:defRPr sz="1000"/>
+              <a:defRPr sz="900"/>
             </a:lvl7pPr>
             <a:lvl8pPr marL="3200400" indent="0">
               <a:buNone/>
-              <a:defRPr sz="1000"/>
+              <a:defRPr sz="900"/>
             </a:lvl8pPr>
             <a:lvl9pPr marL="3657600" indent="0">
               <a:buNone/>
-              <a:defRPr sz="1000"/>
+              <a:defRPr sz="900"/>
             </a:lvl9pPr>
           </a:lstStyle>
           <a:p>
@@ -2706,9 +2605,8 @@
           <a:bodyPr/>
           <a:lstStyle/>
           <a:p>
-            <a:fld id="{EA43ED3D-02D6-4073-A3D1-74945AE96D50}" type="datetimeFigureOut">
+            <a:fld id="{F7F56605-C295-43CC-8288-2C9C231C2BD4}" type="datetimeFigureOut">
               <a:rPr lang="zh-CN" altLang="en-US" smtClean="0"/>
-              <a:t>2016/1/6</a:t>
             </a:fld>
             <a:endParaRPr lang="zh-CN" altLang="en-US"/>
           </a:p>
@@ -2748,24 +2646,25 @@
           <a:bodyPr/>
           <a:lstStyle/>
           <a:p>
-            <a:fld id="{18C631A9-1D39-423D-AA5C-ADE46CE80CD5}" type="slidenum">
+            <a:fld id="{4E21473D-8D1E-42F7-A2CB-98B067C99015}" type="slidenum">
               <a:rPr lang="zh-CN" altLang="en-US" smtClean="0"/>
-              <a:t>‹#›</a:t>
             </a:fld>
             <a:endParaRPr lang="zh-CN" altLang="en-US"/>
           </a:p>
         </p:txBody>
       </p:sp>
     </p:spTree>
-    <p:extLst>
-      <p:ext uri="{BB962C8B-B14F-4D97-AF65-F5344CB8AC3E}">
-        <p14:creationId xmlns:p14="http://schemas.microsoft.com/office/powerpoint/2010/main" val="2971681322"/>
-      </p:ext>
-    </p:extLst>
   </p:cSld>
   <p:clrMapOvr>
     <a:masterClrMapping/>
   </p:clrMapOvr>
+  <p:timing>
+    <p:tnLst>
+      <p:par>
+        <p:cTn id="1" dur="indefinite" restart="never" nodeType="tmRoot"/>
+      </p:par>
+    </p:tnLst>
+  </p:timing>
 </p:sldLayout>
 </file>
 
@@ -2798,15 +2697,15 @@
         </p:nvSpPr>
         <p:spPr>
           <a:xfrm>
-            <a:off x="839788" y="457200"/>
-            <a:ext cx="3932237" cy="1600200"/>
+            <a:off x="1792288" y="3600450"/>
+            <a:ext cx="5486400" cy="425054"/>
           </a:xfrm>
         </p:spPr>
         <p:txBody>
           <a:bodyPr anchor="b"/>
           <a:lstStyle>
-            <a:lvl1pPr>
-              <a:defRPr sz="3200"/>
+            <a:lvl1pPr algn="l">
+              <a:defRPr sz="2000" b="1"/>
             </a:lvl1pPr>
           </a:lstStyle>
           <a:p>
@@ -2830,8 +2729,8 @@
         </p:nvSpPr>
         <p:spPr>
           <a:xfrm>
-            <a:off x="5183188" y="987425"/>
-            <a:ext cx="6172200" cy="4873625"/>
+            <a:off x="1792288" y="459581"/>
+            <a:ext cx="5486400" cy="3086100"/>
           </a:xfrm>
         </p:spPr>
         <p:txBody>
@@ -2891,8 +2790,8 @@
         </p:nvSpPr>
         <p:spPr>
           <a:xfrm>
-            <a:off x="839788" y="2057400"/>
-            <a:ext cx="3932237" cy="3811588"/>
+            <a:off x="1792288" y="4025503"/>
+            <a:ext cx="5486400" cy="603647"/>
           </a:xfrm>
         </p:spPr>
         <p:txBody>
@@ -2900,39 +2799,39 @@
           <a:lstStyle>
             <a:lvl1pPr marL="0" indent="0">
               <a:buNone/>
-              <a:defRPr sz="1600"/>
+              <a:defRPr sz="1400"/>
             </a:lvl1pPr>
             <a:lvl2pPr marL="457200" indent="0">
               <a:buNone/>
-              <a:defRPr sz="1400"/>
+              <a:defRPr sz="1200"/>
             </a:lvl2pPr>
             <a:lvl3pPr marL="914400" indent="0">
               <a:buNone/>
-              <a:defRPr sz="1200"/>
+              <a:defRPr sz="1000"/>
             </a:lvl3pPr>
             <a:lvl4pPr marL="1371600" indent="0">
               <a:buNone/>
-              <a:defRPr sz="1000"/>
+              <a:defRPr sz="900"/>
             </a:lvl4pPr>
             <a:lvl5pPr marL="1828800" indent="0">
               <a:buNone/>
-              <a:defRPr sz="1000"/>
+              <a:defRPr sz="900"/>
             </a:lvl5pPr>
             <a:lvl6pPr marL="2286000" indent="0">
               <a:buNone/>
-              <a:defRPr sz="1000"/>
+              <a:defRPr sz="900"/>
             </a:lvl6pPr>
             <a:lvl7pPr marL="2743200" indent="0">
               <a:buNone/>
-              <a:defRPr sz="1000"/>
+              <a:defRPr sz="900"/>
             </a:lvl7pPr>
             <a:lvl8pPr marL="3200400" indent="0">
               <a:buNone/>
-              <a:defRPr sz="1000"/>
+              <a:defRPr sz="900"/>
             </a:lvl8pPr>
             <a:lvl9pPr marL="3657600" indent="0">
               <a:buNone/>
-              <a:defRPr sz="1000"/>
+              <a:defRPr sz="900"/>
             </a:lvl9pPr>
           </a:lstStyle>
           <a:p>
@@ -2959,9 +2858,8 @@
           <a:bodyPr/>
           <a:lstStyle/>
           <a:p>
-            <a:fld id="{EA43ED3D-02D6-4073-A3D1-74945AE96D50}" type="datetimeFigureOut">
+            <a:fld id="{F7F56605-C295-43CC-8288-2C9C231C2BD4}" type="datetimeFigureOut">
               <a:rPr lang="zh-CN" altLang="en-US" smtClean="0"/>
-              <a:t>2016/1/6</a:t>
             </a:fld>
             <a:endParaRPr lang="zh-CN" altLang="en-US"/>
           </a:p>
@@ -3001,20 +2899,14 @@
           <a:bodyPr/>
           <a:lstStyle/>
           <a:p>
-            <a:fld id="{18C631A9-1D39-423D-AA5C-ADE46CE80CD5}" type="slidenum">
+            <a:fld id="{4E21473D-8D1E-42F7-A2CB-98B067C99015}" type="slidenum">
               <a:rPr lang="zh-CN" altLang="en-US" smtClean="0"/>
-              <a:t>‹#›</a:t>
             </a:fld>
             <a:endParaRPr lang="zh-CN" altLang="en-US"/>
           </a:p>
         </p:txBody>
       </p:sp>
     </p:spTree>
-    <p:extLst>
-      <p:ext uri="{BB962C8B-B14F-4D97-AF65-F5344CB8AC3E}">
-        <p14:creationId xmlns:p14="http://schemas.microsoft.com/office/powerpoint/2010/main" val="3934380005"/>
-      </p:ext>
-    </p:extLst>
   </p:cSld>
   <p:clrMapOvr>
     <a:masterClrMapping/>
@@ -3027,9 +2919,26 @@
   <p:cSld>
     <p:bg>
       <p:bgPr>
-        <a:solidFill>
-          <a:srgbClr val="000040"/>
-        </a:solidFill>
+        <a:gradFill flip="none" rotWithShape="1">
+          <a:gsLst>
+            <a:gs pos="67000">
+              <a:srgbClr val="940506"/>
+            </a:gs>
+            <a:gs pos="49000">
+              <a:srgbClr val="B41717"/>
+            </a:gs>
+            <a:gs pos="21000">
+              <a:srgbClr val="CD2625"/>
+            </a:gs>
+            <a:gs pos="100000">
+              <a:srgbClr val="610B0C"/>
+            </a:gs>
+          </a:gsLst>
+          <a:path path="circle">
+            <a:fillToRect l="50000" t="50000" r="50000" b="50000"/>
+          </a:path>
+          <a:tileRect/>
+        </a:gradFill>
         <a:effectLst/>
       </p:bgPr>
     </p:bg>
@@ -3059,8 +2968,8 @@
         </p:nvSpPr>
         <p:spPr>
           <a:xfrm>
-            <a:off x="838200" y="365125"/>
-            <a:ext cx="10515600" cy="1325563"/>
+            <a:off x="457200" y="205978"/>
+            <a:ext cx="8229600" cy="857250"/>
           </a:xfrm>
           <a:prstGeom prst="rect">
             <a:avLst/>
@@ -3092,8 +3001,8 @@
         </p:nvSpPr>
         <p:spPr>
           <a:xfrm>
-            <a:off x="838200" y="1825625"/>
-            <a:ext cx="10515600" cy="4351338"/>
+            <a:off x="457200" y="1200151"/>
+            <a:ext cx="8229600" cy="3394472"/>
           </a:xfrm>
           <a:prstGeom prst="rect">
             <a:avLst/>
@@ -3107,38 +3016,42 @@
           <a:p>
             <a:pPr lvl="0"/>
             <a:r>
-              <a:rPr lang="zh-CN" altLang="en-US" smtClean="0"/>
+              <a:rPr lang="zh-CN" altLang="en-US" dirty="0" smtClean="0"/>
               <a:t>单击此处编辑母版文本样式</a:t>
             </a:r>
+            <a:endParaRPr lang="zh-CN" altLang="en-US" dirty="0" smtClean="0"/>
           </a:p>
           <a:p>
             <a:pPr lvl="1"/>
             <a:r>
-              <a:rPr lang="zh-CN" altLang="en-US" smtClean="0"/>
+              <a:rPr lang="zh-CN" altLang="en-US" dirty="0" smtClean="0"/>
               <a:t>第二级</a:t>
             </a:r>
+            <a:endParaRPr lang="zh-CN" altLang="en-US" dirty="0" smtClean="0"/>
           </a:p>
           <a:p>
             <a:pPr lvl="2"/>
             <a:r>
-              <a:rPr lang="zh-CN" altLang="en-US" smtClean="0"/>
+              <a:rPr lang="zh-CN" altLang="en-US" dirty="0" smtClean="0"/>
               <a:t>第三级</a:t>
             </a:r>
+            <a:endParaRPr lang="zh-CN" altLang="en-US" dirty="0" smtClean="0"/>
           </a:p>
           <a:p>
             <a:pPr lvl="3"/>
             <a:r>
-              <a:rPr lang="zh-CN" altLang="en-US" smtClean="0"/>
+              <a:rPr lang="zh-CN" altLang="en-US" dirty="0" smtClean="0"/>
               <a:t>第四级</a:t>
             </a:r>
+            <a:endParaRPr lang="zh-CN" altLang="en-US" dirty="0" smtClean="0"/>
           </a:p>
           <a:p>
             <a:pPr lvl="4"/>
             <a:r>
-              <a:rPr lang="zh-CN" altLang="en-US" smtClean="0"/>
+              <a:rPr lang="zh-CN" altLang="en-US" dirty="0" smtClean="0"/>
               <a:t>第五级</a:t>
             </a:r>
-            <a:endParaRPr lang="zh-CN" altLang="en-US"/>
+            <a:endParaRPr lang="zh-CN" altLang="en-US" dirty="0"/>
           </a:p>
         </p:txBody>
       </p:sp>
@@ -3154,8 +3067,8 @@
         </p:nvSpPr>
         <p:spPr>
           <a:xfrm>
-            <a:off x="838200" y="6356350"/>
-            <a:ext cx="2743200" cy="365125"/>
+            <a:off x="457200" y="4767263"/>
+            <a:ext cx="2133600" cy="273844"/>
           </a:xfrm>
           <a:prstGeom prst="rect">
             <a:avLst/>
@@ -3175,9 +3088,8 @@
             </a:lvl1pPr>
           </a:lstStyle>
           <a:p>
-            <a:fld id="{EA43ED3D-02D6-4073-A3D1-74945AE96D50}" type="datetimeFigureOut">
+            <a:fld id="{F7F56605-C295-43CC-8288-2C9C231C2BD4}" type="datetimeFigureOut">
               <a:rPr lang="zh-CN" altLang="en-US" smtClean="0"/>
-              <a:t>2016/1/6</a:t>
             </a:fld>
             <a:endParaRPr lang="zh-CN" altLang="en-US"/>
           </a:p>
@@ -3195,8 +3107,8 @@
         </p:nvSpPr>
         <p:spPr>
           <a:xfrm>
-            <a:off x="4038600" y="6356350"/>
-            <a:ext cx="4114800" cy="365125"/>
+            <a:off x="3124200" y="4767263"/>
+            <a:ext cx="2895600" cy="273844"/>
           </a:xfrm>
           <a:prstGeom prst="rect">
             <a:avLst/>
@@ -3232,8 +3144,8 @@
         </p:nvSpPr>
         <p:spPr>
           <a:xfrm>
-            <a:off x="8610600" y="6356350"/>
-            <a:ext cx="2743200" cy="365125"/>
+            <a:off x="6553200" y="4767263"/>
+            <a:ext cx="2133600" cy="273844"/>
           </a:xfrm>
           <a:prstGeom prst="rect">
             <a:avLst/>
@@ -3253,20 +3165,45 @@
             </a:lvl1pPr>
           </a:lstStyle>
           <a:p>
-            <a:fld id="{18C631A9-1D39-423D-AA5C-ADE46CE80CD5}" type="slidenum">
+            <a:fld id="{4E21473D-8D1E-42F7-A2CB-98B067C99015}" type="slidenum">
               <a:rPr lang="zh-CN" altLang="en-US" smtClean="0"/>
-              <a:t>‹#›</a:t>
             </a:fld>
             <a:endParaRPr lang="zh-CN" altLang="en-US"/>
           </a:p>
         </p:txBody>
       </p:sp>
+      <p:pic>
+        <p:nvPicPr>
+          <p:cNvPr id="10" name="图片 9"/>
+          <p:cNvPicPr>
+            <a:picLocks noChangeAspect="1"/>
+          </p:cNvPicPr>
+          <p:nvPr userDrawn="1"/>
+        </p:nvPicPr>
+        <p:blipFill>
+          <a:blip r:embed="rId12">
+            <a:extLst>
+              <a:ext uri="{28A0092B-C50C-407E-A947-70E740481C1C}">
+                <a14:useLocalDpi xmlns:a14="http://schemas.microsoft.com/office/drawing/2010/main" val="0"/>
+              </a:ext>
+            </a:extLst>
+          </a:blip>
+          <a:srcRect/>
+          <a:stretch>
+            <a:fillRect/>
+          </a:stretch>
+        </p:blipFill>
+        <p:spPr>
+          <a:xfrm>
+            <a:off x="22466" y="0"/>
+            <a:ext cx="9099067" cy="5143500"/>
+          </a:xfrm>
+          <a:prstGeom prst="rect">
+            <a:avLst/>
+          </a:prstGeom>
+        </p:spPr>
+      </p:pic>
     </p:spTree>
-    <p:extLst>
-      <p:ext uri="{BB962C8B-B14F-4D97-AF65-F5344CB8AC3E}">
-        <p14:creationId xmlns:p14="http://schemas.microsoft.com/office/powerpoint/2010/main" val="1542852332"/>
-      </p:ext>
-    </p:extLst>
   </p:cSld>
   <p:clrMap bg1="lt1" tx1="dk1" bg2="lt2" tx2="dk2" accent1="accent1" accent2="accent2" accent3="accent3" accent4="accent4" accent5="accent5" accent6="accent6" hlink="hlink" folHlink="folHlink"/>
   <p:sldLayoutIdLst>
@@ -3282,12 +3219,16 @@
     <p:sldLayoutId id="2147483658" r:id="rId10"/>
     <p:sldLayoutId id="2147483659" r:id="rId11"/>
   </p:sldLayoutIdLst>
+  <p:timing>
+    <p:tnLst>
+      <p:par>
+        <p:cTn id="1" dur="indefinite" restart="never" nodeType="tmRoot"/>
+      </p:par>
+    </p:tnLst>
+  </p:timing>
   <p:txStyles>
     <p:titleStyle>
-      <a:lvl1pPr algn="l" defTabSz="914400" rtl="0" eaLnBrk="1" latinLnBrk="0" hangingPunct="1">
-        <a:lnSpc>
-          <a:spcPct val="90000"/>
-        </a:lnSpc>
+      <a:lvl1pPr algn="ctr" defTabSz="914400" rtl="0" eaLnBrk="1" latinLnBrk="0" hangingPunct="1">
         <a:spcBef>
           <a:spcPct val="0"/>
         </a:spcBef>
@@ -3303,15 +3244,27 @@
       </a:lvl1pPr>
     </p:titleStyle>
     <p:bodyStyle>
-      <a:lvl1pPr marL="228600" indent="-228600" algn="l" defTabSz="914400" rtl="0" eaLnBrk="1" latinLnBrk="0" hangingPunct="1">
-        <a:lnSpc>
-          <a:spcPct val="90000"/>
-        </a:lnSpc>
+      <a:lvl1pPr marL="342900" indent="-342900" algn="l" defTabSz="914400" rtl="0" eaLnBrk="1" latinLnBrk="0" hangingPunct="1">
         <a:spcBef>
-          <a:spcPts val="1000"/>
+          <a:spcPct val="20000"/>
         </a:spcBef>
-        <a:buFont typeface="Arial" panose="020B0604020202020204" pitchFamily="34" charset="0"/>
+        <a:buFont typeface="Arial" pitchFamily="34" charset="0"/>
         <a:buChar char="•"/>
+        <a:defRPr sz="3200" kern="1200">
+          <a:solidFill>
+            <a:schemeClr val="tx1"/>
+          </a:solidFill>
+          <a:latin typeface="+mn-lt"/>
+          <a:ea typeface="+mn-ea"/>
+          <a:cs typeface="+mn-cs"/>
+        </a:defRPr>
+      </a:lvl1pPr>
+      <a:lvl2pPr marL="742950" indent="-285750" algn="l" defTabSz="914400" rtl="0" eaLnBrk="1" latinLnBrk="0" hangingPunct="1">
+        <a:spcBef>
+          <a:spcPct val="20000"/>
+        </a:spcBef>
+        <a:buFont typeface="Arial" pitchFamily="34" charset="0"/>
+        <a:buChar char="–"/>
         <a:defRPr sz="2800" kern="1200">
           <a:solidFill>
             <a:schemeClr val="tx1"/>
@@ -3320,15 +3273,12 @@
           <a:ea typeface="+mn-ea"/>
           <a:cs typeface="+mn-cs"/>
         </a:defRPr>
-      </a:lvl1pPr>
-      <a:lvl2pPr marL="685800" indent="-228600" algn="l" defTabSz="914400" rtl="0" eaLnBrk="1" latinLnBrk="0" hangingPunct="1">
-        <a:lnSpc>
-          <a:spcPct val="90000"/>
-        </a:lnSpc>
+      </a:lvl2pPr>
+      <a:lvl3pPr marL="1143000" indent="-228600" algn="l" defTabSz="914400" rtl="0" eaLnBrk="1" latinLnBrk="0" hangingPunct="1">
         <a:spcBef>
-          <a:spcPts val="500"/>
+          <a:spcPct val="20000"/>
         </a:spcBef>
-        <a:buFont typeface="Arial" panose="020B0604020202020204" pitchFamily="34" charset="0"/>
+        <a:buFont typeface="Arial" pitchFamily="34" charset="0"/>
         <a:buChar char="•"/>
         <a:defRPr sz="2400" kern="1200">
           <a:solidFill>
@@ -3338,15 +3288,42 @@
           <a:ea typeface="+mn-ea"/>
           <a:cs typeface="+mn-cs"/>
         </a:defRPr>
-      </a:lvl2pPr>
-      <a:lvl3pPr marL="1143000" indent="-228600" algn="l" defTabSz="914400" rtl="0" eaLnBrk="1" latinLnBrk="0" hangingPunct="1">
-        <a:lnSpc>
-          <a:spcPct val="90000"/>
-        </a:lnSpc>
+      </a:lvl3pPr>
+      <a:lvl4pPr marL="1600200" indent="-228600" algn="l" defTabSz="914400" rtl="0" eaLnBrk="1" latinLnBrk="0" hangingPunct="1">
         <a:spcBef>
-          <a:spcPts val="500"/>
+          <a:spcPct val="20000"/>
         </a:spcBef>
-        <a:buFont typeface="Arial" panose="020B0604020202020204" pitchFamily="34" charset="0"/>
+        <a:buFont typeface="Arial" pitchFamily="34" charset="0"/>
+        <a:buChar char="–"/>
+        <a:defRPr sz="2000" kern="1200">
+          <a:solidFill>
+            <a:schemeClr val="tx1"/>
+          </a:solidFill>
+          <a:latin typeface="+mn-lt"/>
+          <a:ea typeface="+mn-ea"/>
+          <a:cs typeface="+mn-cs"/>
+        </a:defRPr>
+      </a:lvl4pPr>
+      <a:lvl5pPr marL="2057400" indent="-228600" algn="l" defTabSz="914400" rtl="0" eaLnBrk="1" latinLnBrk="0" hangingPunct="1">
+        <a:spcBef>
+          <a:spcPct val="20000"/>
+        </a:spcBef>
+        <a:buFont typeface="Arial" pitchFamily="34" charset="0"/>
+        <a:buChar char="»"/>
+        <a:defRPr sz="2000" kern="1200">
+          <a:solidFill>
+            <a:schemeClr val="tx1"/>
+          </a:solidFill>
+          <a:latin typeface="+mn-lt"/>
+          <a:ea typeface="+mn-ea"/>
+          <a:cs typeface="+mn-cs"/>
+        </a:defRPr>
+      </a:lvl5pPr>
+      <a:lvl6pPr marL="2514600" indent="-228600" algn="l" defTabSz="914400" rtl="0" eaLnBrk="1" latinLnBrk="0" hangingPunct="1">
+        <a:spcBef>
+          <a:spcPct val="20000"/>
+        </a:spcBef>
+        <a:buFont typeface="Arial" pitchFamily="34" charset="0"/>
         <a:buChar char="•"/>
         <a:defRPr sz="2000" kern="1200">
           <a:solidFill>
@@ -3356,71 +3333,14 @@
           <a:ea typeface="+mn-ea"/>
           <a:cs typeface="+mn-cs"/>
         </a:defRPr>
-      </a:lvl3pPr>
-      <a:lvl4pPr marL="1600200" indent="-228600" algn="l" defTabSz="914400" rtl="0" eaLnBrk="1" latinLnBrk="0" hangingPunct="1">
-        <a:lnSpc>
-          <a:spcPct val="90000"/>
-        </a:lnSpc>
-        <a:spcBef>
-          <a:spcPts val="500"/>
-        </a:spcBef>
-        <a:buFont typeface="Arial" panose="020B0604020202020204" pitchFamily="34" charset="0"/>
-        <a:buChar char="•"/>
-        <a:defRPr sz="1800" kern="1200">
-          <a:solidFill>
-            <a:schemeClr val="tx1"/>
-          </a:solidFill>
-          <a:latin typeface="+mn-lt"/>
-          <a:ea typeface="+mn-ea"/>
-          <a:cs typeface="+mn-cs"/>
-        </a:defRPr>
-      </a:lvl4pPr>
-      <a:lvl5pPr marL="2057400" indent="-228600" algn="l" defTabSz="914400" rtl="0" eaLnBrk="1" latinLnBrk="0" hangingPunct="1">
-        <a:lnSpc>
-          <a:spcPct val="90000"/>
-        </a:lnSpc>
-        <a:spcBef>
-          <a:spcPts val="500"/>
-        </a:spcBef>
-        <a:buFont typeface="Arial" panose="020B0604020202020204" pitchFamily="34" charset="0"/>
-        <a:buChar char="•"/>
-        <a:defRPr sz="1800" kern="1200">
-          <a:solidFill>
-            <a:schemeClr val="tx1"/>
-          </a:solidFill>
-          <a:latin typeface="+mn-lt"/>
-          <a:ea typeface="+mn-ea"/>
-          <a:cs typeface="+mn-cs"/>
-        </a:defRPr>
-      </a:lvl5pPr>
-      <a:lvl6pPr marL="2514600" indent="-228600" algn="l" defTabSz="914400" rtl="0" eaLnBrk="1" latinLnBrk="0" hangingPunct="1">
-        <a:lnSpc>
-          <a:spcPct val="90000"/>
-        </a:lnSpc>
-        <a:spcBef>
-          <a:spcPts val="500"/>
-        </a:spcBef>
-        <a:buFont typeface="Arial" panose="020B0604020202020204" pitchFamily="34" charset="0"/>
-        <a:buChar char="•"/>
-        <a:defRPr sz="1800" kern="1200">
-          <a:solidFill>
-            <a:schemeClr val="tx1"/>
-          </a:solidFill>
-          <a:latin typeface="+mn-lt"/>
-          <a:ea typeface="+mn-ea"/>
-          <a:cs typeface="+mn-cs"/>
-        </a:defRPr>
       </a:lvl6pPr>
       <a:lvl7pPr marL="2971800" indent="-228600" algn="l" defTabSz="914400" rtl="0" eaLnBrk="1" latinLnBrk="0" hangingPunct="1">
-        <a:lnSpc>
-          <a:spcPct val="90000"/>
-        </a:lnSpc>
         <a:spcBef>
-          <a:spcPts val="500"/>
+          <a:spcPct val="20000"/>
         </a:spcBef>
-        <a:buFont typeface="Arial" panose="020B0604020202020204" pitchFamily="34" charset="0"/>
+        <a:buFont typeface="Arial" pitchFamily="34" charset="0"/>
         <a:buChar char="•"/>
-        <a:defRPr sz="1800" kern="1200">
+        <a:defRPr sz="2000" kern="1200">
           <a:solidFill>
             <a:schemeClr val="tx1"/>
           </a:solidFill>
@@ -3430,15 +3350,12 @@
         </a:defRPr>
       </a:lvl7pPr>
       <a:lvl8pPr marL="3429000" indent="-228600" algn="l" defTabSz="914400" rtl="0" eaLnBrk="1" latinLnBrk="0" hangingPunct="1">
-        <a:lnSpc>
-          <a:spcPct val="90000"/>
-        </a:lnSpc>
         <a:spcBef>
-          <a:spcPts val="500"/>
+          <a:spcPct val="20000"/>
         </a:spcBef>
-        <a:buFont typeface="Arial" panose="020B0604020202020204" pitchFamily="34" charset="0"/>
+        <a:buFont typeface="Arial" pitchFamily="34" charset="0"/>
         <a:buChar char="•"/>
-        <a:defRPr sz="1800" kern="1200">
+        <a:defRPr sz="2000" kern="1200">
           <a:solidFill>
             <a:schemeClr val="tx1"/>
           </a:solidFill>
@@ -3448,15 +3365,12 @@
         </a:defRPr>
       </a:lvl8pPr>
       <a:lvl9pPr marL="3886200" indent="-228600" algn="l" defTabSz="914400" rtl="0" eaLnBrk="1" latinLnBrk="0" hangingPunct="1">
-        <a:lnSpc>
-          <a:spcPct val="90000"/>
-        </a:lnSpc>
         <a:spcBef>
-          <a:spcPts val="500"/>
+          <a:spcPct val="20000"/>
         </a:spcBef>
-        <a:buFont typeface="Arial" panose="020B0604020202020204" pitchFamily="34" charset="0"/>
+        <a:buFont typeface="Arial" pitchFamily="34" charset="0"/>
         <a:buChar char="•"/>
-        <a:defRPr sz="1800" kern="1200">
+        <a:defRPr sz="2000" kern="1200">
           <a:solidFill>
             <a:schemeClr val="tx1"/>
           </a:solidFill>
@@ -3584,57 +3498,91 @@
       </p:grpSpPr>
       <p:sp>
         <p:nvSpPr>
-          <p:cNvPr id="4" name="矩形 3"/>
-          <p:cNvSpPr/>
+          <p:cNvPr id="5" name="TextBox 4"/>
+          <p:cNvSpPr txBox="1"/>
           <p:nvPr/>
         </p:nvSpPr>
         <p:spPr>
           <a:xfrm>
-            <a:off x="4068778" y="2749409"/>
-            <a:ext cx="3916105" cy="646331"/>
+            <a:off x="1403995" y="1995973"/>
+            <a:ext cx="6278880" cy="1005840"/>
           </a:xfrm>
           <a:prstGeom prst="rect">
             <a:avLst/>
           </a:prstGeom>
+          <a:noFill/>
         </p:spPr>
         <p:txBody>
-          <a:bodyPr wrap="square">
+          <a:bodyPr wrap="none" rtlCol="0">
             <a:spAutoFit/>
           </a:bodyPr>
           <a:lstStyle/>
           <a:p>
-            <a:r>
-              <a:rPr lang="zh-CN" altLang="zh-CN" sz="3600" kern="100" dirty="0">
-                <a:solidFill>
-                  <a:schemeClr val="bg1"/>
-                </a:solidFill>
-                <a:cs typeface="黑体" panose="02010609060101010101" pitchFamily="49" charset="-122"/>
+            <a:pPr algn="ctr"/>
+            <a:r>
+              <a:rPr lang="zh-CN" altLang="zh-CN" sz="6000" kern="100" dirty="0">
+                <a:solidFill>
+                  <a:schemeClr val="bg1"/>
+                </a:solidFill>
+                <a:cs typeface="黑体" pitchFamily="49" charset="-122"/>
+                <a:sym typeface="+mn-ea"/>
               </a:rPr>
               <a:t>爬取视频网站</a:t>
             </a:r>
             <a:r>
-              <a:rPr lang="zh-CN" altLang="zh-CN" sz="3600" kern="100" dirty="0" smtClean="0">
-                <a:solidFill>
-                  <a:schemeClr val="bg1"/>
-                </a:solidFill>
-                <a:cs typeface="黑体" panose="02010609060101010101" pitchFamily="49" charset="-122"/>
+              <a:rPr lang="zh-CN" altLang="zh-CN" sz="6000" kern="100" dirty="0" smtClean="0">
+                <a:solidFill>
+                  <a:schemeClr val="bg1"/>
+                </a:solidFill>
+                <a:cs typeface="黑体" pitchFamily="49" charset="-122"/>
+                <a:sym typeface="+mn-ea"/>
               </a:rPr>
               <a:t>视频</a:t>
             </a:r>
-            <a:endParaRPr lang="zh-CN" altLang="en-US" sz="3600" dirty="0">
+            <a:endParaRPr lang="zh-CN" altLang="en-US" sz="6000" b="1" dirty="0">
               <a:solidFill>
-                <a:schemeClr val="bg1"/>
+                <a:srgbClr val="E74F1D"/>
               </a:solidFill>
+              <a:latin typeface="微软雅黑" pitchFamily="34" charset="-122"/>
+              <a:ea typeface="微软雅黑" pitchFamily="34" charset="-122"/>
             </a:endParaRPr>
           </a:p>
         </p:txBody>
       </p:sp>
+      <p:sp>
+        <p:nvSpPr>
+          <p:cNvPr id="2" name="文本框 1"/>
+          <p:cNvSpPr txBox="1"/>
+          <p:nvPr/>
+        </p:nvSpPr>
+        <p:spPr>
+          <a:xfrm>
+            <a:off x="6876415" y="4300220"/>
+            <a:ext cx="1739265" cy="368300"/>
+          </a:xfrm>
+          <a:prstGeom prst="rect">
+            <a:avLst/>
+          </a:prstGeom>
+          <a:noFill/>
+        </p:spPr>
+        <p:txBody>
+          <a:bodyPr wrap="square" rtlCol="0">
+            <a:spAutoFit/>
+          </a:bodyPr>
+          <a:p>
+            <a:r>
+              <a:rPr lang="en-US" altLang="zh-CN"/>
+              <a:t>JAVA——12</a:t>
+            </a:r>
+            <a:r>
+              <a:rPr lang="zh-CN" altLang="en-US"/>
+              <a:t>组</a:t>
+            </a:r>
+            <a:endParaRPr lang="zh-CN" altLang="en-US"/>
+          </a:p>
+        </p:txBody>
+      </p:sp>
     </p:spTree>
-    <p:extLst>
-      <p:ext uri="{BB962C8B-B14F-4D97-AF65-F5344CB8AC3E}">
-        <p14:creationId xmlns:p14="http://schemas.microsoft.com/office/powerpoint/2010/main" val="3783196098"/>
-      </p:ext>
-    </p:extLst>
   </p:cSld>
   <p:clrMapOvr>
     <a:masterClrMapping/>
@@ -3666,36 +3614,189 @@
           <a:chExt cx="0" cy="0"/>
         </a:xfrm>
       </p:grpSpPr>
-      <p:pic>
-        <p:nvPicPr>
-          <p:cNvPr id="4" name="图片 3"/>
-          <p:cNvPicPr>
-            <a:picLocks noChangeAspect="1"/>
-          </p:cNvPicPr>
+      <p:grpSp>
+        <p:nvGrpSpPr>
+          <p:cNvPr id="2" name="组合 1"/>
+          <p:cNvGrpSpPr/>
           <p:nvPr/>
-        </p:nvPicPr>
-        <p:blipFill>
-          <a:blip r:embed="rId2">
-            <a:extLst>
-              <a:ext uri="{28A0092B-C50C-407E-A947-70E740481C1C}">
-                <a14:useLocalDpi xmlns:a14="http://schemas.microsoft.com/office/drawing/2010/main" val="0"/>
-              </a:ext>
-            </a:extLst>
-          </a:blip>
-          <a:stretch>
-            <a:fillRect/>
-          </a:stretch>
-        </p:blipFill>
-        <p:spPr>
+        </p:nvGrpSpPr>
+        <p:grpSpPr>
           <a:xfrm>
-            <a:off x="1674254" y="2142634"/>
-            <a:ext cx="8230524" cy="3956582"/>
+            <a:off x="1547664" y="484988"/>
+            <a:ext cx="6034995" cy="705445"/>
+            <a:chOff x="589234" y="915566"/>
+            <a:chExt cx="6215014" cy="814394"/>
           </a:xfrm>
-          <a:prstGeom prst="rect">
-            <a:avLst/>
-          </a:prstGeom>
-        </p:spPr>
-      </p:pic>
+        </p:grpSpPr>
+        <p:sp>
+          <p:nvSpPr>
+            <p:cNvPr id="3" name="矩形 2"/>
+            <p:cNvSpPr/>
+            <p:nvPr/>
+          </p:nvSpPr>
+          <p:spPr>
+            <a:xfrm>
+              <a:off x="1691680" y="1203598"/>
+              <a:ext cx="5112568" cy="491691"/>
+            </a:xfrm>
+            <a:prstGeom prst="rect">
+              <a:avLst/>
+            </a:prstGeom>
+            <a:solidFill>
+              <a:srgbClr val="E74F1D"/>
+            </a:solidFill>
+            <a:ln>
+              <a:noFill/>
+            </a:ln>
+            <a:effectLst>
+              <a:outerShdw blurRad="50800" dist="38100" dir="2700000" algn="tl" rotWithShape="0">
+                <a:prstClr val="black">
+                  <a:alpha val="40000"/>
+                </a:prstClr>
+              </a:outerShdw>
+            </a:effectLst>
+          </p:spPr>
+          <p:style>
+            <a:lnRef idx="2">
+              <a:schemeClr val="accent1">
+                <a:shade val="50000"/>
+              </a:schemeClr>
+            </a:lnRef>
+            <a:fillRef idx="1">
+              <a:schemeClr val="accent1"/>
+            </a:fillRef>
+            <a:effectRef idx="0">
+              <a:schemeClr val="accent1"/>
+            </a:effectRef>
+            <a:fontRef idx="minor">
+              <a:schemeClr val="lt1"/>
+            </a:fontRef>
+          </p:style>
+          <p:txBody>
+            <a:bodyPr rtlCol="0" anchor="ctr"/>
+            <a:lstStyle/>
+            <a:p>
+              <a:pPr algn="ctr"/>
+              <a:r>
+                <a:rPr lang="en-US" altLang="zh-CN" sz="2000" b="1" dirty="0" err="1" smtClean="0">
+                  <a:sym typeface="+mn-ea"/>
+                </a:rPr>
+                <a:t>Jsoup</a:t>
+              </a:r>
+              <a:endParaRPr lang="en-US" altLang="zh-CN" sz="2000" b="1" dirty="0" err="1" smtClean="0">
+                <a:solidFill>
+                  <a:schemeClr val="bg1"/>
+                </a:solidFill>
+                <a:effectLst>
+                  <a:outerShdw blurRad="38100" dist="38100" dir="2700000" algn="tl">
+                    <a:srgbClr val="000000">
+                      <a:alpha val="43137"/>
+                    </a:srgbClr>
+                  </a:outerShdw>
+                </a:effectLst>
+                <a:latin typeface="微软雅黑" pitchFamily="34" charset="-122"/>
+                <a:ea typeface="微软雅黑" pitchFamily="34" charset="-122"/>
+                <a:sym typeface="+mn-ea"/>
+              </a:endParaRPr>
+            </a:p>
+          </p:txBody>
+        </p:sp>
+        <p:pic>
+          <p:nvPicPr>
+            <p:cNvPr id="4" name="图片 3"/>
+            <p:cNvPicPr>
+              <a:picLocks noChangeAspect="1"/>
+            </p:cNvPicPr>
+            <p:nvPr/>
+          </p:nvPicPr>
+          <p:blipFill>
+            <a:blip r:embed="rId1">
+              <a:extLst>
+                <a:ext uri="{28A0092B-C50C-407E-A947-70E740481C1C}">
+                  <a14:useLocalDpi xmlns:a14="http://schemas.microsoft.com/office/drawing/2010/main" val="0"/>
+                </a:ext>
+              </a:extLst>
+            </a:blip>
+            <a:srcRect/>
+            <a:stretch>
+              <a:fillRect/>
+            </a:stretch>
+          </p:blipFill>
+          <p:spPr>
+            <a:xfrm>
+              <a:off x="589234" y="915566"/>
+              <a:ext cx="1409528" cy="814394"/>
+            </a:xfrm>
+            <a:prstGeom prst="rect">
+              <a:avLst/>
+            </a:prstGeom>
+            <a:effectLst>
+              <a:outerShdw blurRad="50800" dist="38100" dir="2700000" algn="tl" rotWithShape="0">
+                <a:prstClr val="black">
+                  <a:alpha val="40000"/>
+                </a:prstClr>
+              </a:outerShdw>
+            </a:effectLst>
+          </p:spPr>
+        </p:pic>
+        <p:sp>
+          <p:nvSpPr>
+            <p:cNvPr id="5" name="等腰三角形 4"/>
+            <p:cNvSpPr/>
+            <p:nvPr/>
+          </p:nvSpPr>
+          <p:spPr>
+            <a:xfrm rot="5400000">
+              <a:off x="6452661" y="1341430"/>
+              <a:ext cx="343136" cy="216026"/>
+            </a:xfrm>
+            <a:prstGeom prst="triangle">
+              <a:avLst/>
+            </a:prstGeom>
+            <a:solidFill>
+              <a:srgbClr val="FFC000"/>
+            </a:solidFill>
+            <a:ln>
+              <a:noFill/>
+            </a:ln>
+            <a:effectLst>
+              <a:outerShdw blurRad="50800" dist="38100" dir="2700000" algn="tl" rotWithShape="0">
+                <a:prstClr val="black">
+                  <a:alpha val="40000"/>
+                </a:prstClr>
+              </a:outerShdw>
+            </a:effectLst>
+          </p:spPr>
+          <p:style>
+            <a:lnRef idx="2">
+              <a:schemeClr val="accent1">
+                <a:shade val="50000"/>
+              </a:schemeClr>
+            </a:lnRef>
+            <a:fillRef idx="1">
+              <a:schemeClr val="accent1"/>
+            </a:fillRef>
+            <a:effectRef idx="0">
+              <a:schemeClr val="accent1"/>
+            </a:effectRef>
+            <a:fontRef idx="minor">
+              <a:schemeClr val="lt1"/>
+            </a:fontRef>
+          </p:style>
+          <p:txBody>
+            <a:bodyPr rtlCol="0" anchor="ctr"/>
+            <a:lstStyle/>
+            <a:p>
+              <a:pPr algn="ctr"/>
+              <a:endParaRPr lang="zh-CN" altLang="en-US">
+                <a:solidFill>
+                  <a:srgbClr val="FFC000"/>
+                </a:solidFill>
+              </a:endParaRPr>
+            </a:p>
+          </p:txBody>
+        </p:sp>
+      </p:grpSp>
       <p:sp>
         <p:nvSpPr>
           <p:cNvPr id="6" name="文本框 5"/>
@@ -3704,8 +3805,8 @@
         </p:nvSpPr>
         <p:spPr>
           <a:xfrm>
-            <a:off x="2717443" y="1262130"/>
-            <a:ext cx="5743977" cy="646331"/>
+            <a:off x="1403350" y="1563370"/>
+            <a:ext cx="6305550" cy="2776220"/>
           </a:xfrm>
           <a:prstGeom prst="rect">
             <a:avLst/>
@@ -3716,30 +3817,415 @@
           <a:bodyPr wrap="square" rtlCol="0">
             <a:spAutoFit/>
           </a:bodyPr>
-          <a:lstStyle/>
-          <a:p>
-            <a:r>
-              <a:rPr lang="zh-CN" altLang="en-US" dirty="0" smtClean="0">
-                <a:solidFill>
-                  <a:schemeClr val="bg1"/>
-                </a:solidFill>
-              </a:rPr>
-              <a:t>这里选择中国台湾地区作为限制条件，其他未选择，显示台湾地区视频的播放量排行。</a:t>
+          <a:p>
+            <a:r>
+              <a:rPr lang="en-US" altLang="zh-CN" dirty="0" err="1">
+                <a:solidFill>
+                  <a:schemeClr val="bg1"/>
+                </a:solidFill>
+                <a:sym typeface="+mn-ea"/>
+              </a:rPr>
+              <a:t>jsoup</a:t>
+            </a:r>
+            <a:r>
+              <a:rPr lang="en-US" altLang="zh-CN" dirty="0">
+                <a:solidFill>
+                  <a:schemeClr val="bg1"/>
+                </a:solidFill>
+                <a:sym typeface="+mn-ea"/>
+              </a:rPr>
+              <a:t> </a:t>
+            </a:r>
+            <a:r>
+              <a:rPr lang="zh-CN" altLang="en-US" dirty="0">
+                <a:solidFill>
+                  <a:schemeClr val="bg1"/>
+                </a:solidFill>
+                <a:sym typeface="+mn-ea"/>
+              </a:rPr>
+              <a:t>是一款</a:t>
+            </a:r>
+            <a:r>
+              <a:rPr lang="en-US" altLang="zh-CN" dirty="0">
+                <a:solidFill>
+                  <a:schemeClr val="bg1"/>
+                </a:solidFill>
+                <a:sym typeface="+mn-ea"/>
+              </a:rPr>
+              <a:t>Java </a:t>
+            </a:r>
+            <a:r>
+              <a:rPr lang="zh-CN" altLang="en-US" dirty="0">
+                <a:solidFill>
+                  <a:schemeClr val="bg1"/>
+                </a:solidFill>
+                <a:sym typeface="+mn-ea"/>
+              </a:rPr>
+              <a:t>的</a:t>
+            </a:r>
+            <a:r>
+              <a:rPr lang="en-US" altLang="zh-CN" dirty="0">
+                <a:solidFill>
+                  <a:schemeClr val="bg1"/>
+                </a:solidFill>
+                <a:sym typeface="+mn-ea"/>
+              </a:rPr>
+              <a:t>HTML</a:t>
+            </a:r>
+            <a:r>
+              <a:rPr lang="zh-CN" altLang="en-US" dirty="0">
+                <a:solidFill>
+                  <a:schemeClr val="bg1"/>
+                </a:solidFill>
+                <a:sym typeface="+mn-ea"/>
+              </a:rPr>
+              <a:t>解析器，可直接解析某个</a:t>
+            </a:r>
+            <a:r>
+              <a:rPr lang="en-US" altLang="zh-CN" dirty="0">
+                <a:solidFill>
+                  <a:schemeClr val="bg1"/>
+                </a:solidFill>
+                <a:sym typeface="+mn-ea"/>
+              </a:rPr>
+              <a:t>URL</a:t>
+            </a:r>
+            <a:r>
+              <a:rPr lang="zh-CN" altLang="en-US" dirty="0">
+                <a:solidFill>
+                  <a:schemeClr val="bg1"/>
+                </a:solidFill>
+                <a:sym typeface="+mn-ea"/>
+              </a:rPr>
+              <a:t>地址、</a:t>
+            </a:r>
+            <a:r>
+              <a:rPr lang="en-US" altLang="zh-CN" dirty="0">
+                <a:solidFill>
+                  <a:schemeClr val="bg1"/>
+                </a:solidFill>
+                <a:sym typeface="+mn-ea"/>
+              </a:rPr>
+              <a:t>HTML</a:t>
+            </a:r>
+            <a:r>
+              <a:rPr lang="zh-CN" altLang="en-US" dirty="0">
+                <a:solidFill>
+                  <a:schemeClr val="bg1"/>
+                </a:solidFill>
+                <a:sym typeface="+mn-ea"/>
+              </a:rPr>
+              <a:t>文本内容。它提供了一套非常省力的</a:t>
+            </a:r>
+            <a:r>
+              <a:rPr lang="en-US" altLang="zh-CN" dirty="0">
+                <a:solidFill>
+                  <a:schemeClr val="bg1"/>
+                </a:solidFill>
+                <a:sym typeface="+mn-ea"/>
+              </a:rPr>
+              <a:t>API</a:t>
+            </a:r>
+            <a:r>
+              <a:rPr lang="zh-CN" altLang="en-US" dirty="0">
+                <a:solidFill>
+                  <a:schemeClr val="bg1"/>
+                </a:solidFill>
+                <a:sym typeface="+mn-ea"/>
+              </a:rPr>
+              <a:t>，可通过</a:t>
+            </a:r>
+            <a:r>
+              <a:rPr lang="en-US" altLang="zh-CN" dirty="0">
+                <a:solidFill>
+                  <a:schemeClr val="bg1"/>
+                </a:solidFill>
+                <a:sym typeface="+mn-ea"/>
+              </a:rPr>
+              <a:t>DOM</a:t>
+            </a:r>
+            <a:r>
+              <a:rPr lang="zh-CN" altLang="en-US" dirty="0">
+                <a:solidFill>
+                  <a:schemeClr val="bg1"/>
+                </a:solidFill>
+                <a:sym typeface="+mn-ea"/>
+              </a:rPr>
+              <a:t>，</a:t>
+            </a:r>
+            <a:r>
+              <a:rPr lang="en-US" altLang="zh-CN" dirty="0">
+                <a:solidFill>
+                  <a:schemeClr val="bg1"/>
+                </a:solidFill>
+                <a:sym typeface="+mn-ea"/>
+              </a:rPr>
+              <a:t>CSS</a:t>
+            </a:r>
+            <a:r>
+              <a:rPr lang="zh-CN" altLang="en-US" dirty="0">
+                <a:solidFill>
+                  <a:schemeClr val="bg1"/>
+                </a:solidFill>
+                <a:sym typeface="+mn-ea"/>
+              </a:rPr>
+              <a:t>以及类似于</a:t>
+            </a:r>
+            <a:r>
+              <a:rPr lang="en-US" altLang="zh-CN" dirty="0">
+                <a:solidFill>
+                  <a:schemeClr val="bg1"/>
+                </a:solidFill>
+                <a:sym typeface="+mn-ea"/>
+              </a:rPr>
+              <a:t>jQuery</a:t>
+            </a:r>
+            <a:r>
+              <a:rPr lang="zh-CN" altLang="en-US" dirty="0">
+                <a:solidFill>
+                  <a:schemeClr val="bg1"/>
+                </a:solidFill>
+                <a:sym typeface="+mn-ea"/>
+              </a:rPr>
+              <a:t>的操作方法来取出和操作数据。</a:t>
             </a:r>
             <a:endParaRPr lang="zh-CN" altLang="en-US" dirty="0">
               <a:solidFill>
                 <a:schemeClr val="bg1"/>
               </a:solidFill>
+              <a:sym typeface="+mn-ea"/>
             </a:endParaRPr>
           </a:p>
+          <a:p>
+            <a:endParaRPr lang="en-US" altLang="zh-CN" dirty="0" err="1">
+              <a:solidFill>
+                <a:schemeClr val="bg1"/>
+              </a:solidFill>
+              <a:sym typeface="+mn-ea"/>
+            </a:endParaRPr>
+          </a:p>
+          <a:p>
+            <a:r>
+              <a:rPr lang="en-US" altLang="zh-CN" dirty="0" err="1">
+                <a:solidFill>
+                  <a:schemeClr val="bg1"/>
+                </a:solidFill>
+                <a:sym typeface="+mn-ea"/>
+              </a:rPr>
+              <a:t>jsoup</a:t>
+            </a:r>
+            <a:r>
+              <a:rPr lang="zh-CN" altLang="en-US" dirty="0">
+                <a:solidFill>
+                  <a:schemeClr val="bg1"/>
+                </a:solidFill>
+                <a:sym typeface="+mn-ea"/>
+              </a:rPr>
+              <a:t>的主要功能如下：</a:t>
+            </a:r>
+            <a:endParaRPr lang="zh-CN" altLang="en-US" dirty="0">
+              <a:solidFill>
+                <a:schemeClr val="bg1"/>
+              </a:solidFill>
+              <a:sym typeface="+mn-ea"/>
+            </a:endParaRPr>
+          </a:p>
+          <a:p>
+            <a:r>
+              <a:rPr lang="en-US" altLang="zh-CN" dirty="0">
+                <a:solidFill>
+                  <a:schemeClr val="bg1"/>
+                </a:solidFill>
+                <a:sym typeface="+mn-ea"/>
+              </a:rPr>
+              <a:t>1. </a:t>
+            </a:r>
+            <a:r>
+              <a:rPr lang="zh-CN" altLang="en-US" dirty="0">
+                <a:solidFill>
+                  <a:schemeClr val="bg1"/>
+                </a:solidFill>
+                <a:sym typeface="+mn-ea"/>
+              </a:rPr>
+              <a:t>从一个</a:t>
+            </a:r>
+            <a:r>
+              <a:rPr lang="en-US" altLang="zh-CN" dirty="0">
+                <a:solidFill>
+                  <a:schemeClr val="bg1"/>
+                </a:solidFill>
+                <a:sym typeface="+mn-ea"/>
+              </a:rPr>
+              <a:t>URL</a:t>
+            </a:r>
+            <a:r>
+              <a:rPr lang="zh-CN" altLang="en-US" dirty="0">
+                <a:solidFill>
+                  <a:schemeClr val="bg1"/>
+                </a:solidFill>
+                <a:sym typeface="+mn-ea"/>
+              </a:rPr>
+              <a:t>，文件或字符串中解析</a:t>
+            </a:r>
+            <a:r>
+              <a:rPr lang="en-US" altLang="zh-CN" dirty="0">
+                <a:solidFill>
+                  <a:schemeClr val="bg1"/>
+                </a:solidFill>
+                <a:sym typeface="+mn-ea"/>
+              </a:rPr>
+              <a:t>HTML</a:t>
+            </a:r>
+            <a:r>
+              <a:rPr lang="zh-CN" altLang="en-US" dirty="0">
+                <a:solidFill>
+                  <a:schemeClr val="bg1"/>
+                </a:solidFill>
+                <a:sym typeface="+mn-ea"/>
+              </a:rPr>
+              <a:t>；</a:t>
+            </a:r>
+            <a:endParaRPr lang="zh-CN" altLang="en-US" dirty="0">
+              <a:solidFill>
+                <a:schemeClr val="bg1"/>
+              </a:solidFill>
+              <a:sym typeface="+mn-ea"/>
+            </a:endParaRPr>
+          </a:p>
+          <a:p>
+            <a:r>
+              <a:rPr lang="en-US" altLang="zh-CN" dirty="0">
+                <a:solidFill>
+                  <a:schemeClr val="bg1"/>
+                </a:solidFill>
+                <a:sym typeface="+mn-ea"/>
+              </a:rPr>
+              <a:t>2. </a:t>
+            </a:r>
+            <a:r>
+              <a:rPr lang="zh-CN" altLang="en-US" dirty="0">
+                <a:solidFill>
+                  <a:schemeClr val="bg1"/>
+                </a:solidFill>
+                <a:sym typeface="+mn-ea"/>
+              </a:rPr>
+              <a:t>使用</a:t>
+            </a:r>
+            <a:r>
+              <a:rPr lang="en-US" altLang="zh-CN" dirty="0">
+                <a:solidFill>
+                  <a:schemeClr val="bg1"/>
+                </a:solidFill>
+                <a:sym typeface="+mn-ea"/>
+              </a:rPr>
+              <a:t>DOM</a:t>
+            </a:r>
+            <a:r>
+              <a:rPr lang="zh-CN" altLang="en-US" dirty="0">
+                <a:solidFill>
+                  <a:schemeClr val="bg1"/>
+                </a:solidFill>
+                <a:sym typeface="+mn-ea"/>
+              </a:rPr>
+              <a:t>或</a:t>
+            </a:r>
+            <a:r>
+              <a:rPr lang="en-US" altLang="zh-CN" dirty="0">
+                <a:solidFill>
+                  <a:schemeClr val="bg1"/>
+                </a:solidFill>
+                <a:sym typeface="+mn-ea"/>
+              </a:rPr>
+              <a:t>CSS</a:t>
+            </a:r>
+            <a:r>
+              <a:rPr lang="zh-CN" altLang="en-US" dirty="0">
+                <a:solidFill>
+                  <a:schemeClr val="bg1"/>
+                </a:solidFill>
+                <a:sym typeface="+mn-ea"/>
+              </a:rPr>
+              <a:t>选择器来查找、取出数据；</a:t>
+            </a:r>
+            <a:endParaRPr lang="zh-CN" altLang="en-US" dirty="0">
+              <a:solidFill>
+                <a:schemeClr val="bg1"/>
+              </a:solidFill>
+              <a:sym typeface="+mn-ea"/>
+            </a:endParaRPr>
+          </a:p>
+          <a:p>
+            <a:r>
+              <a:rPr lang="en-US" altLang="zh-CN" dirty="0">
+                <a:solidFill>
+                  <a:schemeClr val="bg1"/>
+                </a:solidFill>
+                <a:sym typeface="+mn-ea"/>
+              </a:rPr>
+              <a:t>3. </a:t>
+            </a:r>
+            <a:r>
+              <a:rPr lang="zh-CN" altLang="en-US" dirty="0">
+                <a:solidFill>
+                  <a:schemeClr val="bg1"/>
+                </a:solidFill>
+                <a:sym typeface="+mn-ea"/>
+              </a:rPr>
+              <a:t>可操作</a:t>
+            </a:r>
+            <a:r>
+              <a:rPr lang="en-US" altLang="zh-CN" dirty="0">
+                <a:solidFill>
+                  <a:schemeClr val="bg1"/>
+                </a:solidFill>
+                <a:sym typeface="+mn-ea"/>
+              </a:rPr>
+              <a:t>HTML</a:t>
+            </a:r>
+            <a:r>
+              <a:rPr lang="zh-CN" altLang="en-US" dirty="0">
+                <a:solidFill>
+                  <a:schemeClr val="bg1"/>
+                </a:solidFill>
+                <a:sym typeface="+mn-ea"/>
+              </a:rPr>
+              <a:t>元素、属性、文本</a:t>
+            </a:r>
+            <a:r>
+              <a:rPr lang="zh-CN" altLang="en-US" dirty="0" smtClean="0">
+                <a:solidFill>
+                  <a:schemeClr val="bg1"/>
+                </a:solidFill>
+                <a:sym typeface="+mn-ea"/>
+              </a:rPr>
+              <a:t>；</a:t>
+            </a:r>
+            <a:endParaRPr lang="zh-CN" altLang="en-US" dirty="0" smtClean="0">
+              <a:solidFill>
+                <a:schemeClr val="bg1"/>
+              </a:solidFill>
+              <a:sym typeface="+mn-ea"/>
+            </a:endParaRPr>
+          </a:p>
+          <a:p>
+            <a:endParaRPr lang="zh-CN" altLang="en-US" dirty="0" smtClean="0">
+              <a:solidFill>
+                <a:schemeClr val="bg1"/>
+              </a:solidFill>
+              <a:sym typeface="+mn-ea"/>
+            </a:endParaRPr>
+          </a:p>
+          <a:p>
+            <a:endParaRPr lang="en-US" altLang="zh-CN" sz="1400" dirty="0">
+              <a:solidFill>
+                <a:schemeClr val="bg1"/>
+              </a:solidFill>
+              <a:sym typeface="+mn-ea"/>
+            </a:endParaRPr>
+          </a:p>
         </p:txBody>
       </p:sp>
     </p:spTree>
-    <p:extLst>
-      <p:ext uri="{BB962C8B-B14F-4D97-AF65-F5344CB8AC3E}">
-        <p14:creationId xmlns:p14="http://schemas.microsoft.com/office/powerpoint/2010/main" val="2701646772"/>
-      </p:ext>
-    </p:extLst>
   </p:cSld>
   <p:clrMapOvr>
     <a:masterClrMapping/>
@@ -3771,16 +4257,202 @@
           <a:chExt cx="0" cy="0"/>
         </a:xfrm>
       </p:grpSpPr>
-      <p:sp>
-        <p:nvSpPr>
-          <p:cNvPr id="4" name="文本框 3"/>
+      <p:grpSp>
+        <p:nvGrpSpPr>
+          <p:cNvPr id="2" name="组合 1"/>
+          <p:cNvGrpSpPr/>
+          <p:nvPr/>
+        </p:nvGrpSpPr>
+        <p:grpSpPr>
+          <a:xfrm>
+            <a:off x="1547664" y="484988"/>
+            <a:ext cx="6034995" cy="705445"/>
+            <a:chOff x="589234" y="915566"/>
+            <a:chExt cx="6215014" cy="814394"/>
+          </a:xfrm>
+        </p:grpSpPr>
+        <p:sp>
+          <p:nvSpPr>
+            <p:cNvPr id="3" name="矩形 2"/>
+            <p:cNvSpPr/>
+            <p:nvPr/>
+          </p:nvSpPr>
+          <p:spPr>
+            <a:xfrm>
+              <a:off x="1691680" y="1203598"/>
+              <a:ext cx="5112568" cy="491691"/>
+            </a:xfrm>
+            <a:prstGeom prst="rect">
+              <a:avLst/>
+            </a:prstGeom>
+            <a:solidFill>
+              <a:srgbClr val="E74F1D"/>
+            </a:solidFill>
+            <a:ln>
+              <a:noFill/>
+            </a:ln>
+            <a:effectLst>
+              <a:outerShdw blurRad="50800" dist="38100" dir="2700000" algn="tl" rotWithShape="0">
+                <a:prstClr val="black">
+                  <a:alpha val="40000"/>
+                </a:prstClr>
+              </a:outerShdw>
+            </a:effectLst>
+          </p:spPr>
+          <p:style>
+            <a:lnRef idx="2">
+              <a:schemeClr val="accent1">
+                <a:shade val="50000"/>
+              </a:schemeClr>
+            </a:lnRef>
+            <a:fillRef idx="1">
+              <a:schemeClr val="accent1"/>
+            </a:fillRef>
+            <a:effectRef idx="0">
+              <a:schemeClr val="accent1"/>
+            </a:effectRef>
+            <a:fontRef idx="minor">
+              <a:schemeClr val="lt1"/>
+            </a:fontRef>
+          </p:style>
+          <p:txBody>
+            <a:bodyPr rtlCol="0" anchor="ctr"/>
+            <a:lstStyle/>
+            <a:p>
+              <a:pPr algn="ctr"/>
+              <a:r>
+                <a:rPr lang="zh-CN" altLang="en-US" sz="2000" b="1" dirty="0" smtClean="0">
+                  <a:solidFill>
+                    <a:schemeClr val="bg1"/>
+                  </a:solidFill>
+                  <a:sym typeface="+mn-ea"/>
+                </a:rPr>
+                <a:t>爬虫框架</a:t>
+              </a:r>
+              <a:endParaRPr lang="zh-CN" altLang="en-US" sz="2000" b="1" dirty="0" smtClean="0">
+                <a:solidFill>
+                  <a:schemeClr val="bg1"/>
+                </a:solidFill>
+                <a:effectLst>
+                  <a:outerShdw blurRad="38100" dist="38100" dir="2700000" algn="tl">
+                    <a:srgbClr val="000000">
+                      <a:alpha val="43137"/>
+                    </a:srgbClr>
+                  </a:outerShdw>
+                </a:effectLst>
+                <a:latin typeface="微软雅黑" pitchFamily="34" charset="-122"/>
+                <a:ea typeface="微软雅黑" pitchFamily="34" charset="-122"/>
+                <a:sym typeface="+mn-ea"/>
+              </a:endParaRPr>
+            </a:p>
+          </p:txBody>
+        </p:sp>
+        <p:pic>
+          <p:nvPicPr>
+            <p:cNvPr id="4" name="图片 3"/>
+            <p:cNvPicPr>
+              <a:picLocks noChangeAspect="1"/>
+            </p:cNvPicPr>
+            <p:nvPr/>
+          </p:nvPicPr>
+          <p:blipFill>
+            <a:blip r:embed="rId1">
+              <a:extLst>
+                <a:ext uri="{28A0092B-C50C-407E-A947-70E740481C1C}">
+                  <a14:useLocalDpi xmlns:a14="http://schemas.microsoft.com/office/drawing/2010/main" val="0"/>
+                </a:ext>
+              </a:extLst>
+            </a:blip>
+            <a:srcRect/>
+            <a:stretch>
+              <a:fillRect/>
+            </a:stretch>
+          </p:blipFill>
+          <p:spPr>
+            <a:xfrm>
+              <a:off x="589234" y="915566"/>
+              <a:ext cx="1409528" cy="814394"/>
+            </a:xfrm>
+            <a:prstGeom prst="rect">
+              <a:avLst/>
+            </a:prstGeom>
+            <a:effectLst>
+              <a:outerShdw blurRad="50800" dist="38100" dir="2700000" algn="tl" rotWithShape="0">
+                <a:prstClr val="black">
+                  <a:alpha val="40000"/>
+                </a:prstClr>
+              </a:outerShdw>
+            </a:effectLst>
+          </p:spPr>
+        </p:pic>
+        <p:sp>
+          <p:nvSpPr>
+            <p:cNvPr id="5" name="等腰三角形 4"/>
+            <p:cNvSpPr/>
+            <p:nvPr/>
+          </p:nvSpPr>
+          <p:spPr>
+            <a:xfrm rot="5400000">
+              <a:off x="6452661" y="1341430"/>
+              <a:ext cx="343136" cy="216026"/>
+            </a:xfrm>
+            <a:prstGeom prst="triangle">
+              <a:avLst/>
+            </a:prstGeom>
+            <a:solidFill>
+              <a:srgbClr val="FFC000"/>
+            </a:solidFill>
+            <a:ln>
+              <a:noFill/>
+            </a:ln>
+            <a:effectLst>
+              <a:outerShdw blurRad="50800" dist="38100" dir="2700000" algn="tl" rotWithShape="0">
+                <a:prstClr val="black">
+                  <a:alpha val="40000"/>
+                </a:prstClr>
+              </a:outerShdw>
+            </a:effectLst>
+          </p:spPr>
+          <p:style>
+            <a:lnRef idx="2">
+              <a:schemeClr val="accent1">
+                <a:shade val="50000"/>
+              </a:schemeClr>
+            </a:lnRef>
+            <a:fillRef idx="1">
+              <a:schemeClr val="accent1"/>
+            </a:fillRef>
+            <a:effectRef idx="0">
+              <a:schemeClr val="accent1"/>
+            </a:effectRef>
+            <a:fontRef idx="minor">
+              <a:schemeClr val="lt1"/>
+            </a:fontRef>
+          </p:style>
+          <p:txBody>
+            <a:bodyPr rtlCol="0" anchor="ctr"/>
+            <a:lstStyle/>
+            <a:p>
+              <a:pPr algn="ctr"/>
+              <a:endParaRPr lang="zh-CN" altLang="en-US">
+                <a:solidFill>
+                  <a:srgbClr val="FFC000"/>
+                </a:solidFill>
+              </a:endParaRPr>
+            </a:p>
+          </p:txBody>
+        </p:sp>
+      </p:grpSp>
+      <p:sp>
+        <p:nvSpPr>
+          <p:cNvPr id="6" name="文本框 5"/>
           <p:cNvSpPr txBox="1"/>
           <p:nvPr/>
         </p:nvSpPr>
         <p:spPr>
           <a:xfrm>
-            <a:off x="5284695" y="3173505"/>
-            <a:ext cx="1005403" cy="584775"/>
+            <a:off x="1907540" y="2211705"/>
+            <a:ext cx="1145540" cy="365760"/>
           </a:xfrm>
           <a:prstGeom prst="rect">
             <a:avLst/>
@@ -3788,33 +4460,553 @@
           <a:noFill/>
         </p:spPr>
         <p:txBody>
-          <a:bodyPr wrap="none" rtlCol="0">
+          <a:bodyPr wrap="square" rtlCol="0">
             <a:spAutoFit/>
           </a:bodyPr>
-          <a:lstStyle/>
-          <a:p>
-            <a:r>
-              <a:rPr lang="zh-CN" altLang="en-US" sz="3200" dirty="0" smtClean="0">
-                <a:solidFill>
-                  <a:schemeClr val="bg1"/>
-                </a:solidFill>
-              </a:rPr>
-              <a:t>谢谢</a:t>
-            </a:r>
-            <a:endParaRPr lang="en-US" altLang="zh-CN" sz="3200" dirty="0" smtClean="0">
-              <a:solidFill>
-                <a:schemeClr val="bg1"/>
-              </a:solidFill>
-            </a:endParaRPr>
-          </a:p>
-        </p:txBody>
-      </p:sp>
+          <a:p>
+            <a:r>
+              <a:rPr lang="zh-CN" altLang="en-US" dirty="0" smtClean="0">
+                <a:solidFill>
+                  <a:schemeClr val="bg1"/>
+                </a:solidFill>
+                <a:sym typeface="+mn-ea"/>
+              </a:rPr>
+              <a:t>网页爬取</a:t>
+            </a:r>
+            <a:endParaRPr lang="zh-CN" altLang="en-US"/>
+          </a:p>
+        </p:txBody>
+      </p:sp>
+      <p:sp>
+        <p:nvSpPr>
+          <p:cNvPr id="7" name="文本框 6"/>
+          <p:cNvSpPr txBox="1"/>
+          <p:nvPr/>
+        </p:nvSpPr>
+        <p:spPr>
+          <a:xfrm>
+            <a:off x="3203575" y="1707515"/>
+            <a:ext cx="1184910" cy="365760"/>
+          </a:xfrm>
+          <a:prstGeom prst="rect">
+            <a:avLst/>
+          </a:prstGeom>
+          <a:noFill/>
+        </p:spPr>
+        <p:txBody>
+          <a:bodyPr wrap="square" rtlCol="0">
+            <a:spAutoFit/>
+          </a:bodyPr>
+          <a:p>
+            <a:r>
+              <a:rPr lang="zh-CN" altLang="en-US" dirty="0" smtClean="0">
+                <a:solidFill>
+                  <a:schemeClr val="bg1"/>
+                </a:solidFill>
+                <a:sym typeface="+mn-ea"/>
+              </a:rPr>
+              <a:t>网页分析</a:t>
+            </a:r>
+            <a:endParaRPr lang="zh-CN" altLang="en-US"/>
+          </a:p>
+        </p:txBody>
+      </p:sp>
+      <p:sp>
+        <p:nvSpPr>
+          <p:cNvPr id="8" name="文本框 7"/>
+          <p:cNvSpPr txBox="1"/>
+          <p:nvPr/>
+        </p:nvSpPr>
+        <p:spPr>
+          <a:xfrm>
+            <a:off x="4572000" y="2067560"/>
+            <a:ext cx="1365885" cy="365760"/>
+          </a:xfrm>
+          <a:prstGeom prst="rect">
+            <a:avLst/>
+          </a:prstGeom>
+          <a:noFill/>
+        </p:spPr>
+        <p:txBody>
+          <a:bodyPr wrap="square" rtlCol="0">
+            <a:spAutoFit/>
+          </a:bodyPr>
+          <a:p>
+            <a:r>
+              <a:rPr lang="zh-CN" altLang="en-US" dirty="0" smtClean="0">
+                <a:solidFill>
+                  <a:schemeClr val="bg1"/>
+                </a:solidFill>
+                <a:sym typeface="+mn-ea"/>
+              </a:rPr>
+              <a:t>文件读写</a:t>
+            </a:r>
+            <a:endParaRPr lang="zh-CN" altLang="en-US"/>
+          </a:p>
+        </p:txBody>
+      </p:sp>
+      <p:sp>
+        <p:nvSpPr>
+          <p:cNvPr id="9" name="文本框 8"/>
+          <p:cNvSpPr txBox="1"/>
+          <p:nvPr/>
+        </p:nvSpPr>
+        <p:spPr>
+          <a:xfrm>
+            <a:off x="971550" y="3075940"/>
+            <a:ext cx="1897380" cy="365760"/>
+          </a:xfrm>
+          <a:prstGeom prst="rect">
+            <a:avLst/>
+          </a:prstGeom>
+          <a:noFill/>
+        </p:spPr>
+        <p:txBody>
+          <a:bodyPr wrap="square" rtlCol="0">
+            <a:spAutoFit/>
+          </a:bodyPr>
+          <a:p>
+            <a:r>
+              <a:rPr lang="zh-CN" altLang="en-US" dirty="0">
+                <a:solidFill>
+                  <a:schemeClr val="bg1"/>
+                </a:solidFill>
+                <a:sym typeface="+mn-ea"/>
+              </a:rPr>
+              <a:t>爬虫</a:t>
+            </a:r>
+            <a:r>
+              <a:rPr lang="zh-CN" altLang="en-US" dirty="0" smtClean="0">
+                <a:solidFill>
+                  <a:schemeClr val="bg1"/>
+                </a:solidFill>
+                <a:sym typeface="+mn-ea"/>
+              </a:rPr>
+              <a:t>线程池工厂</a:t>
+            </a:r>
+            <a:endParaRPr lang="zh-CN" altLang="en-US"/>
+          </a:p>
+        </p:txBody>
+      </p:sp>
+      <p:sp>
+        <p:nvSpPr>
+          <p:cNvPr id="10" name="文本框 9"/>
+          <p:cNvSpPr txBox="1"/>
+          <p:nvPr/>
+        </p:nvSpPr>
+        <p:spPr>
+          <a:xfrm>
+            <a:off x="3707765" y="2860040"/>
+            <a:ext cx="781685" cy="365760"/>
+          </a:xfrm>
+          <a:prstGeom prst="rect">
+            <a:avLst/>
+          </a:prstGeom>
+          <a:noFill/>
+        </p:spPr>
+        <p:txBody>
+          <a:bodyPr wrap="square" rtlCol="0">
+            <a:spAutoFit/>
+          </a:bodyPr>
+          <a:p>
+            <a:r>
+              <a:rPr lang="zh-CN" altLang="en-US" dirty="0" smtClean="0">
+                <a:solidFill>
+                  <a:schemeClr val="bg1"/>
+                </a:solidFill>
+                <a:sym typeface="+mn-ea"/>
+              </a:rPr>
+              <a:t>线程</a:t>
+            </a:r>
+            <a:endParaRPr lang="zh-CN" altLang="en-US"/>
+          </a:p>
+        </p:txBody>
+      </p:sp>
+      <p:sp>
+        <p:nvSpPr>
+          <p:cNvPr id="11" name="文本框 10"/>
+          <p:cNvSpPr txBox="1"/>
+          <p:nvPr/>
+        </p:nvSpPr>
+        <p:spPr>
+          <a:xfrm>
+            <a:off x="6913880" y="2070100"/>
+            <a:ext cx="1335405" cy="365760"/>
+          </a:xfrm>
+          <a:prstGeom prst="rect">
+            <a:avLst/>
+          </a:prstGeom>
+          <a:noFill/>
+        </p:spPr>
+        <p:txBody>
+          <a:bodyPr wrap="square" rtlCol="0">
+            <a:spAutoFit/>
+          </a:bodyPr>
+          <a:p>
+            <a:r>
+              <a:rPr lang="zh-CN" altLang="en-US" dirty="0" smtClean="0">
+                <a:solidFill>
+                  <a:schemeClr val="bg1"/>
+                </a:solidFill>
+                <a:sym typeface="+mn-ea"/>
+              </a:rPr>
+              <a:t>数据库存入</a:t>
+            </a:r>
+            <a:endParaRPr lang="zh-CN" altLang="en-US"/>
+          </a:p>
+        </p:txBody>
+      </p:sp>
+      <p:sp>
+        <p:nvSpPr>
+          <p:cNvPr id="12" name="文本框 11"/>
+          <p:cNvSpPr txBox="1"/>
+          <p:nvPr/>
+        </p:nvSpPr>
+        <p:spPr>
+          <a:xfrm>
+            <a:off x="6012180" y="3219450"/>
+            <a:ext cx="1858645" cy="365760"/>
+          </a:xfrm>
+          <a:prstGeom prst="rect">
+            <a:avLst/>
+          </a:prstGeom>
+          <a:noFill/>
+        </p:spPr>
+        <p:txBody>
+          <a:bodyPr wrap="square" rtlCol="0">
+            <a:spAutoFit/>
+          </a:bodyPr>
+          <a:p>
+            <a:r>
+              <a:rPr lang="zh-CN" altLang="en-US" dirty="0" smtClean="0">
+                <a:solidFill>
+                  <a:schemeClr val="bg1"/>
+                </a:solidFill>
+                <a:sym typeface="+mn-ea"/>
+              </a:rPr>
+              <a:t>数据持久化存储</a:t>
+            </a:r>
+            <a:endParaRPr lang="zh-CN" altLang="en-US"/>
+          </a:p>
+        </p:txBody>
+      </p:sp>
+      <p:cxnSp>
+        <p:nvCxnSpPr>
+          <p:cNvPr id="17" name="直接箭头连接符 16"/>
+          <p:cNvCxnSpPr/>
+          <p:nvPr/>
+        </p:nvCxnSpPr>
+        <p:spPr>
+          <a:xfrm>
+            <a:off x="2771775" y="2571750"/>
+            <a:ext cx="935990" cy="360045"/>
+          </a:xfrm>
+          <a:prstGeom prst="straightConnector1">
+            <a:avLst/>
+          </a:prstGeom>
+          <a:ln>
+            <a:solidFill>
+              <a:schemeClr val="bg1"/>
+            </a:solidFill>
+            <a:tailEnd type="triangle"/>
+          </a:ln>
+        </p:spPr>
+        <p:style>
+          <a:lnRef idx="1">
+            <a:schemeClr val="accent1"/>
+          </a:lnRef>
+          <a:fillRef idx="0">
+            <a:schemeClr val="accent1"/>
+          </a:fillRef>
+          <a:effectRef idx="0">
+            <a:schemeClr val="accent1"/>
+          </a:effectRef>
+          <a:fontRef idx="minor">
+            <a:schemeClr val="tx1"/>
+          </a:fontRef>
+        </p:style>
+      </p:cxnSp>
+      <p:cxnSp>
+        <p:nvCxnSpPr>
+          <p:cNvPr id="13" name="直接箭头连接符 12"/>
+          <p:cNvCxnSpPr/>
+          <p:nvPr/>
+        </p:nvCxnSpPr>
+        <p:spPr>
+          <a:xfrm flipV="1">
+            <a:off x="2627630" y="3147695"/>
+            <a:ext cx="1007745" cy="144145"/>
+          </a:xfrm>
+          <a:prstGeom prst="straightConnector1">
+            <a:avLst/>
+          </a:prstGeom>
+          <a:ln>
+            <a:solidFill>
+              <a:schemeClr val="bg1"/>
+            </a:solidFill>
+            <a:tailEnd type="triangle"/>
+          </a:ln>
+        </p:spPr>
+        <p:style>
+          <a:lnRef idx="1">
+            <a:schemeClr val="accent1"/>
+          </a:lnRef>
+          <a:fillRef idx="0">
+            <a:schemeClr val="accent1"/>
+          </a:fillRef>
+          <a:effectRef idx="0">
+            <a:schemeClr val="accent1"/>
+          </a:effectRef>
+          <a:fontRef idx="minor">
+            <a:schemeClr val="tx1"/>
+          </a:fontRef>
+        </p:style>
+      </p:cxnSp>
+      <p:cxnSp>
+        <p:nvCxnSpPr>
+          <p:cNvPr id="14" name="直接箭头连接符 13"/>
+          <p:cNvCxnSpPr/>
+          <p:nvPr/>
+        </p:nvCxnSpPr>
+        <p:spPr>
+          <a:xfrm flipH="1">
+            <a:off x="4355465" y="2427605"/>
+            <a:ext cx="504190" cy="431800"/>
+          </a:xfrm>
+          <a:prstGeom prst="straightConnector1">
+            <a:avLst/>
+          </a:prstGeom>
+          <a:ln>
+            <a:solidFill>
+              <a:schemeClr val="bg1"/>
+            </a:solidFill>
+            <a:tailEnd type="triangle"/>
+          </a:ln>
+        </p:spPr>
+        <p:style>
+          <a:lnRef idx="1">
+            <a:schemeClr val="accent1"/>
+          </a:lnRef>
+          <a:fillRef idx="0">
+            <a:schemeClr val="accent1"/>
+          </a:fillRef>
+          <a:effectRef idx="0">
+            <a:schemeClr val="accent1"/>
+          </a:effectRef>
+          <a:fontRef idx="minor">
+            <a:schemeClr val="tx1"/>
+          </a:fontRef>
+        </p:style>
+      </p:cxnSp>
+      <p:cxnSp>
+        <p:nvCxnSpPr>
+          <p:cNvPr id="15" name="直接箭头连接符 14"/>
+          <p:cNvCxnSpPr/>
+          <p:nvPr/>
+        </p:nvCxnSpPr>
+        <p:spPr>
+          <a:xfrm>
+            <a:off x="3851910" y="2067560"/>
+            <a:ext cx="71755" cy="720090"/>
+          </a:xfrm>
+          <a:prstGeom prst="straightConnector1">
+            <a:avLst/>
+          </a:prstGeom>
+          <a:ln>
+            <a:solidFill>
+              <a:schemeClr val="bg1"/>
+            </a:solidFill>
+            <a:tailEnd type="triangle"/>
+          </a:ln>
+        </p:spPr>
+        <p:style>
+          <a:lnRef idx="1">
+            <a:schemeClr val="accent1"/>
+          </a:lnRef>
+          <a:fillRef idx="0">
+            <a:schemeClr val="accent1"/>
+          </a:fillRef>
+          <a:effectRef idx="0">
+            <a:schemeClr val="accent1"/>
+          </a:effectRef>
+          <a:fontRef idx="minor">
+            <a:schemeClr val="tx1"/>
+          </a:fontRef>
+        </p:style>
+      </p:cxnSp>
+      <p:cxnSp>
+        <p:nvCxnSpPr>
+          <p:cNvPr id="16" name="直接箭头连接符 15"/>
+          <p:cNvCxnSpPr>
+            <a:stCxn id="8" idx="2"/>
+            <a:endCxn id="12" idx="1"/>
+          </p:cNvCxnSpPr>
+          <p:nvPr/>
+        </p:nvCxnSpPr>
+        <p:spPr>
+          <a:xfrm>
+            <a:off x="5255260" y="2433320"/>
+            <a:ext cx="756920" cy="969010"/>
+          </a:xfrm>
+          <a:prstGeom prst="straightConnector1">
+            <a:avLst/>
+          </a:prstGeom>
+          <a:ln>
+            <a:solidFill>
+              <a:schemeClr val="bg1"/>
+            </a:solidFill>
+            <a:tailEnd type="triangle"/>
+          </a:ln>
+        </p:spPr>
+        <p:style>
+          <a:lnRef idx="1">
+            <a:schemeClr val="accent1"/>
+          </a:lnRef>
+          <a:fillRef idx="0">
+            <a:schemeClr val="accent1"/>
+          </a:fillRef>
+          <a:effectRef idx="0">
+            <a:schemeClr val="accent1"/>
+          </a:effectRef>
+          <a:fontRef idx="minor">
+            <a:schemeClr val="tx1"/>
+          </a:fontRef>
+        </p:style>
+      </p:cxnSp>
+      <p:cxnSp>
+        <p:nvCxnSpPr>
+          <p:cNvPr id="18" name="直接箭头连接符 17"/>
+          <p:cNvCxnSpPr/>
+          <p:nvPr/>
+        </p:nvCxnSpPr>
+        <p:spPr>
+          <a:xfrm flipV="1">
+            <a:off x="6588125" y="2499360"/>
+            <a:ext cx="863600" cy="720090"/>
+          </a:xfrm>
+          <a:prstGeom prst="straightConnector1">
+            <a:avLst/>
+          </a:prstGeom>
+          <a:ln>
+            <a:solidFill>
+              <a:schemeClr val="bg1"/>
+            </a:solidFill>
+            <a:tailEnd type="triangle"/>
+          </a:ln>
+        </p:spPr>
+        <p:style>
+          <a:lnRef idx="1">
+            <a:schemeClr val="accent1"/>
+          </a:lnRef>
+          <a:fillRef idx="0">
+            <a:schemeClr val="accent1"/>
+          </a:fillRef>
+          <a:effectRef idx="0">
+            <a:schemeClr val="accent1"/>
+          </a:effectRef>
+          <a:fontRef idx="minor">
+            <a:schemeClr val="tx1"/>
+          </a:fontRef>
+        </p:style>
+      </p:cxnSp>
+      <p:sp>
+        <p:nvSpPr>
+          <p:cNvPr id="19" name="文本框 18"/>
+          <p:cNvSpPr txBox="1"/>
+          <p:nvPr/>
+        </p:nvSpPr>
+        <p:spPr>
+          <a:xfrm>
+            <a:off x="1208405" y="4120515"/>
+            <a:ext cx="3818255" cy="642620"/>
+          </a:xfrm>
+          <a:prstGeom prst="rect">
+            <a:avLst/>
+          </a:prstGeom>
+          <a:noFill/>
+        </p:spPr>
+        <p:txBody>
+          <a:bodyPr wrap="square" rtlCol="0">
+            <a:spAutoFit/>
+          </a:bodyPr>
+          <a:p>
+            <a:r>
+              <a:rPr lang="en-US" altLang="zh-CN" dirty="0" smtClean="0">
+                <a:solidFill>
+                  <a:schemeClr val="bg1"/>
+                </a:solidFill>
+                <a:sym typeface="+mn-ea"/>
+              </a:rPr>
+              <a:t>URL</a:t>
+            </a:r>
+            <a:r>
+              <a:rPr lang="zh-CN" altLang="en-US" dirty="0" smtClean="0">
+                <a:solidFill>
+                  <a:schemeClr val="bg1"/>
+                </a:solidFill>
+                <a:sym typeface="+mn-ea"/>
+              </a:rPr>
+              <a:t>暂存容器</a:t>
+            </a:r>
+            <a:r>
+              <a:rPr lang="en-US" altLang="zh-CN" dirty="0" smtClean="0">
+                <a:solidFill>
+                  <a:schemeClr val="bg1"/>
+                </a:solidFill>
+                <a:sym typeface="+mn-ea"/>
+              </a:rPr>
+              <a:t>:</a:t>
+            </a:r>
+            <a:r>
+              <a:rPr lang="zh-CN" altLang="en-US" dirty="0" smtClean="0">
+                <a:solidFill>
+                  <a:schemeClr val="bg1"/>
+                </a:solidFill>
+                <a:sym typeface="+mn-ea"/>
+              </a:rPr>
+              <a:t>视频类别页面容器，视频页面容器，视频信息页面容器。</a:t>
+            </a:r>
+            <a:endParaRPr lang="zh-CN" altLang="en-US"/>
+          </a:p>
+        </p:txBody>
+      </p:sp>
+      <p:cxnSp>
+        <p:nvCxnSpPr>
+          <p:cNvPr id="21" name="直接箭头连接符 20"/>
+          <p:cNvCxnSpPr/>
+          <p:nvPr/>
+        </p:nvCxnSpPr>
+        <p:spPr>
+          <a:xfrm flipV="1">
+            <a:off x="2987675" y="3291840"/>
+            <a:ext cx="847090" cy="808990"/>
+          </a:xfrm>
+          <a:prstGeom prst="straightConnector1">
+            <a:avLst/>
+          </a:prstGeom>
+          <a:ln>
+            <a:solidFill>
+              <a:schemeClr val="bg1"/>
+            </a:solidFill>
+            <a:tailEnd type="triangle"/>
+          </a:ln>
+        </p:spPr>
+        <p:style>
+          <a:lnRef idx="1">
+            <a:schemeClr val="accent1"/>
+          </a:lnRef>
+          <a:fillRef idx="0">
+            <a:schemeClr val="accent1"/>
+          </a:fillRef>
+          <a:effectRef idx="0">
+            <a:schemeClr val="accent1"/>
+          </a:effectRef>
+          <a:fontRef idx="minor">
+            <a:schemeClr val="tx1"/>
+          </a:fontRef>
+        </p:style>
+      </p:cxnSp>
     </p:spTree>
-    <p:extLst>
-      <p:ext uri="{BB962C8B-B14F-4D97-AF65-F5344CB8AC3E}">
-        <p14:creationId xmlns:p14="http://schemas.microsoft.com/office/powerpoint/2010/main" val="3449798388"/>
-      </p:ext>
-    </p:extLst>
   </p:cSld>
   <p:clrMapOvr>
     <a:masterClrMapping/>
@@ -3826,6 +5018,697 @@
       </p:par>
     </p:tnLst>
   </p:timing>
+</p:sld>
+</file>
+
+<file path=ppt/slides/slide12.xml><?xml version="1.0" encoding="utf-8"?>
+<p:sld xmlns:a="http://schemas.openxmlformats.org/drawingml/2006/main" xmlns:r="http://schemas.openxmlformats.org/officeDocument/2006/relationships" xmlns:p="http://schemas.openxmlformats.org/presentationml/2006/main">
+  <p:cSld>
+    <p:spTree>
+      <p:nvGrpSpPr>
+        <p:cNvPr id="1" name=""/>
+        <p:cNvGrpSpPr/>
+        <p:nvPr/>
+      </p:nvGrpSpPr>
+      <p:grpSpPr>
+        <a:xfrm>
+          <a:off x="0" y="0"/>
+          <a:ext cx="0" cy="0"/>
+          <a:chOff x="0" y="0"/>
+          <a:chExt cx="0" cy="0"/>
+        </a:xfrm>
+      </p:grpSpPr>
+      <p:grpSp>
+        <p:nvGrpSpPr>
+          <p:cNvPr id="2" name="组合 1"/>
+          <p:cNvGrpSpPr/>
+          <p:nvPr/>
+        </p:nvGrpSpPr>
+        <p:grpSpPr>
+          <a:xfrm>
+            <a:off x="1547664" y="484988"/>
+            <a:ext cx="6034995" cy="705445"/>
+            <a:chOff x="589234" y="915566"/>
+            <a:chExt cx="6215014" cy="814394"/>
+          </a:xfrm>
+        </p:grpSpPr>
+        <p:sp>
+          <p:nvSpPr>
+            <p:cNvPr id="3" name="矩形 2"/>
+            <p:cNvSpPr/>
+            <p:nvPr/>
+          </p:nvSpPr>
+          <p:spPr>
+            <a:xfrm>
+              <a:off x="1691680" y="1203598"/>
+              <a:ext cx="5112568" cy="491691"/>
+            </a:xfrm>
+            <a:prstGeom prst="rect">
+              <a:avLst/>
+            </a:prstGeom>
+            <a:solidFill>
+              <a:srgbClr val="E74F1D"/>
+            </a:solidFill>
+            <a:ln>
+              <a:noFill/>
+            </a:ln>
+            <a:effectLst>
+              <a:outerShdw blurRad="50800" dist="38100" dir="2700000" algn="tl" rotWithShape="0">
+                <a:prstClr val="black">
+                  <a:alpha val="40000"/>
+                </a:prstClr>
+              </a:outerShdw>
+            </a:effectLst>
+          </p:spPr>
+          <p:style>
+            <a:lnRef idx="2">
+              <a:schemeClr val="accent1">
+                <a:shade val="50000"/>
+              </a:schemeClr>
+            </a:lnRef>
+            <a:fillRef idx="1">
+              <a:schemeClr val="accent1"/>
+            </a:fillRef>
+            <a:effectRef idx="0">
+              <a:schemeClr val="accent1"/>
+            </a:effectRef>
+            <a:fontRef idx="minor">
+              <a:schemeClr val="lt1"/>
+            </a:fontRef>
+          </p:style>
+          <p:txBody>
+            <a:bodyPr rtlCol="0" anchor="ctr"/>
+            <a:lstStyle/>
+            <a:p>
+              <a:pPr algn="ctr"/>
+              <a:r>
+                <a:rPr lang="zh-CN" altLang="en-US" sz="2000" b="1" dirty="0" smtClean="0">
+                  <a:solidFill>
+                    <a:schemeClr val="bg1"/>
+                  </a:solidFill>
+                  <a:sym typeface="+mn-ea"/>
+                </a:rPr>
+                <a:t>前端显示界面</a:t>
+              </a:r>
+              <a:endParaRPr lang="zh-CN" altLang="en-US" sz="2000" b="1" dirty="0" smtClean="0">
+                <a:solidFill>
+                  <a:schemeClr val="bg1"/>
+                </a:solidFill>
+                <a:effectLst>
+                  <a:outerShdw blurRad="38100" dist="38100" dir="2700000" algn="tl">
+                    <a:srgbClr val="000000">
+                      <a:alpha val="43137"/>
+                    </a:srgbClr>
+                  </a:outerShdw>
+                </a:effectLst>
+                <a:latin typeface="微软雅黑" pitchFamily="34" charset="-122"/>
+                <a:ea typeface="微软雅黑" pitchFamily="34" charset="-122"/>
+                <a:sym typeface="+mn-ea"/>
+              </a:endParaRPr>
+            </a:p>
+          </p:txBody>
+        </p:sp>
+        <p:pic>
+          <p:nvPicPr>
+            <p:cNvPr id="4" name="图片 3"/>
+            <p:cNvPicPr>
+              <a:picLocks noChangeAspect="1"/>
+            </p:cNvPicPr>
+            <p:nvPr/>
+          </p:nvPicPr>
+          <p:blipFill>
+            <a:blip r:embed="rId1">
+              <a:extLst>
+                <a:ext uri="{28A0092B-C50C-407E-A947-70E740481C1C}">
+                  <a14:useLocalDpi xmlns:a14="http://schemas.microsoft.com/office/drawing/2010/main" val="0"/>
+                </a:ext>
+              </a:extLst>
+            </a:blip>
+            <a:srcRect/>
+            <a:stretch>
+              <a:fillRect/>
+            </a:stretch>
+          </p:blipFill>
+          <p:spPr>
+            <a:xfrm>
+              <a:off x="589234" y="915566"/>
+              <a:ext cx="1409528" cy="814394"/>
+            </a:xfrm>
+            <a:prstGeom prst="rect">
+              <a:avLst/>
+            </a:prstGeom>
+            <a:effectLst>
+              <a:outerShdw blurRad="50800" dist="38100" dir="2700000" algn="tl" rotWithShape="0">
+                <a:prstClr val="black">
+                  <a:alpha val="40000"/>
+                </a:prstClr>
+              </a:outerShdw>
+            </a:effectLst>
+          </p:spPr>
+        </p:pic>
+        <p:sp>
+          <p:nvSpPr>
+            <p:cNvPr id="5" name="等腰三角形 4"/>
+            <p:cNvSpPr/>
+            <p:nvPr/>
+          </p:nvSpPr>
+          <p:spPr>
+            <a:xfrm rot="5400000">
+              <a:off x="6452661" y="1341430"/>
+              <a:ext cx="343136" cy="216026"/>
+            </a:xfrm>
+            <a:prstGeom prst="triangle">
+              <a:avLst/>
+            </a:prstGeom>
+            <a:solidFill>
+              <a:srgbClr val="FFC000"/>
+            </a:solidFill>
+            <a:ln>
+              <a:noFill/>
+            </a:ln>
+            <a:effectLst>
+              <a:outerShdw blurRad="50800" dist="38100" dir="2700000" algn="tl" rotWithShape="0">
+                <a:prstClr val="black">
+                  <a:alpha val="40000"/>
+                </a:prstClr>
+              </a:outerShdw>
+            </a:effectLst>
+          </p:spPr>
+          <p:style>
+            <a:lnRef idx="2">
+              <a:schemeClr val="accent1">
+                <a:shade val="50000"/>
+              </a:schemeClr>
+            </a:lnRef>
+            <a:fillRef idx="1">
+              <a:schemeClr val="accent1"/>
+            </a:fillRef>
+            <a:effectRef idx="0">
+              <a:schemeClr val="accent1"/>
+            </a:effectRef>
+            <a:fontRef idx="minor">
+              <a:schemeClr val="lt1"/>
+            </a:fontRef>
+          </p:style>
+          <p:txBody>
+            <a:bodyPr rtlCol="0" anchor="ctr"/>
+            <a:lstStyle/>
+            <a:p>
+              <a:pPr algn="ctr"/>
+              <a:endParaRPr lang="zh-CN" altLang="en-US">
+                <a:solidFill>
+                  <a:srgbClr val="FFC000"/>
+                </a:solidFill>
+              </a:endParaRPr>
+            </a:p>
+          </p:txBody>
+        </p:sp>
+      </p:grpSp>
+      <p:sp>
+        <p:nvSpPr>
+          <p:cNvPr id="6" name="文本框 5"/>
+          <p:cNvSpPr txBox="1"/>
+          <p:nvPr/>
+        </p:nvSpPr>
+        <p:spPr>
+          <a:xfrm>
+            <a:off x="1905000" y="1948815"/>
+            <a:ext cx="5628640" cy="1188720"/>
+          </a:xfrm>
+          <a:prstGeom prst="rect">
+            <a:avLst/>
+          </a:prstGeom>
+          <a:noFill/>
+        </p:spPr>
+        <p:txBody>
+          <a:bodyPr wrap="square" rtlCol="0">
+            <a:spAutoFit/>
+          </a:bodyPr>
+          <a:p>
+            <a:r>
+              <a:rPr lang="en-US" altLang="zh-CN" dirty="0" smtClean="0">
+                <a:solidFill>
+                  <a:schemeClr val="bg1"/>
+                </a:solidFill>
+                <a:latin typeface="+mn-ea"/>
+                <a:sym typeface="+mn-ea"/>
+              </a:rPr>
+              <a:t>       </a:t>
+            </a:r>
+            <a:r>
+              <a:rPr lang="zh-CN" altLang="en-US" dirty="0" smtClean="0">
+                <a:solidFill>
+                  <a:schemeClr val="bg1"/>
+                </a:solidFill>
+                <a:latin typeface="+mn-ea"/>
+                <a:sym typeface="+mn-ea"/>
+              </a:rPr>
+              <a:t>可以设置多个不同的限制条件，发送到</a:t>
+            </a:r>
+            <a:r>
+              <a:rPr lang="zh-CN" altLang="en-US" dirty="0">
+                <a:solidFill>
+                  <a:schemeClr val="bg1"/>
+                </a:solidFill>
+                <a:latin typeface="+mn-ea"/>
+                <a:sym typeface="+mn-ea"/>
+              </a:rPr>
+              <a:t>服务器。爬取数据的</a:t>
+            </a:r>
+            <a:r>
+              <a:rPr lang="zh-CN" altLang="en-US" dirty="0" smtClean="0">
+                <a:solidFill>
+                  <a:schemeClr val="bg1"/>
+                </a:solidFill>
+                <a:latin typeface="+mn-ea"/>
+                <a:sym typeface="+mn-ea"/>
+              </a:rPr>
+              <a:t>结果已经格式化存入数据库，服务器接收请求并分析返回数据。前台部分以图表和表格的形式显示结果。</a:t>
+            </a:r>
+            <a:endParaRPr lang="zh-CN" altLang="en-US"/>
+          </a:p>
+        </p:txBody>
+      </p:sp>
+    </p:spTree>
+  </p:cSld>
+  <p:clrMapOvr>
+    <a:masterClrMapping/>
+  </p:clrMapOvr>
+  <p:timing>
+    <p:tnLst>
+      <p:par>
+        <p:cTn id="1" dur="indefinite" restart="never" nodeType="tmRoot"/>
+      </p:par>
+    </p:tnLst>
+  </p:timing>
+</p:sld>
+</file>
+
+<file path=ppt/slides/slide13.xml><?xml version="1.0" encoding="utf-8"?>
+<p:sld xmlns:a="http://schemas.openxmlformats.org/drawingml/2006/main" xmlns:r="http://schemas.openxmlformats.org/officeDocument/2006/relationships" xmlns:p="http://schemas.openxmlformats.org/presentationml/2006/main">
+  <p:cSld>
+    <p:spTree>
+      <p:nvGrpSpPr>
+        <p:cNvPr id="1" name=""/>
+        <p:cNvGrpSpPr/>
+        <p:nvPr/>
+      </p:nvGrpSpPr>
+      <p:grpSpPr>
+        <a:xfrm>
+          <a:off x="0" y="0"/>
+          <a:ext cx="0" cy="0"/>
+          <a:chOff x="0" y="0"/>
+          <a:chExt cx="0" cy="0"/>
+        </a:xfrm>
+      </p:grpSpPr>
+      <p:grpSp>
+        <p:nvGrpSpPr>
+          <p:cNvPr id="2" name="组合 1"/>
+          <p:cNvGrpSpPr/>
+          <p:nvPr/>
+        </p:nvGrpSpPr>
+        <p:grpSpPr>
+          <a:xfrm>
+            <a:off x="1547664" y="484988"/>
+            <a:ext cx="6034995" cy="705445"/>
+            <a:chOff x="589234" y="915566"/>
+            <a:chExt cx="6215014" cy="814394"/>
+          </a:xfrm>
+        </p:grpSpPr>
+        <p:sp>
+          <p:nvSpPr>
+            <p:cNvPr id="3" name="矩形 2"/>
+            <p:cNvSpPr/>
+            <p:nvPr/>
+          </p:nvSpPr>
+          <p:spPr>
+            <a:xfrm>
+              <a:off x="1691680" y="1203598"/>
+              <a:ext cx="5112568" cy="491691"/>
+            </a:xfrm>
+            <a:prstGeom prst="rect">
+              <a:avLst/>
+            </a:prstGeom>
+            <a:solidFill>
+              <a:srgbClr val="E74F1D"/>
+            </a:solidFill>
+            <a:ln>
+              <a:noFill/>
+            </a:ln>
+            <a:effectLst>
+              <a:outerShdw blurRad="50800" dist="38100" dir="2700000" algn="tl" rotWithShape="0">
+                <a:prstClr val="black">
+                  <a:alpha val="40000"/>
+                </a:prstClr>
+              </a:outerShdw>
+            </a:effectLst>
+          </p:spPr>
+          <p:style>
+            <a:lnRef idx="2">
+              <a:schemeClr val="accent1">
+                <a:shade val="50000"/>
+              </a:schemeClr>
+            </a:lnRef>
+            <a:fillRef idx="1">
+              <a:schemeClr val="accent1"/>
+            </a:fillRef>
+            <a:effectRef idx="0">
+              <a:schemeClr val="accent1"/>
+            </a:effectRef>
+            <a:fontRef idx="minor">
+              <a:schemeClr val="lt1"/>
+            </a:fontRef>
+          </p:style>
+          <p:txBody>
+            <a:bodyPr rtlCol="0" anchor="ctr"/>
+            <a:lstStyle/>
+            <a:p>
+              <a:pPr algn="ctr"/>
+              <a:r>
+                <a:rPr lang="zh-CN" altLang="en-US" sz="2000" b="1" dirty="0" smtClean="0">
+                  <a:solidFill>
+                    <a:schemeClr val="bg1"/>
+                  </a:solidFill>
+                  <a:effectLst>
+                    <a:outerShdw blurRad="38100" dist="38100" dir="2700000" algn="tl">
+                      <a:srgbClr val="000000">
+                        <a:alpha val="43137"/>
+                      </a:srgbClr>
+                    </a:outerShdw>
+                  </a:effectLst>
+                  <a:latin typeface="微软雅黑" pitchFamily="34" charset="-122"/>
+                  <a:ea typeface="微软雅黑" pitchFamily="34" charset="-122"/>
+                  <a:sym typeface="+mn-ea"/>
+                </a:rPr>
+                <a:t>结论</a:t>
+              </a:r>
+              <a:endParaRPr lang="zh-CN" altLang="en-US" sz="2000" b="1" dirty="0" smtClean="0">
+                <a:solidFill>
+                  <a:schemeClr val="bg1"/>
+                </a:solidFill>
+                <a:effectLst>
+                  <a:outerShdw blurRad="38100" dist="38100" dir="2700000" algn="tl">
+                    <a:srgbClr val="000000">
+                      <a:alpha val="43137"/>
+                    </a:srgbClr>
+                  </a:outerShdw>
+                </a:effectLst>
+                <a:latin typeface="微软雅黑" pitchFamily="34" charset="-122"/>
+                <a:ea typeface="微软雅黑" pitchFamily="34" charset="-122"/>
+                <a:sym typeface="+mn-ea"/>
+              </a:endParaRPr>
+            </a:p>
+          </p:txBody>
+        </p:sp>
+        <p:pic>
+          <p:nvPicPr>
+            <p:cNvPr id="4" name="图片 3"/>
+            <p:cNvPicPr>
+              <a:picLocks noChangeAspect="1"/>
+            </p:cNvPicPr>
+            <p:nvPr/>
+          </p:nvPicPr>
+          <p:blipFill>
+            <a:blip r:embed="rId1">
+              <a:extLst>
+                <a:ext uri="{28A0092B-C50C-407E-A947-70E740481C1C}">
+                  <a14:useLocalDpi xmlns:a14="http://schemas.microsoft.com/office/drawing/2010/main" val="0"/>
+                </a:ext>
+              </a:extLst>
+            </a:blip>
+            <a:srcRect/>
+            <a:stretch>
+              <a:fillRect/>
+            </a:stretch>
+          </p:blipFill>
+          <p:spPr>
+            <a:xfrm>
+              <a:off x="589234" y="915566"/>
+              <a:ext cx="1409528" cy="814394"/>
+            </a:xfrm>
+            <a:prstGeom prst="rect">
+              <a:avLst/>
+            </a:prstGeom>
+            <a:effectLst>
+              <a:outerShdw blurRad="50800" dist="38100" dir="2700000" algn="tl" rotWithShape="0">
+                <a:prstClr val="black">
+                  <a:alpha val="40000"/>
+                </a:prstClr>
+              </a:outerShdw>
+            </a:effectLst>
+          </p:spPr>
+        </p:pic>
+        <p:sp>
+          <p:nvSpPr>
+            <p:cNvPr id="5" name="等腰三角形 4"/>
+            <p:cNvSpPr/>
+            <p:nvPr/>
+          </p:nvSpPr>
+          <p:spPr>
+            <a:xfrm rot="5400000">
+              <a:off x="6452661" y="1341430"/>
+              <a:ext cx="343136" cy="216026"/>
+            </a:xfrm>
+            <a:prstGeom prst="triangle">
+              <a:avLst/>
+            </a:prstGeom>
+            <a:solidFill>
+              <a:srgbClr val="FFC000"/>
+            </a:solidFill>
+            <a:ln>
+              <a:noFill/>
+            </a:ln>
+            <a:effectLst>
+              <a:outerShdw blurRad="50800" dist="38100" dir="2700000" algn="tl" rotWithShape="0">
+                <a:prstClr val="black">
+                  <a:alpha val="40000"/>
+                </a:prstClr>
+              </a:outerShdw>
+            </a:effectLst>
+          </p:spPr>
+          <p:style>
+            <a:lnRef idx="2">
+              <a:schemeClr val="accent1">
+                <a:shade val="50000"/>
+              </a:schemeClr>
+            </a:lnRef>
+            <a:fillRef idx="1">
+              <a:schemeClr val="accent1"/>
+            </a:fillRef>
+            <a:effectRef idx="0">
+              <a:schemeClr val="accent1"/>
+            </a:effectRef>
+            <a:fontRef idx="minor">
+              <a:schemeClr val="lt1"/>
+            </a:fontRef>
+          </p:style>
+          <p:txBody>
+            <a:bodyPr rtlCol="0" anchor="ctr"/>
+            <a:lstStyle/>
+            <a:p>
+              <a:pPr algn="ctr"/>
+              <a:endParaRPr lang="zh-CN" altLang="en-US">
+                <a:solidFill>
+                  <a:srgbClr val="FFC000"/>
+                </a:solidFill>
+              </a:endParaRPr>
+            </a:p>
+          </p:txBody>
+        </p:sp>
+      </p:grpSp>
+      <p:sp>
+        <p:nvSpPr>
+          <p:cNvPr id="6" name="文本框 5"/>
+          <p:cNvSpPr txBox="1"/>
+          <p:nvPr/>
+        </p:nvSpPr>
+        <p:spPr>
+          <a:xfrm>
+            <a:off x="1979295" y="1275715"/>
+            <a:ext cx="5628640" cy="642620"/>
+          </a:xfrm>
+          <a:prstGeom prst="rect">
+            <a:avLst/>
+          </a:prstGeom>
+          <a:noFill/>
+        </p:spPr>
+        <p:txBody>
+          <a:bodyPr wrap="square" rtlCol="0">
+            <a:spAutoFit/>
+          </a:bodyPr>
+          <a:p>
+            <a:r>
+              <a:rPr lang="en-US" altLang="zh-CN" dirty="0" smtClean="0">
+                <a:solidFill>
+                  <a:schemeClr val="bg1"/>
+                </a:solidFill>
+                <a:sym typeface="+mn-ea"/>
+              </a:rPr>
+              <a:t>       </a:t>
+            </a:r>
+            <a:r>
+              <a:rPr lang="zh-CN" altLang="en-US" dirty="0" smtClean="0">
+                <a:solidFill>
+                  <a:schemeClr val="bg1"/>
+                </a:solidFill>
+                <a:sym typeface="+mn-ea"/>
+              </a:rPr>
+              <a:t>这里选择中国台湾地区作为限制条件，其他未选择，显示台湾地区视频的播放量排行。</a:t>
+            </a:r>
+            <a:endParaRPr lang="zh-CN" altLang="en-US"/>
+          </a:p>
+        </p:txBody>
+      </p:sp>
+      <p:pic>
+        <p:nvPicPr>
+          <p:cNvPr id="7" name="图片 6"/>
+          <p:cNvPicPr>
+            <a:picLocks noChangeAspect="1"/>
+          </p:cNvPicPr>
+          <p:nvPr/>
+        </p:nvPicPr>
+        <p:blipFill>
+          <a:blip r:embed="rId2">
+            <a:extLst>
+              <a:ext uri="{28A0092B-C50C-407E-A947-70E740481C1C}">
+                <a14:useLocalDpi xmlns:a14="http://schemas.microsoft.com/office/drawing/2010/main" val="0"/>
+              </a:ext>
+            </a:extLst>
+          </a:blip>
+          <a:srcRect/>
+          <a:stretch>
+            <a:fillRect/>
+          </a:stretch>
+        </p:blipFill>
+        <p:spPr>
+          <a:xfrm>
+            <a:off x="1619250" y="1923415"/>
+            <a:ext cx="6296025" cy="3026410"/>
+          </a:xfrm>
+          <a:prstGeom prst="rect">
+            <a:avLst/>
+          </a:prstGeom>
+        </p:spPr>
+      </p:pic>
+    </p:spTree>
+  </p:cSld>
+  <p:clrMapOvr>
+    <a:masterClrMapping/>
+  </p:clrMapOvr>
+  <p:timing>
+    <p:tnLst>
+      <p:par>
+        <p:cTn id="1" dur="indefinite" restart="never" nodeType="tmRoot"/>
+      </p:par>
+    </p:tnLst>
+  </p:timing>
+</p:sld>
+</file>
+
+<file path=ppt/slides/slide14.xml><?xml version="1.0" encoding="utf-8"?>
+<p:sld xmlns:a="http://schemas.openxmlformats.org/drawingml/2006/main" xmlns:r="http://schemas.openxmlformats.org/officeDocument/2006/relationships" xmlns:p="http://schemas.openxmlformats.org/presentationml/2006/main">
+  <p:cSld>
+    <p:spTree>
+      <p:nvGrpSpPr>
+        <p:cNvPr id="1" name=""/>
+        <p:cNvGrpSpPr/>
+        <p:nvPr/>
+      </p:nvGrpSpPr>
+      <p:grpSpPr>
+        <a:xfrm>
+          <a:off x="0" y="0"/>
+          <a:ext cx="0" cy="0"/>
+          <a:chOff x="0" y="0"/>
+          <a:chExt cx="0" cy="0"/>
+        </a:xfrm>
+      </p:grpSpPr>
+      <p:sp>
+        <p:nvSpPr>
+          <p:cNvPr id="2" name="TextBox 1"/>
+          <p:cNvSpPr txBox="1"/>
+          <p:nvPr/>
+        </p:nvSpPr>
+        <p:spPr>
+          <a:xfrm>
+            <a:off x="2841878" y="1851670"/>
+            <a:ext cx="3460243" cy="830997"/>
+          </a:xfrm>
+          <a:prstGeom prst="rect">
+            <a:avLst/>
+          </a:prstGeom>
+          <a:noFill/>
+          <a:effectLst>
+            <a:outerShdw blurRad="50800" dist="38100" dir="2700000" algn="tl" rotWithShape="0">
+              <a:prstClr val="black">
+                <a:alpha val="40000"/>
+              </a:prstClr>
+            </a:outerShdw>
+          </a:effectLst>
+        </p:spPr>
+        <p:txBody>
+          <a:bodyPr wrap="none" rtlCol="0">
+            <a:spAutoFit/>
+          </a:bodyPr>
+          <a:lstStyle/>
+          <a:p>
+            <a:pPr algn="ctr"/>
+            <a:r>
+              <a:rPr lang="en-US" altLang="zh-CN" sz="4800" b="1" dirty="0" smtClean="0">
+                <a:solidFill>
+                  <a:schemeClr val="bg1"/>
+                </a:solidFill>
+              </a:rPr>
+              <a:t>THANKS FOR</a:t>
+            </a:r>
+          </a:p>
+        </p:txBody>
+      </p:sp>
+      <p:sp>
+        <p:nvSpPr>
+          <p:cNvPr id="3" name="TextBox 2"/>
+          <p:cNvSpPr txBox="1"/>
+          <p:nvPr/>
+        </p:nvSpPr>
+        <p:spPr>
+          <a:xfrm>
+            <a:off x="2716042" y="2427734"/>
+            <a:ext cx="3711914" cy="1015663"/>
+          </a:xfrm>
+          <a:prstGeom prst="rect">
+            <a:avLst/>
+          </a:prstGeom>
+          <a:noFill/>
+          <a:effectLst>
+            <a:outerShdw blurRad="50800" dist="38100" dir="2700000" algn="tl" rotWithShape="0">
+              <a:prstClr val="black">
+                <a:alpha val="40000"/>
+              </a:prstClr>
+            </a:outerShdw>
+          </a:effectLst>
+        </p:spPr>
+        <p:txBody>
+          <a:bodyPr wrap="none" rtlCol="0">
+            <a:spAutoFit/>
+          </a:bodyPr>
+          <a:lstStyle/>
+          <a:p>
+            <a:pPr algn="ctr"/>
+            <a:r>
+              <a:rPr lang="en-US" altLang="zh-CN" sz="6000" b="1" dirty="0" smtClean="0">
+                <a:solidFill>
+                  <a:srgbClr val="E74F1D"/>
+                </a:solidFill>
+              </a:rPr>
+              <a:t>WATCHING</a:t>
+            </a:r>
+          </a:p>
+        </p:txBody>
+      </p:sp>
+    </p:spTree>
+  </p:cSld>
+  <p:clrMapOvr>
+    <a:masterClrMapping/>
+  </p:clrMapOvr>
 </p:sld>
 </file>
 
@@ -3846,16 +5729,219 @@
           <a:chExt cx="0" cy="0"/>
         </a:xfrm>
       </p:grpSpPr>
-      <p:sp>
-        <p:nvSpPr>
-          <p:cNvPr id="4" name="文本框 3"/>
+      <p:grpSp>
+        <p:nvGrpSpPr>
+          <p:cNvPr id="2" name="组合 1"/>
+          <p:cNvGrpSpPr/>
+          <p:nvPr/>
+        </p:nvGrpSpPr>
+        <p:grpSpPr>
+          <a:xfrm>
+            <a:off x="1547664" y="484988"/>
+            <a:ext cx="6034995" cy="705445"/>
+            <a:chOff x="589234" y="915566"/>
+            <a:chExt cx="6215014" cy="814394"/>
+          </a:xfrm>
+        </p:grpSpPr>
+        <p:sp>
+          <p:nvSpPr>
+            <p:cNvPr id="3" name="矩形 2"/>
+            <p:cNvSpPr/>
+            <p:nvPr/>
+          </p:nvSpPr>
+          <p:spPr>
+            <a:xfrm>
+              <a:off x="1691680" y="1203598"/>
+              <a:ext cx="5112568" cy="491691"/>
+            </a:xfrm>
+            <a:prstGeom prst="rect">
+              <a:avLst/>
+            </a:prstGeom>
+            <a:solidFill>
+              <a:srgbClr val="E74F1D"/>
+            </a:solidFill>
+            <a:ln>
+              <a:noFill/>
+            </a:ln>
+            <a:effectLst>
+              <a:outerShdw blurRad="50800" dist="38100" dir="2700000" algn="tl" rotWithShape="0">
+                <a:prstClr val="black">
+                  <a:alpha val="40000"/>
+                </a:prstClr>
+              </a:outerShdw>
+            </a:effectLst>
+          </p:spPr>
+          <p:style>
+            <a:lnRef idx="2">
+              <a:schemeClr val="accent1">
+                <a:shade val="50000"/>
+              </a:schemeClr>
+            </a:lnRef>
+            <a:fillRef idx="1">
+              <a:schemeClr val="accent1"/>
+            </a:fillRef>
+            <a:effectRef idx="0">
+              <a:schemeClr val="accent1"/>
+            </a:effectRef>
+            <a:fontRef idx="minor">
+              <a:schemeClr val="lt1"/>
+            </a:fontRef>
+          </p:style>
+          <p:txBody>
+            <a:bodyPr rtlCol="0" anchor="ctr"/>
+            <a:lstStyle/>
+            <a:p>
+              <a:pPr algn="ctr"/>
+              <a:endParaRPr lang="zh-CN" altLang="en-US" sz="2000" b="1" dirty="0">
+                <a:solidFill>
+                  <a:schemeClr val="bg1"/>
+                </a:solidFill>
+              </a:endParaRPr>
+            </a:p>
+            <a:p>
+              <a:pPr algn="ctr"/>
+              <a:r>
+                <a:rPr lang="zh-CN" altLang="en-US" sz="2000" b="1" dirty="0" smtClean="0">
+                  <a:solidFill>
+                    <a:schemeClr val="bg1"/>
+                  </a:solidFill>
+                  <a:sym typeface="+mn-ea"/>
+                </a:rPr>
+                <a:t>各成员工作量</a:t>
+              </a:r>
+              <a:endParaRPr lang="zh-CN" altLang="en-US" sz="2000" b="1" dirty="0" smtClean="0">
+                <a:solidFill>
+                  <a:schemeClr val="bg1"/>
+                </a:solidFill>
+                <a:sym typeface="+mn-ea"/>
+              </a:endParaRPr>
+            </a:p>
+            <a:p>
+              <a:pPr algn="ctr"/>
+              <a:endParaRPr lang="zh-CN" altLang="en-US" sz="2000" b="1" dirty="0" smtClean="0">
+                <a:solidFill>
+                  <a:schemeClr val="bg1"/>
+                </a:solidFill>
+                <a:effectLst>
+                  <a:outerShdw blurRad="38100" dist="38100" dir="2700000" algn="tl">
+                    <a:srgbClr val="000000">
+                      <a:alpha val="43137"/>
+                    </a:srgbClr>
+                  </a:outerShdw>
+                </a:effectLst>
+                <a:latin typeface="微软雅黑" pitchFamily="34" charset="-122"/>
+                <a:ea typeface="微软雅黑" pitchFamily="34" charset="-122"/>
+                <a:sym typeface="+mn-ea"/>
+              </a:endParaRPr>
+            </a:p>
+          </p:txBody>
+        </p:sp>
+        <p:pic>
+          <p:nvPicPr>
+            <p:cNvPr id="4" name="图片 3"/>
+            <p:cNvPicPr>
+              <a:picLocks noChangeAspect="1"/>
+            </p:cNvPicPr>
+            <p:nvPr/>
+          </p:nvPicPr>
+          <p:blipFill>
+            <a:blip r:embed="rId1">
+              <a:extLst>
+                <a:ext uri="{28A0092B-C50C-407E-A947-70E740481C1C}">
+                  <a14:useLocalDpi xmlns:a14="http://schemas.microsoft.com/office/drawing/2010/main" val="0"/>
+                </a:ext>
+              </a:extLst>
+            </a:blip>
+            <a:srcRect/>
+            <a:stretch>
+              <a:fillRect/>
+            </a:stretch>
+          </p:blipFill>
+          <p:spPr>
+            <a:xfrm>
+              <a:off x="589234" y="915566"/>
+              <a:ext cx="1409528" cy="814394"/>
+            </a:xfrm>
+            <a:prstGeom prst="rect">
+              <a:avLst/>
+            </a:prstGeom>
+            <a:effectLst>
+              <a:outerShdw blurRad="50800" dist="38100" dir="2700000" algn="tl" rotWithShape="0">
+                <a:prstClr val="black">
+                  <a:alpha val="40000"/>
+                </a:prstClr>
+              </a:outerShdw>
+            </a:effectLst>
+          </p:spPr>
+        </p:pic>
+        <p:sp>
+          <p:nvSpPr>
+            <p:cNvPr id="5" name="等腰三角形 4"/>
+            <p:cNvSpPr/>
+            <p:nvPr/>
+          </p:nvSpPr>
+          <p:spPr>
+            <a:xfrm rot="5400000">
+              <a:off x="6452661" y="1341430"/>
+              <a:ext cx="343136" cy="216026"/>
+            </a:xfrm>
+            <a:prstGeom prst="triangle">
+              <a:avLst/>
+            </a:prstGeom>
+            <a:solidFill>
+              <a:srgbClr val="FFC000"/>
+            </a:solidFill>
+            <a:ln>
+              <a:noFill/>
+            </a:ln>
+            <a:effectLst>
+              <a:outerShdw blurRad="50800" dist="38100" dir="2700000" algn="tl" rotWithShape="0">
+                <a:prstClr val="black">
+                  <a:alpha val="40000"/>
+                </a:prstClr>
+              </a:outerShdw>
+            </a:effectLst>
+          </p:spPr>
+          <p:style>
+            <a:lnRef idx="2">
+              <a:schemeClr val="accent1">
+                <a:shade val="50000"/>
+              </a:schemeClr>
+            </a:lnRef>
+            <a:fillRef idx="1">
+              <a:schemeClr val="accent1"/>
+            </a:fillRef>
+            <a:effectRef idx="0">
+              <a:schemeClr val="accent1"/>
+            </a:effectRef>
+            <a:fontRef idx="minor">
+              <a:schemeClr val="lt1"/>
+            </a:fontRef>
+          </p:style>
+          <p:txBody>
+            <a:bodyPr rtlCol="0" anchor="ctr"/>
+            <a:lstStyle/>
+            <a:p>
+              <a:pPr algn="ctr"/>
+              <a:endParaRPr lang="zh-CN" altLang="en-US">
+                <a:solidFill>
+                  <a:srgbClr val="FFC000"/>
+                </a:solidFill>
+              </a:endParaRPr>
+            </a:p>
+          </p:txBody>
+        </p:sp>
+      </p:grpSp>
+      <p:sp>
+        <p:nvSpPr>
+          <p:cNvPr id="8" name="文本框 7"/>
           <p:cNvSpPr txBox="1"/>
           <p:nvPr/>
         </p:nvSpPr>
         <p:spPr>
           <a:xfrm>
-            <a:off x="579550" y="772733"/>
-            <a:ext cx="1733167" cy="400110"/>
+            <a:off x="3679825" y="1830705"/>
+            <a:ext cx="1314450" cy="368300"/>
           </a:xfrm>
           <a:prstGeom prst="rect">
             <a:avLst/>
@@ -3866,34 +5952,58 @@
           <a:bodyPr wrap="none" rtlCol="0">
             <a:spAutoFit/>
           </a:bodyPr>
-          <a:lstStyle/>
-          <a:p>
-            <a:r>
-              <a:rPr lang="zh-CN" altLang="en-US" sz="2000" b="1" dirty="0" smtClean="0">
-                <a:solidFill>
-                  <a:schemeClr val="bg1"/>
-                </a:solidFill>
-              </a:rPr>
-              <a:t>各成员工作量</a:t>
-            </a:r>
-            <a:endParaRPr lang="zh-CN" altLang="en-US" sz="2000" b="1" dirty="0">
-              <a:solidFill>
-                <a:schemeClr val="bg1"/>
-              </a:solidFill>
-            </a:endParaRPr>
-          </a:p>
-        </p:txBody>
-      </p:sp>
-      <p:sp>
-        <p:nvSpPr>
-          <p:cNvPr id="5" name="文本框 4"/>
+          <a:p>
+            <a:pPr algn="l"/>
+            <a:r>
+              <a:rPr lang="zh-CN" altLang="en-US" dirty="0" smtClean="0">
+                <a:solidFill>
+                  <a:schemeClr val="bg1"/>
+                </a:solidFill>
+                <a:sym typeface="+mn-ea"/>
+              </a:rPr>
+              <a:t>余明凯 </a:t>
+            </a:r>
+            <a:r>
+              <a:rPr lang="en-US" altLang="zh-CN" dirty="0" smtClean="0">
+                <a:solidFill>
+                  <a:schemeClr val="bg1"/>
+                </a:solidFill>
+                <a:sym typeface="+mn-ea"/>
+              </a:rPr>
+              <a:t>3</a:t>
+            </a:r>
+            <a:r>
+              <a:rPr lang="en-US" altLang="zh-CN" dirty="0">
+                <a:solidFill>
+                  <a:schemeClr val="bg1"/>
+                </a:solidFill>
+                <a:sym typeface="+mn-ea"/>
+              </a:rPr>
+              <a:t>5</a:t>
+            </a:r>
+            <a:r>
+              <a:rPr lang="en-US" altLang="zh-CN" dirty="0" smtClean="0">
+                <a:solidFill>
+                  <a:schemeClr val="bg1"/>
+                </a:solidFill>
+                <a:sym typeface="+mn-ea"/>
+              </a:rPr>
+              <a:t>%</a:t>
+            </a:r>
+            <a:endParaRPr lang="zh-CN" altLang="en-US"/>
+          </a:p>
+        </p:txBody>
+      </p:sp>
+      <p:sp>
+        <p:nvSpPr>
+          <p:cNvPr id="9" name="文本框 8"/>
           <p:cNvSpPr txBox="1"/>
           <p:nvPr/>
         </p:nvSpPr>
         <p:spPr>
           <a:xfrm>
-            <a:off x="4816699" y="2792433"/>
-            <a:ext cx="1965603" cy="523220"/>
+            <a:off x="3695065" y="2374900"/>
+            <a:ext cx="1370330" cy="368300"/>
           </a:xfrm>
           <a:prstGeom prst="rect">
             <a:avLst/>
@@ -3901,61 +6011,42 @@
           <a:noFill/>
         </p:spPr>
         <p:txBody>
-          <a:bodyPr wrap="none" rtlCol="0">
+          <a:bodyPr wrap="square" rtlCol="0">
             <a:spAutoFit/>
           </a:bodyPr>
-          <a:lstStyle/>
-          <a:p>
-            <a:r>
-              <a:rPr lang="zh-CN" altLang="en-US" sz="2800" dirty="0" smtClean="0">
-                <a:solidFill>
-                  <a:schemeClr val="bg1"/>
-                </a:solidFill>
-              </a:rPr>
-              <a:t>余明凯 </a:t>
-            </a:r>
-            <a:r>
-              <a:rPr lang="en-US" altLang="zh-CN" sz="2800" dirty="0" smtClean="0">
-                <a:solidFill>
-                  <a:schemeClr val="bg1"/>
-                </a:solidFill>
-              </a:rPr>
-              <a:t>3</a:t>
-            </a:r>
-            <a:r>
-              <a:rPr lang="en-US" altLang="zh-CN" sz="2800" dirty="0">
-                <a:solidFill>
-                  <a:schemeClr val="bg1"/>
-                </a:solidFill>
-              </a:rPr>
-              <a:t>5</a:t>
-            </a:r>
-            <a:r>
-              <a:rPr lang="en-US" altLang="zh-CN" sz="2800" dirty="0" smtClean="0">
-                <a:solidFill>
-                  <a:schemeClr val="bg1"/>
-                </a:solidFill>
-              </a:rPr>
-              <a:t>%</a:t>
-            </a:r>
-            <a:endParaRPr lang="zh-CN" altLang="en-US" sz="2800" dirty="0">
-              <a:solidFill>
-                <a:schemeClr val="bg1"/>
-              </a:solidFill>
-            </a:endParaRPr>
-          </a:p>
-        </p:txBody>
-      </p:sp>
-      <p:sp>
-        <p:nvSpPr>
-          <p:cNvPr id="6" name="文本框 5"/>
+          <a:p>
+            <a:r>
+              <a:rPr lang="zh-CN" altLang="en-US" dirty="0" smtClean="0">
+                <a:solidFill>
+                  <a:schemeClr val="bg1"/>
+                </a:solidFill>
+                <a:sym typeface="+mn-ea"/>
+              </a:rPr>
+              <a:t>庞华丽 </a:t>
+            </a:r>
+            <a:r>
+              <a:rPr lang="en-US" altLang="zh-CN" dirty="0" smtClean="0">
+                <a:solidFill>
+                  <a:schemeClr val="bg1"/>
+                </a:solidFill>
+                <a:sym typeface="+mn-ea"/>
+              </a:rPr>
+              <a:t>35%</a:t>
+            </a:r>
+            <a:endParaRPr lang="zh-CN" altLang="en-US"/>
+          </a:p>
+        </p:txBody>
+      </p:sp>
+      <p:sp>
+        <p:nvSpPr>
+          <p:cNvPr id="10" name="文本框 9"/>
           <p:cNvSpPr txBox="1"/>
           <p:nvPr/>
         </p:nvSpPr>
         <p:spPr>
           <a:xfrm>
-            <a:off x="4816699" y="3457875"/>
-            <a:ext cx="1965603" cy="523220"/>
+            <a:off x="3672205" y="2905760"/>
+            <a:ext cx="1682750" cy="368300"/>
           </a:xfrm>
           <a:prstGeom prst="rect">
             <a:avLst/>
@@ -3963,87 +6054,33 @@
           <a:noFill/>
         </p:spPr>
         <p:txBody>
-          <a:bodyPr wrap="none" rtlCol="0">
+          <a:bodyPr wrap="square" rtlCol="0">
             <a:spAutoFit/>
           </a:bodyPr>
-          <a:lstStyle/>
-          <a:p>
-            <a:r>
-              <a:rPr lang="zh-CN" altLang="en-US" sz="2800" dirty="0" smtClean="0">
-                <a:solidFill>
-                  <a:schemeClr val="bg1"/>
-                </a:solidFill>
-              </a:rPr>
-              <a:t>庞华丽 </a:t>
-            </a:r>
-            <a:r>
-              <a:rPr lang="en-US" altLang="zh-CN" sz="2800" dirty="0" smtClean="0">
-                <a:solidFill>
-                  <a:schemeClr val="bg1"/>
-                </a:solidFill>
-              </a:rPr>
-              <a:t>35%</a:t>
-            </a:r>
-            <a:endParaRPr lang="zh-CN" altLang="en-US" sz="2800" dirty="0">
-              <a:solidFill>
-                <a:schemeClr val="bg1"/>
-              </a:solidFill>
-            </a:endParaRPr>
-          </a:p>
-        </p:txBody>
-      </p:sp>
-      <p:sp>
-        <p:nvSpPr>
-          <p:cNvPr id="7" name="文本框 6"/>
-          <p:cNvSpPr txBox="1"/>
-          <p:nvPr/>
-        </p:nvSpPr>
-        <p:spPr>
-          <a:xfrm>
-            <a:off x="4816699" y="4123317"/>
-            <a:ext cx="1965603" cy="523220"/>
-          </a:xfrm>
-          <a:prstGeom prst="rect">
-            <a:avLst/>
-          </a:prstGeom>
-          <a:noFill/>
-        </p:spPr>
-        <p:txBody>
-          <a:bodyPr wrap="none" rtlCol="0">
-            <a:spAutoFit/>
-          </a:bodyPr>
-          <a:lstStyle/>
-          <a:p>
-            <a:r>
-              <a:rPr lang="zh-CN" altLang="en-US" sz="2800" dirty="0" smtClean="0">
-                <a:solidFill>
-                  <a:schemeClr val="bg1"/>
-                </a:solidFill>
+          <a:p>
+            <a:r>
+              <a:rPr lang="zh-CN" altLang="en-US" dirty="0" smtClean="0">
+                <a:solidFill>
+                  <a:schemeClr val="bg1"/>
+                </a:solidFill>
+                <a:sym typeface="+mn-ea"/>
               </a:rPr>
               <a:t>赖红珍 </a:t>
             </a:r>
             <a:r>
-              <a:rPr lang="en-US" altLang="zh-CN" sz="2800" dirty="0" smtClean="0">
-                <a:solidFill>
-                  <a:schemeClr val="bg1"/>
-                </a:solidFill>
+              <a:rPr lang="en-US" altLang="zh-CN" dirty="0" smtClean="0">
+                <a:solidFill>
+                  <a:schemeClr val="bg1"/>
+                </a:solidFill>
+                <a:sym typeface="+mn-ea"/>
               </a:rPr>
               <a:t>30%</a:t>
             </a:r>
-            <a:endParaRPr lang="zh-CN" altLang="en-US" sz="2800" dirty="0">
-              <a:solidFill>
-                <a:schemeClr val="bg1"/>
-              </a:solidFill>
-            </a:endParaRPr>
+            <a:endParaRPr lang="zh-CN" altLang="en-US"/>
           </a:p>
         </p:txBody>
       </p:sp>
     </p:spTree>
-    <p:extLst>
-      <p:ext uri="{BB962C8B-B14F-4D97-AF65-F5344CB8AC3E}">
-        <p14:creationId xmlns:p14="http://schemas.microsoft.com/office/powerpoint/2010/main" val="1133944408"/>
-      </p:ext>
-    </p:extLst>
   </p:cSld>
   <p:clrMapOvr>
     <a:masterClrMapping/>
@@ -4075,16 +6112,202 @@
           <a:chExt cx="0" cy="0"/>
         </a:xfrm>
       </p:grpSpPr>
-      <p:sp>
-        <p:nvSpPr>
-          <p:cNvPr id="4" name="文本框 3"/>
+      <p:grpSp>
+        <p:nvGrpSpPr>
+          <p:cNvPr id="2" name="组合 1"/>
+          <p:cNvGrpSpPr/>
+          <p:nvPr/>
+        </p:nvGrpSpPr>
+        <p:grpSpPr>
+          <a:xfrm>
+            <a:off x="1547664" y="484988"/>
+            <a:ext cx="6034995" cy="705445"/>
+            <a:chOff x="589234" y="915566"/>
+            <a:chExt cx="6215014" cy="814394"/>
+          </a:xfrm>
+        </p:grpSpPr>
+        <p:sp>
+          <p:nvSpPr>
+            <p:cNvPr id="3" name="矩形 2"/>
+            <p:cNvSpPr/>
+            <p:nvPr/>
+          </p:nvSpPr>
+          <p:spPr>
+            <a:xfrm>
+              <a:off x="1691680" y="1203598"/>
+              <a:ext cx="5112568" cy="491691"/>
+            </a:xfrm>
+            <a:prstGeom prst="rect">
+              <a:avLst/>
+            </a:prstGeom>
+            <a:solidFill>
+              <a:srgbClr val="E74F1D"/>
+            </a:solidFill>
+            <a:ln>
+              <a:noFill/>
+            </a:ln>
+            <a:effectLst>
+              <a:outerShdw blurRad="50800" dist="38100" dir="2700000" algn="tl" rotWithShape="0">
+                <a:prstClr val="black">
+                  <a:alpha val="40000"/>
+                </a:prstClr>
+              </a:outerShdw>
+            </a:effectLst>
+          </p:spPr>
+          <p:style>
+            <a:lnRef idx="2">
+              <a:schemeClr val="accent1">
+                <a:shade val="50000"/>
+              </a:schemeClr>
+            </a:lnRef>
+            <a:fillRef idx="1">
+              <a:schemeClr val="accent1"/>
+            </a:fillRef>
+            <a:effectRef idx="0">
+              <a:schemeClr val="accent1"/>
+            </a:effectRef>
+            <a:fontRef idx="minor">
+              <a:schemeClr val="lt1"/>
+            </a:fontRef>
+          </p:style>
+          <p:txBody>
+            <a:bodyPr rtlCol="0" anchor="ctr"/>
+            <a:lstStyle/>
+            <a:p>
+              <a:pPr algn="ctr"/>
+              <a:r>
+                <a:rPr lang="zh-CN" altLang="en-US" sz="2000" b="1" dirty="0" smtClean="0">
+                  <a:solidFill>
+                    <a:schemeClr val="bg1"/>
+                  </a:solidFill>
+                  <a:sym typeface="+mn-ea"/>
+                </a:rPr>
+                <a:t>目的</a:t>
+              </a:r>
+              <a:endParaRPr lang="zh-CN" altLang="en-US" sz="2000" b="1" dirty="0" smtClean="0">
+                <a:solidFill>
+                  <a:schemeClr val="bg1"/>
+                </a:solidFill>
+                <a:effectLst>
+                  <a:outerShdw blurRad="38100" dist="38100" dir="2700000" algn="tl">
+                    <a:srgbClr val="000000">
+                      <a:alpha val="43137"/>
+                    </a:srgbClr>
+                  </a:outerShdw>
+                </a:effectLst>
+                <a:latin typeface="微软雅黑" pitchFamily="34" charset="-122"/>
+                <a:ea typeface="微软雅黑" pitchFamily="34" charset="-122"/>
+                <a:sym typeface="+mn-ea"/>
+              </a:endParaRPr>
+            </a:p>
+          </p:txBody>
+        </p:sp>
+        <p:pic>
+          <p:nvPicPr>
+            <p:cNvPr id="4" name="图片 3"/>
+            <p:cNvPicPr>
+              <a:picLocks noChangeAspect="1"/>
+            </p:cNvPicPr>
+            <p:nvPr/>
+          </p:nvPicPr>
+          <p:blipFill>
+            <a:blip r:embed="rId1">
+              <a:extLst>
+                <a:ext uri="{28A0092B-C50C-407E-A947-70E740481C1C}">
+                  <a14:useLocalDpi xmlns:a14="http://schemas.microsoft.com/office/drawing/2010/main" val="0"/>
+                </a:ext>
+              </a:extLst>
+            </a:blip>
+            <a:srcRect/>
+            <a:stretch>
+              <a:fillRect/>
+            </a:stretch>
+          </p:blipFill>
+          <p:spPr>
+            <a:xfrm>
+              <a:off x="589234" y="915566"/>
+              <a:ext cx="1409528" cy="814394"/>
+            </a:xfrm>
+            <a:prstGeom prst="rect">
+              <a:avLst/>
+            </a:prstGeom>
+            <a:effectLst>
+              <a:outerShdw blurRad="50800" dist="38100" dir="2700000" algn="tl" rotWithShape="0">
+                <a:prstClr val="black">
+                  <a:alpha val="40000"/>
+                </a:prstClr>
+              </a:outerShdw>
+            </a:effectLst>
+          </p:spPr>
+        </p:pic>
+        <p:sp>
+          <p:nvSpPr>
+            <p:cNvPr id="5" name="等腰三角形 4"/>
+            <p:cNvSpPr/>
+            <p:nvPr/>
+          </p:nvSpPr>
+          <p:spPr>
+            <a:xfrm rot="5400000">
+              <a:off x="6452661" y="1341430"/>
+              <a:ext cx="343136" cy="216026"/>
+            </a:xfrm>
+            <a:prstGeom prst="triangle">
+              <a:avLst/>
+            </a:prstGeom>
+            <a:solidFill>
+              <a:srgbClr val="FFC000"/>
+            </a:solidFill>
+            <a:ln>
+              <a:noFill/>
+            </a:ln>
+            <a:effectLst>
+              <a:outerShdw blurRad="50800" dist="38100" dir="2700000" algn="tl" rotWithShape="0">
+                <a:prstClr val="black">
+                  <a:alpha val="40000"/>
+                </a:prstClr>
+              </a:outerShdw>
+            </a:effectLst>
+          </p:spPr>
+          <p:style>
+            <a:lnRef idx="2">
+              <a:schemeClr val="accent1">
+                <a:shade val="50000"/>
+              </a:schemeClr>
+            </a:lnRef>
+            <a:fillRef idx="1">
+              <a:schemeClr val="accent1"/>
+            </a:fillRef>
+            <a:effectRef idx="0">
+              <a:schemeClr val="accent1"/>
+            </a:effectRef>
+            <a:fontRef idx="minor">
+              <a:schemeClr val="lt1"/>
+            </a:fontRef>
+          </p:style>
+          <p:txBody>
+            <a:bodyPr rtlCol="0" anchor="ctr"/>
+            <a:lstStyle/>
+            <a:p>
+              <a:pPr algn="ctr"/>
+              <a:endParaRPr lang="zh-CN" altLang="en-US">
+                <a:solidFill>
+                  <a:srgbClr val="FFC000"/>
+                </a:solidFill>
+              </a:endParaRPr>
+            </a:p>
+          </p:txBody>
+        </p:sp>
+      </p:grpSp>
+      <p:sp>
+        <p:nvSpPr>
+          <p:cNvPr id="6" name="文本框 5"/>
           <p:cNvSpPr txBox="1"/>
           <p:nvPr/>
         </p:nvSpPr>
         <p:spPr>
           <a:xfrm>
-            <a:off x="1002084" y="759853"/>
-            <a:ext cx="803425" cy="461665"/>
+            <a:off x="1547495" y="1851660"/>
+            <a:ext cx="6356985" cy="2014220"/>
           </a:xfrm>
           <a:prstGeom prst="rect">
             <a:avLst/>
@@ -4092,79 +6315,51 @@
           <a:noFill/>
         </p:spPr>
         <p:txBody>
-          <a:bodyPr wrap="none" rtlCol="0">
-            <a:spAutoFit/>
-          </a:bodyPr>
-          <a:lstStyle/>
-          <a:p>
-            <a:r>
-              <a:rPr lang="zh-CN" altLang="en-US" sz="2400" b="1" dirty="0" smtClean="0">
-                <a:solidFill>
-                  <a:schemeClr val="bg1"/>
-                </a:solidFill>
-              </a:rPr>
-              <a:t>目的</a:t>
-            </a:r>
-            <a:endParaRPr lang="zh-CN" altLang="en-US" sz="2400" b="1" dirty="0">
-              <a:solidFill>
-                <a:schemeClr val="bg1"/>
-              </a:solidFill>
-            </a:endParaRPr>
-          </a:p>
-        </p:txBody>
-      </p:sp>
-      <p:sp>
-        <p:nvSpPr>
-          <p:cNvPr id="5" name="文本框 4"/>
-          <p:cNvSpPr txBox="1"/>
-          <p:nvPr/>
-        </p:nvSpPr>
-        <p:spPr>
-          <a:xfrm>
-            <a:off x="1805509" y="2099256"/>
-            <a:ext cx="8590516" cy="1938992"/>
-          </a:xfrm>
-          <a:prstGeom prst="rect">
-            <a:avLst/>
-          </a:prstGeom>
-          <a:noFill/>
-        </p:spPr>
-        <p:txBody>
           <a:bodyPr wrap="square" rtlCol="0">
             <a:spAutoFit/>
           </a:bodyPr>
-          <a:lstStyle/>
-          <a:p>
-            <a:r>
-              <a:rPr lang="en-US" altLang="zh-CN" sz="2400" dirty="0">
-                <a:solidFill>
-                  <a:schemeClr val="bg1"/>
-                </a:solidFill>
-              </a:rPr>
-              <a:t>	</a:t>
-            </a:r>
-            <a:r>
-              <a:rPr lang="zh-CN" altLang="en-US" sz="2400" dirty="0" smtClean="0">
-                <a:solidFill>
-                  <a:schemeClr val="bg1"/>
-                </a:solidFill>
-              </a:rPr>
-              <a:t>视频作为现今文化消费的一种形式，已经成为我们生活的一部分。当时时常会遇到不知道看什么的情况。本系统希望能更细致的依据用户请求查找视频，获取用户想要的视频。并依据不同的条件来排序视频的播放量，了解不同类别的视频在不同条件下的人气。</a:t>
-            </a:r>
-            <a:endParaRPr lang="en-US" altLang="zh-CN" sz="2400" dirty="0" smtClean="0">
-              <a:solidFill>
-                <a:schemeClr val="bg1"/>
-              </a:solidFill>
-            </a:endParaRPr>
+          <a:p>
+            <a:r>
+              <a:rPr lang="en-US" altLang="zh-CN" dirty="0" smtClean="0">
+                <a:solidFill>
+                  <a:schemeClr val="bg1"/>
+                </a:solidFill>
+                <a:sym typeface="+mn-ea"/>
+              </a:rPr>
+              <a:t>        </a:t>
+            </a:r>
+            <a:r>
+              <a:rPr lang="zh-CN" altLang="en-US" dirty="0" smtClean="0">
+                <a:solidFill>
+                  <a:schemeClr val="bg1"/>
+                </a:solidFill>
+                <a:sym typeface="+mn-ea"/>
+              </a:rPr>
+              <a:t>视频作为现今文化消费的一种形式，已经成为我们生活的一部分。但是时常会遇到不知道看什么的情况。本系统</a:t>
+            </a:r>
+            <a:r>
+              <a:rPr lang="zh-CN" altLang="en-US" dirty="0" smtClean="0">
+                <a:solidFill>
+                  <a:schemeClr val="bg1"/>
+                </a:solidFill>
+                <a:sym typeface="+mn-ea"/>
+              </a:rPr>
+              <a:t>可以自动采集所有其能够访问到的页面内容，以供搜索引擎做进一步处理（分检整理下载的页面），而使得用户能更快的检索到他们需要的信息。到达</a:t>
+            </a:r>
+            <a:r>
+              <a:rPr lang="zh-CN" altLang="en-US" dirty="0" smtClean="0">
+                <a:solidFill>
+                  <a:schemeClr val="bg1"/>
+                </a:solidFill>
+                <a:sym typeface="+mn-ea"/>
+              </a:rPr>
+              <a:t>能更细致的依据用户请求查找视频的目的，获取用户想要的视频。并依据不同的条件来排序视频的播放量，了解不同类别的视频在不同条件下的人气。</a:t>
+            </a:r>
+            <a:endParaRPr lang="zh-CN" altLang="en-US"/>
           </a:p>
         </p:txBody>
       </p:sp>
     </p:spTree>
-    <p:extLst>
-      <p:ext uri="{BB962C8B-B14F-4D97-AF65-F5344CB8AC3E}">
-        <p14:creationId xmlns:p14="http://schemas.microsoft.com/office/powerpoint/2010/main" val="3714376154"/>
-      </p:ext>
-    </p:extLst>
   </p:cSld>
   <p:clrMapOvr>
     <a:masterClrMapping/>
@@ -4196,16 +6391,211 @@
           <a:chExt cx="0" cy="0"/>
         </a:xfrm>
       </p:grpSpPr>
-      <p:sp>
-        <p:nvSpPr>
-          <p:cNvPr id="4" name="文本框 3"/>
+      <p:grpSp>
+        <p:nvGrpSpPr>
+          <p:cNvPr id="2" name="组合 1"/>
+          <p:cNvGrpSpPr/>
+          <p:nvPr/>
+        </p:nvGrpSpPr>
+        <p:grpSpPr>
+          <a:xfrm>
+            <a:off x="1547664" y="484988"/>
+            <a:ext cx="6034995" cy="705445"/>
+            <a:chOff x="589234" y="915566"/>
+            <a:chExt cx="6215014" cy="814394"/>
+          </a:xfrm>
+        </p:grpSpPr>
+        <p:sp>
+          <p:nvSpPr>
+            <p:cNvPr id="3" name="矩形 2"/>
+            <p:cNvSpPr/>
+            <p:nvPr/>
+          </p:nvSpPr>
+          <p:spPr>
+            <a:xfrm>
+              <a:off x="1691680" y="1203598"/>
+              <a:ext cx="5112568" cy="491691"/>
+            </a:xfrm>
+            <a:prstGeom prst="rect">
+              <a:avLst/>
+            </a:prstGeom>
+            <a:solidFill>
+              <a:srgbClr val="E74F1D"/>
+            </a:solidFill>
+            <a:ln>
+              <a:noFill/>
+            </a:ln>
+            <a:effectLst>
+              <a:outerShdw blurRad="50800" dist="38100" dir="2700000" algn="tl" rotWithShape="0">
+                <a:prstClr val="black">
+                  <a:alpha val="40000"/>
+                </a:prstClr>
+              </a:outerShdw>
+            </a:effectLst>
+          </p:spPr>
+          <p:style>
+            <a:lnRef idx="2">
+              <a:schemeClr val="accent1">
+                <a:shade val="50000"/>
+              </a:schemeClr>
+            </a:lnRef>
+            <a:fillRef idx="1">
+              <a:schemeClr val="accent1"/>
+            </a:fillRef>
+            <a:effectRef idx="0">
+              <a:schemeClr val="accent1"/>
+            </a:effectRef>
+            <a:fontRef idx="minor">
+              <a:schemeClr val="lt1"/>
+            </a:fontRef>
+          </p:style>
+          <p:txBody>
+            <a:bodyPr rtlCol="0" anchor="ctr"/>
+            <a:lstStyle/>
+            <a:p>
+              <a:pPr algn="ctr"/>
+              <a:r>
+                <a:rPr lang="zh-CN" altLang="en-US" sz="2000" b="1" dirty="0" smtClean="0">
+                  <a:solidFill>
+                    <a:schemeClr val="bg1"/>
+                  </a:solidFill>
+                  <a:effectLst>
+                    <a:outerShdw blurRad="38100" dist="38100" dir="2700000" algn="tl">
+                      <a:srgbClr val="000000">
+                        <a:alpha val="43137"/>
+                      </a:srgbClr>
+                    </a:outerShdw>
+                  </a:effectLst>
+                  <a:latin typeface="微软雅黑" pitchFamily="34" charset="-122"/>
+                  <a:ea typeface="微软雅黑" pitchFamily="34" charset="-122"/>
+                  <a:sym typeface="+mn-ea"/>
+                </a:rPr>
+                <a:t>特点</a:t>
+              </a:r>
+              <a:endParaRPr lang="zh-CN" altLang="en-US" sz="2000" b="1" dirty="0" smtClean="0">
+                <a:solidFill>
+                  <a:schemeClr val="bg1"/>
+                </a:solidFill>
+                <a:effectLst>
+                  <a:outerShdw blurRad="38100" dist="38100" dir="2700000" algn="tl">
+                    <a:srgbClr val="000000">
+                      <a:alpha val="43137"/>
+                    </a:srgbClr>
+                  </a:outerShdw>
+                </a:effectLst>
+                <a:latin typeface="微软雅黑" pitchFamily="34" charset="-122"/>
+                <a:ea typeface="微软雅黑" pitchFamily="34" charset="-122"/>
+                <a:sym typeface="+mn-ea"/>
+              </a:endParaRPr>
+            </a:p>
+          </p:txBody>
+        </p:sp>
+        <p:pic>
+          <p:nvPicPr>
+            <p:cNvPr id="4" name="图片 3"/>
+            <p:cNvPicPr>
+              <a:picLocks noChangeAspect="1"/>
+            </p:cNvPicPr>
+            <p:nvPr/>
+          </p:nvPicPr>
+          <p:blipFill>
+            <a:blip r:embed="rId1">
+              <a:extLst>
+                <a:ext uri="{28A0092B-C50C-407E-A947-70E740481C1C}">
+                  <a14:useLocalDpi xmlns:a14="http://schemas.microsoft.com/office/drawing/2010/main" val="0"/>
+                </a:ext>
+              </a:extLst>
+            </a:blip>
+            <a:srcRect/>
+            <a:stretch>
+              <a:fillRect/>
+            </a:stretch>
+          </p:blipFill>
+          <p:spPr>
+            <a:xfrm>
+              <a:off x="589234" y="915566"/>
+              <a:ext cx="1409528" cy="814394"/>
+            </a:xfrm>
+            <a:prstGeom prst="rect">
+              <a:avLst/>
+            </a:prstGeom>
+            <a:effectLst>
+              <a:outerShdw blurRad="50800" dist="38100" dir="2700000" algn="tl" rotWithShape="0">
+                <a:prstClr val="black">
+                  <a:alpha val="40000"/>
+                </a:prstClr>
+              </a:outerShdw>
+            </a:effectLst>
+          </p:spPr>
+        </p:pic>
+        <p:sp>
+          <p:nvSpPr>
+            <p:cNvPr id="5" name="等腰三角形 4"/>
+            <p:cNvSpPr/>
+            <p:nvPr/>
+          </p:nvSpPr>
+          <p:spPr>
+            <a:xfrm rot="5400000">
+              <a:off x="6452661" y="1341430"/>
+              <a:ext cx="343136" cy="216026"/>
+            </a:xfrm>
+            <a:prstGeom prst="triangle">
+              <a:avLst/>
+            </a:prstGeom>
+            <a:solidFill>
+              <a:srgbClr val="FFC000"/>
+            </a:solidFill>
+            <a:ln>
+              <a:noFill/>
+            </a:ln>
+            <a:effectLst>
+              <a:outerShdw blurRad="50800" dist="38100" dir="2700000" algn="tl" rotWithShape="0">
+                <a:prstClr val="black">
+                  <a:alpha val="40000"/>
+                </a:prstClr>
+              </a:outerShdw>
+            </a:effectLst>
+          </p:spPr>
+          <p:style>
+            <a:lnRef idx="2">
+              <a:schemeClr val="accent1">
+                <a:shade val="50000"/>
+              </a:schemeClr>
+            </a:lnRef>
+            <a:fillRef idx="1">
+              <a:schemeClr val="accent1"/>
+            </a:fillRef>
+            <a:effectRef idx="0">
+              <a:schemeClr val="accent1"/>
+            </a:effectRef>
+            <a:fontRef idx="minor">
+              <a:schemeClr val="lt1"/>
+            </a:fontRef>
+          </p:style>
+          <p:txBody>
+            <a:bodyPr rtlCol="0" anchor="ctr"/>
+            <a:lstStyle/>
+            <a:p>
+              <a:pPr algn="ctr"/>
+              <a:endParaRPr lang="zh-CN" altLang="en-US">
+                <a:solidFill>
+                  <a:srgbClr val="FFC000"/>
+                </a:solidFill>
+              </a:endParaRPr>
+            </a:p>
+          </p:txBody>
+        </p:sp>
+      </p:grpSp>
+      <p:sp>
+        <p:nvSpPr>
+          <p:cNvPr id="6" name="文本框 5"/>
           <p:cNvSpPr txBox="1"/>
           <p:nvPr/>
         </p:nvSpPr>
         <p:spPr>
           <a:xfrm>
-            <a:off x="986739" y="759854"/>
-            <a:ext cx="803425" cy="461665"/>
+            <a:off x="1905000" y="1948815"/>
+            <a:ext cx="5628640" cy="916940"/>
           </a:xfrm>
           <a:prstGeom prst="rect">
             <a:avLst/>
@@ -4213,87 +6603,33 @@
           <a:noFill/>
         </p:spPr>
         <p:txBody>
-          <a:bodyPr wrap="none" rtlCol="0">
-            <a:spAutoFit/>
-          </a:bodyPr>
-          <a:lstStyle/>
-          <a:p>
-            <a:r>
-              <a:rPr lang="zh-CN" altLang="en-US" sz="2400" b="1" dirty="0" smtClean="0">
-                <a:solidFill>
-                  <a:schemeClr val="bg1"/>
-                </a:solidFill>
-              </a:rPr>
-              <a:t>优势</a:t>
-            </a:r>
-            <a:endParaRPr lang="zh-CN" altLang="en-US" sz="2400" b="1" dirty="0">
-              <a:solidFill>
-                <a:schemeClr val="bg1"/>
-              </a:solidFill>
-            </a:endParaRPr>
-          </a:p>
-        </p:txBody>
-      </p:sp>
-      <p:sp>
-        <p:nvSpPr>
-          <p:cNvPr id="5" name="文本框 4"/>
-          <p:cNvSpPr txBox="1"/>
-          <p:nvPr/>
-        </p:nvSpPr>
-        <p:spPr>
-          <a:xfrm>
-            <a:off x="1790164" y="2807593"/>
-            <a:ext cx="8633996" cy="1200329"/>
-          </a:xfrm>
-          <a:prstGeom prst="rect">
-            <a:avLst/>
-          </a:prstGeom>
-          <a:noFill/>
-        </p:spPr>
-        <p:txBody>
           <a:bodyPr wrap="square" rtlCol="0">
             <a:spAutoFit/>
           </a:bodyPr>
-          <a:lstStyle/>
-          <a:p>
-            <a:r>
-              <a:rPr lang="en-US" altLang="zh-CN" sz="2400" dirty="0" smtClean="0">
-                <a:solidFill>
-                  <a:schemeClr val="bg1"/>
-                </a:solidFill>
-              </a:rPr>
-              <a:t>	</a:t>
-            </a:r>
-            <a:r>
-              <a:rPr lang="zh-CN" altLang="en-US" sz="2400" dirty="0" smtClean="0">
-                <a:solidFill>
-                  <a:schemeClr val="bg1"/>
-                </a:solidFill>
-              </a:rPr>
-              <a:t>排序视频的播放量或其他因素，排序的依据可以由用户确定。可以根据自己的喜欢筛选出受欢迎的电影、电视剧、动漫等</a:t>
-            </a:r>
-            <a:r>
-              <a:rPr lang="zh-CN" altLang="en-US" sz="2400" dirty="0" smtClean="0">
-                <a:solidFill>
-                  <a:schemeClr val="bg1"/>
-                </a:solidFill>
-              </a:rPr>
-              <a:t>。有助于治疗片荒癌晚期。</a:t>
-            </a:r>
-            <a:endParaRPr lang="zh-CN" altLang="en-US" sz="2400" dirty="0">
-              <a:solidFill>
-                <a:schemeClr val="bg1"/>
-              </a:solidFill>
-            </a:endParaRPr>
+          <a:p>
+            <a:r>
+              <a:rPr lang="en-US" altLang="zh-CN" dirty="0" smtClean="0">
+                <a:solidFill>
+                  <a:schemeClr val="bg1"/>
+                </a:solidFill>
+                <a:sym typeface="+mn-ea"/>
+              </a:rPr>
+              <a:t>        </a:t>
+            </a:r>
+            <a:r>
+              <a:rPr lang="zh-CN" altLang="en-US" dirty="0" smtClean="0">
+                <a:solidFill>
+                  <a:schemeClr val="bg1"/>
+                </a:solidFill>
+                <a:sym typeface="+mn-ea"/>
+              </a:rPr>
+              <a:t> 排序视频的播放量或其他因素，排序的依据可以由用户确定。可以根据自己的喜欢筛选出受欢迎的电影、电视剧、动漫等。有助于治疗片荒癌晚期。</a:t>
+            </a:r>
+            <a:endParaRPr lang="zh-CN" altLang="en-US"/>
           </a:p>
         </p:txBody>
       </p:sp>
     </p:spTree>
-    <p:extLst>
-      <p:ext uri="{BB962C8B-B14F-4D97-AF65-F5344CB8AC3E}">
-        <p14:creationId xmlns:p14="http://schemas.microsoft.com/office/powerpoint/2010/main" val="1142279954"/>
-      </p:ext>
-    </p:extLst>
   </p:cSld>
   <p:clrMapOvr>
     <a:masterClrMapping/>
@@ -4325,66 +6661,212 @@
           <a:chExt cx="0" cy="0"/>
         </a:xfrm>
       </p:grpSpPr>
-      <p:sp>
-        <p:nvSpPr>
-          <p:cNvPr id="6" name="文本框 5"/>
-          <p:cNvSpPr txBox="1"/>
+      <p:grpSp>
+        <p:nvGrpSpPr>
+          <p:cNvPr id="2" name="组合 1"/>
+          <p:cNvGrpSpPr/>
+          <p:nvPr/>
+        </p:nvGrpSpPr>
+        <p:grpSpPr>
+          <a:xfrm>
+            <a:off x="1547664" y="484988"/>
+            <a:ext cx="6034995" cy="705445"/>
+            <a:chOff x="589234" y="915566"/>
+            <a:chExt cx="6215014" cy="814394"/>
+          </a:xfrm>
+        </p:grpSpPr>
+        <p:sp>
+          <p:nvSpPr>
+            <p:cNvPr id="3" name="矩形 2"/>
+            <p:cNvSpPr/>
+            <p:nvPr/>
+          </p:nvSpPr>
+          <p:spPr>
+            <a:xfrm>
+              <a:off x="1691680" y="1203598"/>
+              <a:ext cx="5112568" cy="491691"/>
+            </a:xfrm>
+            <a:prstGeom prst="rect">
+              <a:avLst/>
+            </a:prstGeom>
+            <a:solidFill>
+              <a:srgbClr val="E74F1D"/>
+            </a:solidFill>
+            <a:ln>
+              <a:noFill/>
+            </a:ln>
+            <a:effectLst>
+              <a:outerShdw blurRad="50800" dist="38100" dir="2700000" algn="tl" rotWithShape="0">
+                <a:prstClr val="black">
+                  <a:alpha val="40000"/>
+                </a:prstClr>
+              </a:outerShdw>
+            </a:effectLst>
+          </p:spPr>
+          <p:style>
+            <a:lnRef idx="2">
+              <a:schemeClr val="accent1">
+                <a:shade val="50000"/>
+              </a:schemeClr>
+            </a:lnRef>
+            <a:fillRef idx="1">
+              <a:schemeClr val="accent1"/>
+            </a:fillRef>
+            <a:effectRef idx="0">
+              <a:schemeClr val="accent1"/>
+            </a:effectRef>
+            <a:fontRef idx="minor">
+              <a:schemeClr val="lt1"/>
+            </a:fontRef>
+          </p:style>
+          <p:txBody>
+            <a:bodyPr rtlCol="0" anchor="ctr"/>
+            <a:lstStyle/>
+            <a:p>
+              <a:pPr algn="ctr"/>
+              <a:r>
+                <a:rPr lang="zh-CN" altLang="en-US" sz="2000" b="1" dirty="0" smtClean="0">
+                  <a:solidFill>
+                    <a:schemeClr val="bg1"/>
+                  </a:solidFill>
+                  <a:sym typeface="+mn-ea"/>
+                </a:rPr>
+                <a:t>项目主体框架：</a:t>
+              </a:r>
+              <a:endParaRPr lang="zh-CN" altLang="en-US" sz="2000" b="1" dirty="0" smtClean="0">
+                <a:solidFill>
+                  <a:schemeClr val="bg1"/>
+                </a:solidFill>
+                <a:effectLst>
+                  <a:outerShdw blurRad="38100" dist="38100" dir="2700000" algn="tl">
+                    <a:srgbClr val="000000">
+                      <a:alpha val="43137"/>
+                    </a:srgbClr>
+                  </a:outerShdw>
+                </a:effectLst>
+                <a:latin typeface="微软雅黑" pitchFamily="34" charset="-122"/>
+                <a:ea typeface="微软雅黑" pitchFamily="34" charset="-122"/>
+                <a:sym typeface="+mn-ea"/>
+              </a:endParaRPr>
+            </a:p>
+          </p:txBody>
+        </p:sp>
+        <p:pic>
+          <p:nvPicPr>
+            <p:cNvPr id="4" name="图片 3"/>
+            <p:cNvPicPr>
+              <a:picLocks noChangeAspect="1"/>
+            </p:cNvPicPr>
+            <p:nvPr/>
+          </p:nvPicPr>
+          <p:blipFill>
+            <a:blip r:embed="rId1">
+              <a:extLst>
+                <a:ext uri="{28A0092B-C50C-407E-A947-70E740481C1C}">
+                  <a14:useLocalDpi xmlns:a14="http://schemas.microsoft.com/office/drawing/2010/main" val="0"/>
+                </a:ext>
+              </a:extLst>
+            </a:blip>
+            <a:srcRect/>
+            <a:stretch>
+              <a:fillRect/>
+            </a:stretch>
+          </p:blipFill>
+          <p:spPr>
+            <a:xfrm>
+              <a:off x="589234" y="915566"/>
+              <a:ext cx="1409528" cy="814394"/>
+            </a:xfrm>
+            <a:prstGeom prst="rect">
+              <a:avLst/>
+            </a:prstGeom>
+            <a:effectLst>
+              <a:outerShdw blurRad="50800" dist="38100" dir="2700000" algn="tl" rotWithShape="0">
+                <a:prstClr val="black">
+                  <a:alpha val="40000"/>
+                </a:prstClr>
+              </a:outerShdw>
+            </a:effectLst>
+          </p:spPr>
+        </p:pic>
+        <p:sp>
+          <p:nvSpPr>
+            <p:cNvPr id="5" name="等腰三角形 4"/>
+            <p:cNvSpPr/>
+            <p:nvPr/>
+          </p:nvSpPr>
+          <p:spPr>
+            <a:xfrm rot="5400000">
+              <a:off x="6452661" y="1341430"/>
+              <a:ext cx="343136" cy="216026"/>
+            </a:xfrm>
+            <a:prstGeom prst="triangle">
+              <a:avLst/>
+            </a:prstGeom>
+            <a:solidFill>
+              <a:srgbClr val="FFC000"/>
+            </a:solidFill>
+            <a:ln>
+              <a:noFill/>
+            </a:ln>
+            <a:effectLst>
+              <a:outerShdw blurRad="50800" dist="38100" dir="2700000" algn="tl" rotWithShape="0">
+                <a:prstClr val="black">
+                  <a:alpha val="40000"/>
+                </a:prstClr>
+              </a:outerShdw>
+            </a:effectLst>
+          </p:spPr>
+          <p:style>
+            <a:lnRef idx="2">
+              <a:schemeClr val="accent1">
+                <a:shade val="50000"/>
+              </a:schemeClr>
+            </a:lnRef>
+            <a:fillRef idx="1">
+              <a:schemeClr val="accent1"/>
+            </a:fillRef>
+            <a:effectRef idx="0">
+              <a:schemeClr val="accent1"/>
+            </a:effectRef>
+            <a:fontRef idx="minor">
+              <a:schemeClr val="lt1"/>
+            </a:fontRef>
+          </p:style>
+          <p:txBody>
+            <a:bodyPr rtlCol="0" anchor="ctr"/>
+            <a:lstStyle/>
+            <a:p>
+              <a:pPr algn="ctr"/>
+              <a:endParaRPr lang="zh-CN" altLang="en-US">
+                <a:solidFill>
+                  <a:srgbClr val="FFC000"/>
+                </a:solidFill>
+              </a:endParaRPr>
+            </a:p>
+          </p:txBody>
+        </p:sp>
+      </p:grpSp>
+      <p:sp>
+        <p:nvSpPr>
+          <p:cNvPr id="7" name="圆角矩形 6"/>
+          <p:cNvSpPr/>
           <p:nvPr/>
         </p:nvSpPr>
         <p:spPr>
           <a:xfrm>
-            <a:off x="216669" y="665914"/>
-            <a:ext cx="2698175" cy="523220"/>
+            <a:off x="3780155" y="1635760"/>
+            <a:ext cx="2447925" cy="720090"/>
           </a:xfrm>
-          <a:prstGeom prst="rect">
-            <a:avLst/>
-          </a:prstGeom>
-          <a:noFill/>
-        </p:spPr>
-        <p:txBody>
-          <a:bodyPr wrap="none" rtlCol="0">
-            <a:spAutoFit/>
-          </a:bodyPr>
-          <a:lstStyle/>
-          <a:p>
-            <a:r>
-              <a:rPr lang="zh-CN" altLang="en-US" sz="2800" b="1" dirty="0" smtClean="0">
-                <a:solidFill>
-                  <a:schemeClr val="bg1"/>
-                </a:solidFill>
-              </a:rPr>
-              <a:t>项目主体框架：</a:t>
-            </a:r>
-            <a:endParaRPr lang="zh-CN" altLang="en-US" sz="2800" b="1" dirty="0">
-              <a:solidFill>
-                <a:schemeClr val="bg1"/>
-              </a:solidFill>
-            </a:endParaRPr>
-          </a:p>
-        </p:txBody>
-      </p:sp>
-      <p:sp>
-        <p:nvSpPr>
-          <p:cNvPr id="7" name="矩形 6"/>
-          <p:cNvSpPr/>
-          <p:nvPr/>
-        </p:nvSpPr>
-        <p:spPr>
-          <a:xfrm>
-            <a:off x="4282888" y="2346813"/>
-            <a:ext cx="2413747" cy="947717"/>
-          </a:xfrm>
-          <a:prstGeom prst="rect">
+          <a:prstGeom prst="roundRect">
             <a:avLst/>
           </a:prstGeom>
           <a:solidFill>
-            <a:srgbClr val="0070C0">
-              <a:alpha val="60000"/>
-            </a:srgbClr>
+            <a:schemeClr val="accent1">
+              <a:lumMod val="60000"/>
+              <a:lumOff val="40000"/>
+            </a:schemeClr>
           </a:solidFill>
-          <a:ln>
-            <a:noFill/>
-          </a:ln>
         </p:spPr>
         <p:style>
           <a:lnRef idx="2">
@@ -4404,77 +6886,32 @@
         </p:style>
         <p:txBody>
           <a:bodyPr rtlCol="0" anchor="ctr"/>
-          <a:lstStyle/>
           <a:p>
             <a:pPr algn="ctr"/>
-            <a:r>
-              <a:rPr lang="zh-CN" altLang="en-US" b="1" dirty="0" smtClean="0">
-                <a:solidFill>
-                  <a:schemeClr val="bg1"/>
-                </a:solidFill>
-                <a:latin typeface="+mn-ea"/>
-              </a:rPr>
-              <a:t>爬虫部分</a:t>
-            </a:r>
-            <a:endParaRPr lang="zh-CN" altLang="en-US" b="1" dirty="0">
-              <a:solidFill>
-                <a:schemeClr val="bg1"/>
-              </a:solidFill>
-            </a:endParaRPr>
-          </a:p>
-        </p:txBody>
-      </p:sp>
-      <p:sp>
-        <p:nvSpPr>
-          <p:cNvPr id="8" name="矩形 7"/>
+            <a:endParaRPr lang="zh-CN" altLang="en-US"/>
+          </a:p>
+        </p:txBody>
+      </p:sp>
+      <p:sp>
+        <p:nvSpPr>
+          <p:cNvPr id="8" name="圆角矩形 7"/>
           <p:cNvSpPr/>
           <p:nvPr/>
         </p:nvSpPr>
         <p:spPr>
           <a:xfrm>
-            <a:off x="4982618" y="2674777"/>
-            <a:ext cx="184731" cy="369333"/>
+            <a:off x="3780155" y="3003550"/>
+            <a:ext cx="2447925" cy="720090"/>
           </a:xfrm>
-          <a:prstGeom prst="rect">
-            <a:avLst/>
-          </a:prstGeom>
-        </p:spPr>
-        <p:txBody>
-          <a:bodyPr wrap="none">
-            <a:spAutoFit/>
-          </a:bodyPr>
-          <a:lstStyle/>
-          <a:p>
-            <a:endParaRPr lang="zh-CN" altLang="en-US" b="1" dirty="0">
-              <a:solidFill>
-                <a:schemeClr val="bg1"/>
-              </a:solidFill>
-            </a:endParaRPr>
-          </a:p>
-        </p:txBody>
-      </p:sp>
-      <p:sp>
-        <p:nvSpPr>
-          <p:cNvPr id="9" name="矩形 8"/>
-          <p:cNvSpPr/>
-          <p:nvPr/>
-        </p:nvSpPr>
-        <p:spPr>
-          <a:xfrm>
-            <a:off x="4282887" y="3622494"/>
-            <a:ext cx="2413747" cy="892204"/>
-          </a:xfrm>
-          <a:prstGeom prst="rect">
+          <a:prstGeom prst="roundRect">
             <a:avLst/>
           </a:prstGeom>
           <a:solidFill>
-            <a:srgbClr val="0070C0">
-              <a:alpha val="60000"/>
-            </a:srgbClr>
+            <a:schemeClr val="accent1">
+              <a:lumMod val="60000"/>
+              <a:lumOff val="40000"/>
+            </a:schemeClr>
           </a:solidFill>
-          <a:ln>
-            <a:noFill/>
-          </a:ln>
         </p:spPr>
         <p:style>
           <a:lnRef idx="2">
@@ -4494,33 +6931,76 @@
         </p:style>
         <p:txBody>
           <a:bodyPr rtlCol="0" anchor="ctr"/>
-          <a:lstStyle/>
           <a:p>
             <a:pPr algn="ctr"/>
-            <a:r>
-              <a:rPr lang="zh-CN" altLang="en-US" b="1" dirty="0" smtClean="0">
-                <a:solidFill>
-                  <a:schemeClr val="bg1"/>
-                </a:solidFill>
-                <a:latin typeface="+mn-ea"/>
+            <a:endParaRPr lang="zh-CN" altLang="en-US"/>
+          </a:p>
+        </p:txBody>
+      </p:sp>
+      <p:sp>
+        <p:nvSpPr>
+          <p:cNvPr id="9" name="文本框 8"/>
+          <p:cNvSpPr txBox="1"/>
+          <p:nvPr/>
+        </p:nvSpPr>
+        <p:spPr>
+          <a:xfrm>
+            <a:off x="4140200" y="1779905"/>
+            <a:ext cx="1685290" cy="396240"/>
+          </a:xfrm>
+          <a:prstGeom prst="rect">
+            <a:avLst/>
+          </a:prstGeom>
+          <a:noFill/>
+        </p:spPr>
+        <p:txBody>
+          <a:bodyPr wrap="square" rtlCol="0">
+            <a:spAutoFit/>
+          </a:bodyPr>
+          <a:p>
+            <a:r>
+              <a:rPr lang="zh-CN" altLang="en-US" sz="2000"/>
+              <a:t>爬虫部分</a:t>
+            </a:r>
+            <a:endParaRPr lang="zh-CN" altLang="en-US" sz="2000"/>
+          </a:p>
+        </p:txBody>
+      </p:sp>
+      <p:sp>
+        <p:nvSpPr>
+          <p:cNvPr id="10" name="文本框 9"/>
+          <p:cNvSpPr txBox="1"/>
+          <p:nvPr/>
+        </p:nvSpPr>
+        <p:spPr>
+          <a:xfrm>
+            <a:off x="3779520" y="3147695"/>
+            <a:ext cx="3165475" cy="396240"/>
+          </a:xfrm>
+          <a:prstGeom prst="rect">
+            <a:avLst/>
+          </a:prstGeom>
+          <a:noFill/>
+        </p:spPr>
+        <p:txBody>
+          <a:bodyPr wrap="square" rtlCol="0">
+            <a:spAutoFit/>
+          </a:bodyPr>
+          <a:p>
+            <a:pPr algn="l"/>
+            <a:r>
+              <a:rPr lang="zh-CN" altLang="en-US" sz="2000">
+                <a:sym typeface="+mn-ea"/>
               </a:rPr>
               <a:t>后台分析及前端展示</a:t>
             </a:r>
-            <a:endParaRPr lang="zh-CN" altLang="en-US" b="1" dirty="0">
-              <a:solidFill>
-                <a:schemeClr val="bg1"/>
-              </a:solidFill>
-              <a:latin typeface="+mn-ea"/>
+            <a:endParaRPr lang="zh-CN" altLang="en-US" sz="2000">
+              <a:sym typeface="+mn-ea"/>
             </a:endParaRPr>
           </a:p>
         </p:txBody>
       </p:sp>
     </p:spTree>
-    <p:extLst>
-      <p:ext uri="{BB962C8B-B14F-4D97-AF65-F5344CB8AC3E}">
-        <p14:creationId xmlns:p14="http://schemas.microsoft.com/office/powerpoint/2010/main" val="3719994481"/>
-      </p:ext>
-    </p:extLst>
   </p:cSld>
   <p:clrMapOvr>
     <a:masterClrMapping/>
@@ -4552,144 +7032,199 @@
           <a:chExt cx="0" cy="0"/>
         </a:xfrm>
       </p:grpSpPr>
-      <p:sp>
-        <p:nvSpPr>
-          <p:cNvPr id="4" name="矩形 3"/>
-          <p:cNvSpPr/>
+      <p:grpSp>
+        <p:nvGrpSpPr>
+          <p:cNvPr id="2" name="组合 1"/>
+          <p:cNvGrpSpPr/>
+          <p:nvPr/>
+        </p:nvGrpSpPr>
+        <p:grpSpPr>
+          <a:xfrm>
+            <a:off x="1547664" y="484988"/>
+            <a:ext cx="6034995" cy="705445"/>
+            <a:chOff x="589234" y="915566"/>
+            <a:chExt cx="6215014" cy="814394"/>
+          </a:xfrm>
+        </p:grpSpPr>
+        <p:sp>
+          <p:nvSpPr>
+            <p:cNvPr id="3" name="矩形 2"/>
+            <p:cNvSpPr/>
+            <p:nvPr/>
+          </p:nvSpPr>
+          <p:spPr>
+            <a:xfrm>
+              <a:off x="1691680" y="1203598"/>
+              <a:ext cx="5112568" cy="491691"/>
+            </a:xfrm>
+            <a:prstGeom prst="rect">
+              <a:avLst/>
+            </a:prstGeom>
+            <a:solidFill>
+              <a:srgbClr val="E74F1D"/>
+            </a:solidFill>
+            <a:ln>
+              <a:noFill/>
+            </a:ln>
+            <a:effectLst>
+              <a:outerShdw blurRad="50800" dist="38100" dir="2700000" algn="tl" rotWithShape="0">
+                <a:prstClr val="black">
+                  <a:alpha val="40000"/>
+                </a:prstClr>
+              </a:outerShdw>
+            </a:effectLst>
+          </p:spPr>
+          <p:style>
+            <a:lnRef idx="2">
+              <a:schemeClr val="accent1">
+                <a:shade val="50000"/>
+              </a:schemeClr>
+            </a:lnRef>
+            <a:fillRef idx="1">
+              <a:schemeClr val="accent1"/>
+            </a:fillRef>
+            <a:effectRef idx="0">
+              <a:schemeClr val="accent1"/>
+            </a:effectRef>
+            <a:fontRef idx="minor">
+              <a:schemeClr val="lt1"/>
+            </a:fontRef>
+          </p:style>
+          <p:txBody>
+            <a:bodyPr rtlCol="0" anchor="ctr"/>
+            <a:lstStyle/>
+            <a:p>
+              <a:pPr algn="ctr"/>
+              <a:r>
+                <a:rPr lang="zh-CN" altLang="en-US" sz="2000" b="1" dirty="0">
+                  <a:sym typeface="+mn-ea"/>
+                </a:rPr>
+                <a:t>搜索策略</a:t>
+              </a:r>
+              <a:endParaRPr lang="zh-CN" altLang="en-US" sz="2000" b="1" dirty="0" smtClean="0">
+                <a:solidFill>
+                  <a:schemeClr val="bg1"/>
+                </a:solidFill>
+                <a:effectLst>
+                  <a:outerShdw blurRad="38100" dist="38100" dir="2700000" algn="tl">
+                    <a:srgbClr val="000000">
+                      <a:alpha val="43137"/>
+                    </a:srgbClr>
+                  </a:outerShdw>
+                </a:effectLst>
+                <a:latin typeface="微软雅黑" pitchFamily="34" charset="-122"/>
+                <a:ea typeface="微软雅黑" pitchFamily="34" charset="-122"/>
+                <a:sym typeface="+mn-ea"/>
+              </a:endParaRPr>
+            </a:p>
+          </p:txBody>
+        </p:sp>
+        <p:pic>
+          <p:nvPicPr>
+            <p:cNvPr id="4" name="图片 3"/>
+            <p:cNvPicPr>
+              <a:picLocks noChangeAspect="1"/>
+            </p:cNvPicPr>
+            <p:nvPr/>
+          </p:nvPicPr>
+          <p:blipFill>
+            <a:blip r:embed="rId1">
+              <a:extLst>
+                <a:ext uri="{28A0092B-C50C-407E-A947-70E740481C1C}">
+                  <a14:useLocalDpi xmlns:a14="http://schemas.microsoft.com/office/drawing/2010/main" val="0"/>
+                </a:ext>
+              </a:extLst>
+            </a:blip>
+            <a:srcRect/>
+            <a:stretch>
+              <a:fillRect/>
+            </a:stretch>
+          </p:blipFill>
+          <p:spPr>
+            <a:xfrm>
+              <a:off x="589234" y="915566"/>
+              <a:ext cx="1409528" cy="814394"/>
+            </a:xfrm>
+            <a:prstGeom prst="rect">
+              <a:avLst/>
+            </a:prstGeom>
+            <a:effectLst>
+              <a:outerShdw blurRad="50800" dist="38100" dir="2700000" algn="tl" rotWithShape="0">
+                <a:prstClr val="black">
+                  <a:alpha val="40000"/>
+                </a:prstClr>
+              </a:outerShdw>
+            </a:effectLst>
+          </p:spPr>
+        </p:pic>
+        <p:sp>
+          <p:nvSpPr>
+            <p:cNvPr id="5" name="等腰三角形 4"/>
+            <p:cNvSpPr/>
+            <p:nvPr/>
+          </p:nvSpPr>
+          <p:spPr>
+            <a:xfrm rot="5400000">
+              <a:off x="6452661" y="1341430"/>
+              <a:ext cx="343136" cy="216026"/>
+            </a:xfrm>
+            <a:prstGeom prst="triangle">
+              <a:avLst/>
+            </a:prstGeom>
+            <a:solidFill>
+              <a:srgbClr val="FFC000"/>
+            </a:solidFill>
+            <a:ln>
+              <a:noFill/>
+            </a:ln>
+            <a:effectLst>
+              <a:outerShdw blurRad="50800" dist="38100" dir="2700000" algn="tl" rotWithShape="0">
+                <a:prstClr val="black">
+                  <a:alpha val="40000"/>
+                </a:prstClr>
+              </a:outerShdw>
+            </a:effectLst>
+          </p:spPr>
+          <p:style>
+            <a:lnRef idx="2">
+              <a:schemeClr val="accent1">
+                <a:shade val="50000"/>
+              </a:schemeClr>
+            </a:lnRef>
+            <a:fillRef idx="1">
+              <a:schemeClr val="accent1"/>
+            </a:fillRef>
+            <a:effectRef idx="0">
+              <a:schemeClr val="accent1"/>
+            </a:effectRef>
+            <a:fontRef idx="minor">
+              <a:schemeClr val="lt1"/>
+            </a:fontRef>
+          </p:style>
+          <p:txBody>
+            <a:bodyPr rtlCol="0" anchor="ctr"/>
+            <a:lstStyle/>
+            <a:p>
+              <a:pPr algn="ctr"/>
+              <a:endParaRPr lang="zh-CN" altLang="en-US">
+                <a:solidFill>
+                  <a:srgbClr val="FFC000"/>
+                </a:solidFill>
+              </a:endParaRPr>
+            </a:p>
+          </p:txBody>
+        </p:sp>
+      </p:grpSp>
+      <p:sp>
+        <p:nvSpPr>
+          <p:cNvPr id="6" name="文本框 5"/>
+          <p:cNvSpPr txBox="1"/>
           <p:nvPr/>
         </p:nvSpPr>
         <p:spPr>
           <a:xfrm>
-            <a:off x="1744393" y="2757628"/>
-            <a:ext cx="8637563" cy="1569660"/>
-          </a:xfrm>
-          <a:prstGeom prst="rect">
-            <a:avLst/>
-          </a:prstGeom>
-        </p:spPr>
-        <p:txBody>
-          <a:bodyPr wrap="square">
-            <a:spAutoFit/>
-          </a:bodyPr>
-          <a:lstStyle/>
-          <a:p>
-            <a:r>
-              <a:rPr lang="en-US" altLang="zh-CN" sz="2400" kern="100" dirty="0" smtClean="0">
-                <a:solidFill>
-                  <a:schemeClr val="bg1"/>
-                </a:solidFill>
-                <a:cs typeface="黑体" panose="02010609060101010101" pitchFamily="49" charset="-122"/>
-              </a:rPr>
-              <a:t>	</a:t>
-            </a:r>
-            <a:r>
-              <a:rPr lang="zh-CN" altLang="en-US" sz="2400" kern="100" dirty="0" smtClean="0">
-                <a:solidFill>
-                  <a:schemeClr val="bg1"/>
-                </a:solidFill>
-                <a:cs typeface="黑体" panose="02010609060101010101" pitchFamily="49" charset="-122"/>
-              </a:rPr>
-              <a:t>爬取</a:t>
-            </a:r>
-            <a:r>
-              <a:rPr lang="en-US" altLang="zh-CN" sz="2400" kern="100" dirty="0" err="1" smtClean="0">
-                <a:solidFill>
-                  <a:schemeClr val="bg1"/>
-                </a:solidFill>
-                <a:cs typeface="黑体" panose="02010609060101010101" pitchFamily="49" charset="-122"/>
-              </a:rPr>
-              <a:t>youku</a:t>
-            </a:r>
-            <a:r>
-              <a:rPr lang="zh-CN" altLang="zh-CN" sz="2400" kern="100" dirty="0" smtClean="0">
-                <a:solidFill>
-                  <a:schemeClr val="bg1"/>
-                </a:solidFill>
-                <a:cs typeface="黑体" panose="02010609060101010101" pitchFamily="49" charset="-122"/>
-              </a:rPr>
-              <a:t>视频的</a:t>
-            </a:r>
-            <a:r>
-              <a:rPr lang="zh-CN" altLang="en-US" sz="2400" kern="100" dirty="0" smtClean="0">
-                <a:solidFill>
-                  <a:schemeClr val="bg1"/>
-                </a:solidFill>
-                <a:cs typeface="黑体" panose="02010609060101010101" pitchFamily="49" charset="-122"/>
-              </a:rPr>
-              <a:t>电影、电视剧、动漫等等的基本信息。包括</a:t>
-            </a:r>
-            <a:r>
-              <a:rPr lang="zh-CN" altLang="zh-CN" sz="2400" kern="100" dirty="0" smtClean="0">
-                <a:solidFill>
-                  <a:schemeClr val="bg1"/>
-                </a:solidFill>
-                <a:cs typeface="黑体" panose="02010609060101010101" pitchFamily="49" charset="-122"/>
-              </a:rPr>
-              <a:t>类别、</a:t>
-            </a:r>
-            <a:r>
-              <a:rPr lang="zh-CN" altLang="en-US" sz="2400" kern="100" dirty="0" smtClean="0">
-                <a:solidFill>
-                  <a:schemeClr val="bg1"/>
-                </a:solidFill>
-                <a:cs typeface="黑体" panose="02010609060101010101" pitchFamily="49" charset="-122"/>
-              </a:rPr>
-              <a:t>视频名称、主要</a:t>
-            </a:r>
-            <a:r>
-              <a:rPr lang="zh-CN" altLang="zh-CN" sz="2400" kern="100" dirty="0" smtClean="0">
-                <a:solidFill>
-                  <a:schemeClr val="bg1"/>
-                </a:solidFill>
-                <a:cs typeface="黑体" panose="02010609060101010101" pitchFamily="49" charset="-122"/>
-              </a:rPr>
-              <a:t>演员、导演、评分</a:t>
-            </a:r>
-            <a:r>
-              <a:rPr lang="zh-CN" altLang="en-US" sz="2400" kern="100" dirty="0" smtClean="0">
-                <a:solidFill>
-                  <a:schemeClr val="bg1"/>
-                </a:solidFill>
-                <a:cs typeface="黑体" panose="02010609060101010101" pitchFamily="49" charset="-122"/>
-              </a:rPr>
-              <a:t>、好评、持续时间、地区、评论数、上映日期</a:t>
-            </a:r>
-            <a:r>
-              <a:rPr lang="zh-CN" altLang="zh-CN" sz="2400" kern="100" dirty="0" smtClean="0">
-                <a:solidFill>
-                  <a:schemeClr val="bg1"/>
-                </a:solidFill>
-                <a:cs typeface="黑体" panose="02010609060101010101" pitchFamily="49" charset="-122"/>
-              </a:rPr>
-              <a:t>等</a:t>
-            </a:r>
-            <a:r>
-              <a:rPr lang="zh-CN" altLang="en-US" sz="2400" kern="100" dirty="0" smtClean="0">
-                <a:solidFill>
-                  <a:schemeClr val="bg1"/>
-                </a:solidFill>
-                <a:cs typeface="黑体" panose="02010609060101010101" pitchFamily="49" charset="-122"/>
-              </a:rPr>
-              <a:t>信息。并将信息格式化后存入数据库。</a:t>
-            </a:r>
-            <a:endParaRPr lang="zh-CN" altLang="en-US" sz="2400" dirty="0">
-              <a:solidFill>
-                <a:schemeClr val="bg1"/>
-              </a:solidFill>
-            </a:endParaRPr>
-          </a:p>
-        </p:txBody>
-      </p:sp>
-      <p:sp>
-        <p:nvSpPr>
-          <p:cNvPr id="5" name="文本框 4"/>
-          <p:cNvSpPr txBox="1"/>
-          <p:nvPr/>
-        </p:nvSpPr>
-        <p:spPr>
-          <a:xfrm>
-            <a:off x="675686" y="632027"/>
-            <a:ext cx="1422184" cy="461665"/>
+            <a:off x="1905000" y="1948815"/>
+            <a:ext cx="5628640" cy="1739900"/>
           </a:xfrm>
           <a:prstGeom prst="rect">
             <a:avLst/>
@@ -4697,33 +7232,38 @@
           <a:noFill/>
         </p:spPr>
         <p:txBody>
-          <a:bodyPr wrap="none" rtlCol="0">
+          <a:bodyPr wrap="square" rtlCol="0">
             <a:spAutoFit/>
           </a:bodyPr>
-          <a:lstStyle/>
-          <a:p>
-            <a:r>
-              <a:rPr lang="zh-CN" altLang="en-US" sz="2400" b="1" dirty="0" smtClean="0">
-                <a:solidFill>
-                  <a:schemeClr val="bg1"/>
-                </a:solidFill>
-              </a:rPr>
-              <a:t>爬虫简介</a:t>
-            </a:r>
-            <a:endParaRPr lang="zh-CN" altLang="en-US" sz="2400" b="1" dirty="0">
+          <a:p>
+            <a:r>
+              <a:rPr lang="en-US" altLang="zh-CN" dirty="0">
+                <a:solidFill>
+                  <a:schemeClr val="bg1"/>
+                </a:solidFill>
+                <a:sym typeface="+mn-ea"/>
+              </a:rPr>
+              <a:t>        </a:t>
+            </a:r>
+            <a:r>
+              <a:rPr lang="zh-CN" altLang="en-US" dirty="0">
+                <a:solidFill>
+                  <a:schemeClr val="bg1"/>
+                </a:solidFill>
+                <a:sym typeface="+mn-ea"/>
+              </a:rPr>
+              <a:t>本系统采用的方法是将广度优先搜索与网页过滤技术结合使用，先用广度优先策略抓取网页，再将其中无关的网页过滤掉。其缺点在于，随着抓取网页的增多，大量的无关网页将被下载并过滤，算法的效率将变低。但是优点是覆盖尽可能多的网页，以便满足不同用户的不同需求。</a:t>
+            </a:r>
+            <a:endParaRPr lang="zh-CN" altLang="en-US" dirty="0">
               <a:solidFill>
                 <a:schemeClr val="bg1"/>
               </a:solidFill>
+              <a:sym typeface="+mn-ea"/>
             </a:endParaRPr>
           </a:p>
         </p:txBody>
       </p:sp>
     </p:spTree>
-    <p:extLst>
-      <p:ext uri="{BB962C8B-B14F-4D97-AF65-F5344CB8AC3E}">
-        <p14:creationId xmlns:p14="http://schemas.microsoft.com/office/powerpoint/2010/main" val="1928635591"/>
-      </p:ext>
-    </p:extLst>
   </p:cSld>
   <p:clrMapOvr>
     <a:masterClrMapping/>
@@ -4755,61 +7295,202 @@
           <a:chExt cx="0" cy="0"/>
         </a:xfrm>
       </p:grpSpPr>
-      <p:sp>
-        <p:nvSpPr>
-          <p:cNvPr id="4" name="矩形 3"/>
-          <p:cNvSpPr/>
+      <p:grpSp>
+        <p:nvGrpSpPr>
+          <p:cNvPr id="2" name="组合 1"/>
+          <p:cNvGrpSpPr/>
+          <p:nvPr/>
+        </p:nvGrpSpPr>
+        <p:grpSpPr>
+          <a:xfrm>
+            <a:off x="1547664" y="484988"/>
+            <a:ext cx="6034995" cy="705445"/>
+            <a:chOff x="589234" y="915566"/>
+            <a:chExt cx="6215014" cy="814394"/>
+          </a:xfrm>
+        </p:grpSpPr>
+        <p:sp>
+          <p:nvSpPr>
+            <p:cNvPr id="3" name="矩形 2"/>
+            <p:cNvSpPr/>
+            <p:nvPr/>
+          </p:nvSpPr>
+          <p:spPr>
+            <a:xfrm>
+              <a:off x="1691680" y="1203598"/>
+              <a:ext cx="5112568" cy="491691"/>
+            </a:xfrm>
+            <a:prstGeom prst="rect">
+              <a:avLst/>
+            </a:prstGeom>
+            <a:solidFill>
+              <a:srgbClr val="E74F1D"/>
+            </a:solidFill>
+            <a:ln>
+              <a:noFill/>
+            </a:ln>
+            <a:effectLst>
+              <a:outerShdw blurRad="50800" dist="38100" dir="2700000" algn="tl" rotWithShape="0">
+                <a:prstClr val="black">
+                  <a:alpha val="40000"/>
+                </a:prstClr>
+              </a:outerShdw>
+            </a:effectLst>
+          </p:spPr>
+          <p:style>
+            <a:lnRef idx="2">
+              <a:schemeClr val="accent1">
+                <a:shade val="50000"/>
+              </a:schemeClr>
+            </a:lnRef>
+            <a:fillRef idx="1">
+              <a:schemeClr val="accent1"/>
+            </a:fillRef>
+            <a:effectRef idx="0">
+              <a:schemeClr val="accent1"/>
+            </a:effectRef>
+            <a:fontRef idx="minor">
+              <a:schemeClr val="lt1"/>
+            </a:fontRef>
+          </p:style>
+          <p:txBody>
+            <a:bodyPr rtlCol="0" anchor="ctr"/>
+            <a:lstStyle/>
+            <a:p>
+              <a:pPr algn="ctr"/>
+              <a:r>
+                <a:rPr lang="zh-CN" altLang="en-US" sz="2000" b="1" dirty="0" smtClean="0">
+                  <a:solidFill>
+                    <a:schemeClr val="bg1"/>
+                  </a:solidFill>
+                  <a:sym typeface="+mn-ea"/>
+                </a:rPr>
+                <a:t>爬虫简介</a:t>
+              </a:r>
+              <a:endParaRPr lang="zh-CN" altLang="en-US" sz="2000" b="1" dirty="0" smtClean="0">
+                <a:solidFill>
+                  <a:schemeClr val="bg1"/>
+                </a:solidFill>
+                <a:effectLst>
+                  <a:outerShdw blurRad="38100" dist="38100" dir="2700000" algn="tl">
+                    <a:srgbClr val="000000">
+                      <a:alpha val="43137"/>
+                    </a:srgbClr>
+                  </a:outerShdw>
+                </a:effectLst>
+                <a:latin typeface="微软雅黑" pitchFamily="34" charset="-122"/>
+                <a:ea typeface="微软雅黑" pitchFamily="34" charset="-122"/>
+                <a:sym typeface="+mn-ea"/>
+              </a:endParaRPr>
+            </a:p>
+          </p:txBody>
+        </p:sp>
+        <p:pic>
+          <p:nvPicPr>
+            <p:cNvPr id="4" name="图片 3"/>
+            <p:cNvPicPr>
+              <a:picLocks noChangeAspect="1"/>
+            </p:cNvPicPr>
+            <p:nvPr/>
+          </p:nvPicPr>
+          <p:blipFill>
+            <a:blip r:embed="rId1">
+              <a:extLst>
+                <a:ext uri="{28A0092B-C50C-407E-A947-70E740481C1C}">
+                  <a14:useLocalDpi xmlns:a14="http://schemas.microsoft.com/office/drawing/2010/main" val="0"/>
+                </a:ext>
+              </a:extLst>
+            </a:blip>
+            <a:srcRect/>
+            <a:stretch>
+              <a:fillRect/>
+            </a:stretch>
+          </p:blipFill>
+          <p:spPr>
+            <a:xfrm>
+              <a:off x="589234" y="915566"/>
+              <a:ext cx="1409528" cy="814394"/>
+            </a:xfrm>
+            <a:prstGeom prst="rect">
+              <a:avLst/>
+            </a:prstGeom>
+            <a:effectLst>
+              <a:outerShdw blurRad="50800" dist="38100" dir="2700000" algn="tl" rotWithShape="0">
+                <a:prstClr val="black">
+                  <a:alpha val="40000"/>
+                </a:prstClr>
+              </a:outerShdw>
+            </a:effectLst>
+          </p:spPr>
+        </p:pic>
+        <p:sp>
+          <p:nvSpPr>
+            <p:cNvPr id="5" name="等腰三角形 4"/>
+            <p:cNvSpPr/>
+            <p:nvPr/>
+          </p:nvSpPr>
+          <p:spPr>
+            <a:xfrm rot="5400000">
+              <a:off x="6452661" y="1341430"/>
+              <a:ext cx="343136" cy="216026"/>
+            </a:xfrm>
+            <a:prstGeom prst="triangle">
+              <a:avLst/>
+            </a:prstGeom>
+            <a:solidFill>
+              <a:srgbClr val="FFC000"/>
+            </a:solidFill>
+            <a:ln>
+              <a:noFill/>
+            </a:ln>
+            <a:effectLst>
+              <a:outerShdw blurRad="50800" dist="38100" dir="2700000" algn="tl" rotWithShape="0">
+                <a:prstClr val="black">
+                  <a:alpha val="40000"/>
+                </a:prstClr>
+              </a:outerShdw>
+            </a:effectLst>
+          </p:spPr>
+          <p:style>
+            <a:lnRef idx="2">
+              <a:schemeClr val="accent1">
+                <a:shade val="50000"/>
+              </a:schemeClr>
+            </a:lnRef>
+            <a:fillRef idx="1">
+              <a:schemeClr val="accent1"/>
+            </a:fillRef>
+            <a:effectRef idx="0">
+              <a:schemeClr val="accent1"/>
+            </a:effectRef>
+            <a:fontRef idx="minor">
+              <a:schemeClr val="lt1"/>
+            </a:fontRef>
+          </p:style>
+          <p:txBody>
+            <a:bodyPr rtlCol="0" anchor="ctr"/>
+            <a:lstStyle/>
+            <a:p>
+              <a:pPr algn="ctr"/>
+              <a:endParaRPr lang="zh-CN" altLang="en-US">
+                <a:solidFill>
+                  <a:srgbClr val="FFC000"/>
+                </a:solidFill>
+              </a:endParaRPr>
+            </a:p>
+          </p:txBody>
+        </p:sp>
+      </p:grpSp>
+      <p:sp>
+        <p:nvSpPr>
+          <p:cNvPr id="6" name="文本框 5"/>
+          <p:cNvSpPr txBox="1"/>
           <p:nvPr/>
         </p:nvSpPr>
         <p:spPr>
           <a:xfrm>
-            <a:off x="322852" y="707196"/>
-            <a:ext cx="2319866" cy="369332"/>
-          </a:xfrm>
-          <a:prstGeom prst="rect">
-            <a:avLst/>
-          </a:prstGeom>
-        </p:spPr>
-        <p:txBody>
-          <a:bodyPr wrap="none">
-            <a:spAutoFit/>
-          </a:bodyPr>
-          <a:lstStyle/>
-          <a:p>
-            <a:r>
-              <a:rPr lang="zh-CN" altLang="en-US" b="1" dirty="0">
-                <a:solidFill>
-                  <a:schemeClr val="bg1"/>
-                </a:solidFill>
-              </a:rPr>
-              <a:t>爬虫</a:t>
-            </a:r>
-            <a:r>
-              <a:rPr lang="zh-CN" altLang="en-US" b="1" dirty="0" smtClean="0">
-                <a:solidFill>
-                  <a:schemeClr val="bg1"/>
-                </a:solidFill>
-              </a:rPr>
-              <a:t>框架使用到技术</a:t>
-            </a:r>
-            <a:endParaRPr lang="zh-CN" altLang="en-US" b="1" dirty="0">
-              <a:solidFill>
-                <a:schemeClr val="bg1"/>
-              </a:solidFill>
-            </a:endParaRPr>
-          </a:p>
-        </p:txBody>
-      </p:sp>
-      <p:sp>
-        <p:nvSpPr>
-          <p:cNvPr id="5" name="文本框 4"/>
-          <p:cNvSpPr txBox="1"/>
-          <p:nvPr/>
-        </p:nvSpPr>
-        <p:spPr>
-          <a:xfrm>
-            <a:off x="4655289" y="2517324"/>
-            <a:ext cx="2382383" cy="369332"/>
+            <a:off x="1905000" y="1948815"/>
+            <a:ext cx="5628640" cy="1465580"/>
           </a:xfrm>
           <a:prstGeom prst="rect">
             <a:avLst/>
@@ -4817,34 +7498,119 @@
           <a:noFill/>
         </p:spPr>
         <p:txBody>
-          <a:bodyPr wrap="none" rtlCol="0">
+          <a:bodyPr wrap="square" rtlCol="0">
             <a:spAutoFit/>
           </a:bodyPr>
-          <a:lstStyle/>
-          <a:p>
-            <a:r>
-              <a:rPr lang="en-US" altLang="zh-CN" dirty="0" err="1" smtClean="0">
-                <a:solidFill>
-                  <a:schemeClr val="bg1"/>
-                </a:solidFill>
-              </a:rPr>
-              <a:t>Jsoup</a:t>
-            </a:r>
-            <a:r>
-              <a:rPr lang="en-US" altLang="zh-CN" dirty="0" smtClean="0">
-                <a:solidFill>
-                  <a:schemeClr val="bg1"/>
-                </a:solidFill>
-              </a:rPr>
-              <a:t> </a:t>
-            </a:r>
-            <a:r>
-              <a:rPr lang="zh-CN" altLang="en-US" dirty="0" smtClean="0">
-                <a:solidFill>
-                  <a:schemeClr val="bg1"/>
-                </a:solidFill>
-              </a:rPr>
-              <a:t>用于网页的解析</a:t>
+          <a:p>
+            <a:r>
+              <a:rPr lang="en-US" altLang="zh-CN" kern="100" dirty="0" smtClean="0">
+                <a:solidFill>
+                  <a:schemeClr val="bg1"/>
+                </a:solidFill>
+                <a:cs typeface="黑体" pitchFamily="49" charset="-122"/>
+                <a:sym typeface="+mn-ea"/>
+              </a:rPr>
+              <a:t>         </a:t>
+            </a:r>
+            <a:r>
+              <a:rPr lang="zh-CN" altLang="en-US" kern="100" dirty="0" smtClean="0">
+                <a:solidFill>
+                  <a:schemeClr val="bg1"/>
+                </a:solidFill>
+                <a:cs typeface="黑体" pitchFamily="49" charset="-122"/>
+                <a:sym typeface="+mn-ea"/>
+              </a:rPr>
+              <a:t>爬取</a:t>
+            </a:r>
+            <a:r>
+              <a:rPr lang="en-US" altLang="zh-CN" kern="100" dirty="0" err="1" smtClean="0">
+                <a:solidFill>
+                  <a:schemeClr val="bg1"/>
+                </a:solidFill>
+                <a:cs typeface="黑体" pitchFamily="49" charset="-122"/>
+                <a:sym typeface="+mn-ea"/>
+              </a:rPr>
+              <a:t>youku</a:t>
+            </a:r>
+            <a:r>
+              <a:rPr lang="zh-CN" altLang="zh-CN" kern="100" dirty="0" smtClean="0">
+                <a:solidFill>
+                  <a:schemeClr val="bg1"/>
+                </a:solidFill>
+                <a:cs typeface="黑体" pitchFamily="49" charset="-122"/>
+                <a:sym typeface="+mn-ea"/>
+              </a:rPr>
+              <a:t>视频的</a:t>
+            </a:r>
+            <a:r>
+              <a:rPr lang="zh-CN" altLang="en-US" kern="100" dirty="0" smtClean="0">
+                <a:solidFill>
+                  <a:schemeClr val="bg1"/>
+                </a:solidFill>
+                <a:cs typeface="黑体" pitchFamily="49" charset="-122"/>
+                <a:sym typeface="+mn-ea"/>
+              </a:rPr>
+              <a:t>电影、电视剧、动漫等等的基本信息。包括</a:t>
+            </a:r>
+            <a:r>
+              <a:rPr lang="zh-CN" altLang="zh-CN" kern="100" dirty="0" smtClean="0">
+                <a:solidFill>
+                  <a:schemeClr val="bg1"/>
+                </a:solidFill>
+                <a:cs typeface="黑体" pitchFamily="49" charset="-122"/>
+                <a:sym typeface="+mn-ea"/>
+              </a:rPr>
+              <a:t>类别、</a:t>
+            </a:r>
+            <a:r>
+              <a:rPr lang="zh-CN" altLang="en-US" kern="100" dirty="0" smtClean="0">
+                <a:solidFill>
+                  <a:schemeClr val="bg1"/>
+                </a:solidFill>
+                <a:cs typeface="黑体" pitchFamily="49" charset="-122"/>
+                <a:sym typeface="+mn-ea"/>
+              </a:rPr>
+              <a:t>视频名称、主要</a:t>
+            </a:r>
+            <a:r>
+              <a:rPr lang="zh-CN" altLang="zh-CN" kern="100" dirty="0" smtClean="0">
+                <a:solidFill>
+                  <a:schemeClr val="bg1"/>
+                </a:solidFill>
+                <a:cs typeface="黑体" pitchFamily="49" charset="-122"/>
+                <a:sym typeface="+mn-ea"/>
+              </a:rPr>
+              <a:t>演员、导演、评分</a:t>
+            </a:r>
+            <a:r>
+              <a:rPr lang="zh-CN" altLang="en-US" kern="100" dirty="0" smtClean="0">
+                <a:solidFill>
+                  <a:schemeClr val="bg1"/>
+                </a:solidFill>
+                <a:cs typeface="黑体" pitchFamily="49" charset="-122"/>
+                <a:sym typeface="+mn-ea"/>
+              </a:rPr>
+              <a:t>、好评、持续时间、地区、评论数、上映日期</a:t>
+            </a:r>
+            <a:r>
+              <a:rPr lang="zh-CN" altLang="zh-CN" kern="100" dirty="0" smtClean="0">
+                <a:solidFill>
+                  <a:schemeClr val="bg1"/>
+                </a:solidFill>
+                <a:cs typeface="黑体" pitchFamily="49" charset="-122"/>
+                <a:sym typeface="+mn-ea"/>
+              </a:rPr>
+              <a:t>等</a:t>
+            </a:r>
+            <a:r>
+              <a:rPr lang="zh-CN" altLang="en-US" kern="100" dirty="0" smtClean="0">
+                <a:solidFill>
+                  <a:schemeClr val="bg1"/>
+                </a:solidFill>
+                <a:cs typeface="黑体" pitchFamily="49" charset="-122"/>
+                <a:sym typeface="+mn-ea"/>
+              </a:rPr>
+              <a:t>信息。并将信息格式化后存入数据库。</a:t>
             </a:r>
             <a:endParaRPr lang="zh-CN" altLang="en-US" dirty="0">
               <a:solidFill>
@@ -4852,122 +7618,12 @@
               </a:solidFill>
             </a:endParaRPr>
           </a:p>
-        </p:txBody>
-      </p:sp>
-      <p:sp>
-        <p:nvSpPr>
-          <p:cNvPr id="6" name="文本框 5"/>
-          <p:cNvSpPr txBox="1"/>
-          <p:nvPr/>
-        </p:nvSpPr>
-        <p:spPr>
-          <a:xfrm>
-            <a:off x="4655289" y="1989290"/>
-            <a:ext cx="1939955" cy="369332"/>
-          </a:xfrm>
-          <a:prstGeom prst="rect">
-            <a:avLst/>
-          </a:prstGeom>
-          <a:noFill/>
-        </p:spPr>
-        <p:txBody>
-          <a:bodyPr wrap="none" rtlCol="0">
-            <a:spAutoFit/>
-          </a:bodyPr>
-          <a:lstStyle/>
-          <a:p>
-            <a:r>
-              <a:rPr lang="en-US" altLang="zh-CN" dirty="0" err="1" smtClean="0">
-                <a:solidFill>
-                  <a:schemeClr val="bg1"/>
-                </a:solidFill>
-              </a:rPr>
-              <a:t>Htmlunit</a:t>
-            </a:r>
-            <a:r>
-              <a:rPr lang="zh-CN" altLang="en-US" dirty="0" smtClean="0">
-                <a:solidFill>
-                  <a:schemeClr val="bg1"/>
-                </a:solidFill>
-              </a:rPr>
-              <a:t>页面加载</a:t>
-            </a:r>
-            <a:endParaRPr lang="zh-CN" altLang="en-US" dirty="0">
-              <a:solidFill>
-                <a:schemeClr val="bg1"/>
-              </a:solidFill>
-            </a:endParaRPr>
-          </a:p>
-        </p:txBody>
-      </p:sp>
-      <p:sp>
-        <p:nvSpPr>
-          <p:cNvPr id="8" name="文本框 7"/>
-          <p:cNvSpPr txBox="1"/>
-          <p:nvPr/>
-        </p:nvSpPr>
-        <p:spPr>
-          <a:xfrm>
-            <a:off x="4655289" y="3029258"/>
-            <a:ext cx="1945854" cy="369332"/>
-          </a:xfrm>
-          <a:prstGeom prst="rect">
-            <a:avLst/>
-          </a:prstGeom>
-          <a:noFill/>
-        </p:spPr>
-        <p:txBody>
-          <a:bodyPr wrap="none" rtlCol="0">
-            <a:spAutoFit/>
-          </a:bodyPr>
-          <a:lstStyle/>
-          <a:p>
-            <a:r>
-              <a:rPr lang="en-US" altLang="zh-CN" dirty="0" err="1" smtClean="0">
-                <a:solidFill>
-                  <a:schemeClr val="bg1"/>
-                </a:solidFill>
-              </a:rPr>
-              <a:t>Mysql</a:t>
-            </a:r>
-            <a:r>
-              <a:rPr lang="en-US" altLang="zh-CN" dirty="0" smtClean="0">
-                <a:solidFill>
-                  <a:schemeClr val="bg1"/>
-                </a:solidFill>
-              </a:rPr>
-              <a:t> </a:t>
-            </a:r>
-            <a:r>
-              <a:rPr lang="zh-CN" altLang="en-US" dirty="0" smtClean="0">
-                <a:solidFill>
-                  <a:schemeClr val="bg1"/>
-                </a:solidFill>
-              </a:rPr>
-              <a:t>以及</a:t>
-            </a:r>
-            <a:r>
-              <a:rPr lang="en-US" altLang="zh-CN" dirty="0" smtClean="0">
-                <a:solidFill>
-                  <a:schemeClr val="bg1"/>
-                </a:solidFill>
-              </a:rPr>
-              <a:t>node.js</a:t>
-            </a:r>
-            <a:endParaRPr lang="zh-CN" altLang="en-US" dirty="0">
-              <a:solidFill>
-                <a:schemeClr val="bg1"/>
-              </a:solidFill>
-            </a:endParaRPr>
+          <a:p>
+            <a:endParaRPr lang="zh-CN" altLang="en-US"/>
           </a:p>
         </p:txBody>
       </p:sp>
     </p:spTree>
-    <p:extLst>
-      <p:ext uri="{BB962C8B-B14F-4D97-AF65-F5344CB8AC3E}">
-        <p14:creationId xmlns:p14="http://schemas.microsoft.com/office/powerpoint/2010/main" val="3109298040"/>
-      </p:ext>
-    </p:extLst>
   </p:cSld>
   <p:clrMapOvr>
     <a:masterClrMapping/>
@@ -4999,16 +7655,301 @@
           <a:chExt cx="0" cy="0"/>
         </a:xfrm>
       </p:grpSpPr>
-      <p:sp>
-        <p:nvSpPr>
-          <p:cNvPr id="5" name="文本框 4"/>
+      <p:grpSp>
+        <p:nvGrpSpPr>
+          <p:cNvPr id="2" name="组合 1"/>
+          <p:cNvGrpSpPr/>
+          <p:nvPr/>
+        </p:nvGrpSpPr>
+        <p:grpSpPr>
+          <a:xfrm>
+            <a:off x="1547664" y="484988"/>
+            <a:ext cx="6034995" cy="705445"/>
+            <a:chOff x="589234" y="915566"/>
+            <a:chExt cx="6215014" cy="814394"/>
+          </a:xfrm>
+        </p:grpSpPr>
+        <p:sp>
+          <p:nvSpPr>
+            <p:cNvPr id="3" name="矩形 2"/>
+            <p:cNvSpPr/>
+            <p:nvPr/>
+          </p:nvSpPr>
+          <p:spPr>
+            <a:xfrm>
+              <a:off x="1691680" y="1203598"/>
+              <a:ext cx="5112568" cy="491691"/>
+            </a:xfrm>
+            <a:prstGeom prst="rect">
+              <a:avLst/>
+            </a:prstGeom>
+            <a:solidFill>
+              <a:srgbClr val="E74F1D"/>
+            </a:solidFill>
+            <a:ln>
+              <a:noFill/>
+            </a:ln>
+            <a:effectLst>
+              <a:outerShdw blurRad="50800" dist="38100" dir="2700000" algn="tl" rotWithShape="0">
+                <a:prstClr val="black">
+                  <a:alpha val="40000"/>
+                </a:prstClr>
+              </a:outerShdw>
+            </a:effectLst>
+          </p:spPr>
+          <p:style>
+            <a:lnRef idx="2">
+              <a:schemeClr val="accent1">
+                <a:shade val="50000"/>
+              </a:schemeClr>
+            </a:lnRef>
+            <a:fillRef idx="1">
+              <a:schemeClr val="accent1"/>
+            </a:fillRef>
+            <a:effectRef idx="0">
+              <a:schemeClr val="accent1"/>
+            </a:effectRef>
+            <a:fontRef idx="minor">
+              <a:schemeClr val="lt1"/>
+            </a:fontRef>
+          </p:style>
+          <p:txBody>
+            <a:bodyPr rtlCol="0" anchor="ctr"/>
+            <a:lstStyle/>
+            <a:p>
+              <a:pPr algn="ctr"/>
+              <a:r>
+                <a:rPr lang="zh-CN" altLang="en-US" sz="2000" b="1" dirty="0">
+                  <a:solidFill>
+                    <a:schemeClr val="bg1"/>
+                  </a:solidFill>
+                  <a:sym typeface="+mn-ea"/>
+                </a:rPr>
+                <a:t>爬虫</a:t>
+              </a:r>
+              <a:r>
+                <a:rPr lang="zh-CN" altLang="en-US" sz="2000" b="1" dirty="0" smtClean="0">
+                  <a:solidFill>
+                    <a:schemeClr val="bg1"/>
+                  </a:solidFill>
+                  <a:sym typeface="+mn-ea"/>
+                </a:rPr>
+                <a:t>框架使用到技术</a:t>
+              </a:r>
+              <a:endParaRPr lang="zh-CN" altLang="en-US" sz="2000" b="1" dirty="0" smtClean="0">
+                <a:solidFill>
+                  <a:schemeClr val="bg1"/>
+                </a:solidFill>
+                <a:effectLst>
+                  <a:outerShdw blurRad="38100" dist="38100" dir="2700000" algn="tl">
+                    <a:srgbClr val="000000">
+                      <a:alpha val="43137"/>
+                    </a:srgbClr>
+                  </a:outerShdw>
+                </a:effectLst>
+                <a:latin typeface="微软雅黑" pitchFamily="34" charset="-122"/>
+                <a:ea typeface="微软雅黑" pitchFamily="34" charset="-122"/>
+                <a:sym typeface="+mn-ea"/>
+              </a:endParaRPr>
+            </a:p>
+          </p:txBody>
+        </p:sp>
+        <p:pic>
+          <p:nvPicPr>
+            <p:cNvPr id="4" name="图片 3"/>
+            <p:cNvPicPr>
+              <a:picLocks noChangeAspect="1"/>
+            </p:cNvPicPr>
+            <p:nvPr/>
+          </p:nvPicPr>
+          <p:blipFill>
+            <a:blip r:embed="rId1">
+              <a:extLst>
+                <a:ext uri="{28A0092B-C50C-407E-A947-70E740481C1C}">
+                  <a14:useLocalDpi xmlns:a14="http://schemas.microsoft.com/office/drawing/2010/main" val="0"/>
+                </a:ext>
+              </a:extLst>
+            </a:blip>
+            <a:srcRect/>
+            <a:stretch>
+              <a:fillRect/>
+            </a:stretch>
+          </p:blipFill>
+          <p:spPr>
+            <a:xfrm>
+              <a:off x="589234" y="915566"/>
+              <a:ext cx="1409528" cy="814394"/>
+            </a:xfrm>
+            <a:prstGeom prst="rect">
+              <a:avLst/>
+            </a:prstGeom>
+            <a:effectLst>
+              <a:outerShdw blurRad="50800" dist="38100" dir="2700000" algn="tl" rotWithShape="0">
+                <a:prstClr val="black">
+                  <a:alpha val="40000"/>
+                </a:prstClr>
+              </a:outerShdw>
+            </a:effectLst>
+          </p:spPr>
+        </p:pic>
+        <p:sp>
+          <p:nvSpPr>
+            <p:cNvPr id="5" name="等腰三角形 4"/>
+            <p:cNvSpPr/>
+            <p:nvPr/>
+          </p:nvSpPr>
+          <p:spPr>
+            <a:xfrm rot="5400000">
+              <a:off x="6452661" y="1341430"/>
+              <a:ext cx="343136" cy="216026"/>
+            </a:xfrm>
+            <a:prstGeom prst="triangle">
+              <a:avLst/>
+            </a:prstGeom>
+            <a:solidFill>
+              <a:srgbClr val="FFC000"/>
+            </a:solidFill>
+            <a:ln>
+              <a:noFill/>
+            </a:ln>
+            <a:effectLst>
+              <a:outerShdw blurRad="50800" dist="38100" dir="2700000" algn="tl" rotWithShape="0">
+                <a:prstClr val="black">
+                  <a:alpha val="40000"/>
+                </a:prstClr>
+              </a:outerShdw>
+            </a:effectLst>
+          </p:spPr>
+          <p:style>
+            <a:lnRef idx="2">
+              <a:schemeClr val="accent1">
+                <a:shade val="50000"/>
+              </a:schemeClr>
+            </a:lnRef>
+            <a:fillRef idx="1">
+              <a:schemeClr val="accent1"/>
+            </a:fillRef>
+            <a:effectRef idx="0">
+              <a:schemeClr val="accent1"/>
+            </a:effectRef>
+            <a:fontRef idx="minor">
+              <a:schemeClr val="lt1"/>
+            </a:fontRef>
+          </p:style>
+          <p:txBody>
+            <a:bodyPr rtlCol="0" anchor="ctr"/>
+            <a:lstStyle/>
+            <a:p>
+              <a:pPr algn="ctr"/>
+              <a:endParaRPr lang="zh-CN" altLang="en-US">
+                <a:solidFill>
+                  <a:srgbClr val="FFC000"/>
+                </a:solidFill>
+              </a:endParaRPr>
+            </a:p>
+          </p:txBody>
+        </p:sp>
+      </p:grpSp>
+      <p:sp>
+        <p:nvSpPr>
+          <p:cNvPr id="7" name="圆角矩形 6"/>
+          <p:cNvSpPr/>
+          <p:nvPr/>
+        </p:nvSpPr>
+        <p:spPr>
+          <a:xfrm>
+            <a:off x="3707765" y="1420495"/>
+            <a:ext cx="2447925" cy="720090"/>
+          </a:xfrm>
+          <a:prstGeom prst="roundRect">
+            <a:avLst/>
+          </a:prstGeom>
+          <a:solidFill>
+            <a:schemeClr val="accent1">
+              <a:lumMod val="60000"/>
+              <a:lumOff val="40000"/>
+            </a:schemeClr>
+          </a:solidFill>
+        </p:spPr>
+        <p:style>
+          <a:lnRef idx="2">
+            <a:schemeClr val="accent1">
+              <a:shade val="50000"/>
+            </a:schemeClr>
+          </a:lnRef>
+          <a:fillRef idx="1">
+            <a:schemeClr val="accent1"/>
+          </a:fillRef>
+          <a:effectRef idx="0">
+            <a:schemeClr val="accent1"/>
+          </a:effectRef>
+          <a:fontRef idx="minor">
+            <a:schemeClr val="lt1"/>
+          </a:fontRef>
+        </p:style>
+        <p:txBody>
+          <a:bodyPr rtlCol="0" anchor="ctr"/>
+          <a:p>
+            <a:pPr algn="ctr"/>
+            <a:endParaRPr lang="zh-CN" altLang="en-US"/>
+          </a:p>
+        </p:txBody>
+      </p:sp>
+      <p:sp>
+        <p:nvSpPr>
+          <p:cNvPr id="8" name="圆角矩形 7"/>
+          <p:cNvSpPr/>
+          <p:nvPr/>
+        </p:nvSpPr>
+        <p:spPr>
+          <a:xfrm>
+            <a:off x="3709035" y="2573020"/>
+            <a:ext cx="2507615" cy="720090"/>
+          </a:xfrm>
+          <a:prstGeom prst="roundRect">
+            <a:avLst/>
+          </a:prstGeom>
+          <a:solidFill>
+            <a:schemeClr val="accent1">
+              <a:lumMod val="60000"/>
+              <a:lumOff val="40000"/>
+            </a:schemeClr>
+          </a:solidFill>
+        </p:spPr>
+        <p:style>
+          <a:lnRef idx="2">
+            <a:schemeClr val="accent1">
+              <a:shade val="50000"/>
+            </a:schemeClr>
+          </a:lnRef>
+          <a:fillRef idx="1">
+            <a:schemeClr val="accent1"/>
+          </a:fillRef>
+          <a:effectRef idx="0">
+            <a:schemeClr val="accent1"/>
+          </a:effectRef>
+          <a:fontRef idx="minor">
+            <a:schemeClr val="lt1"/>
+          </a:fontRef>
+        </p:style>
+        <p:txBody>
+          <a:bodyPr rtlCol="0" anchor="ctr"/>
+          <a:p>
+            <a:pPr algn="ctr"/>
+            <a:endParaRPr lang="zh-CN" altLang="en-US"/>
+          </a:p>
+        </p:txBody>
+      </p:sp>
+      <p:sp>
+        <p:nvSpPr>
+          <p:cNvPr id="9" name="文本框 8"/>
           <p:cNvSpPr txBox="1"/>
           <p:nvPr/>
         </p:nvSpPr>
         <p:spPr>
           <a:xfrm>
-            <a:off x="734020" y="694527"/>
-            <a:ext cx="1422184" cy="461665"/>
+            <a:off x="3853815" y="1564640"/>
+            <a:ext cx="2235200" cy="398780"/>
           </a:xfrm>
           <a:prstGeom prst="rect">
             <a:avLst/>
@@ -5016,37 +7957,42 @@
           <a:noFill/>
         </p:spPr>
         <p:txBody>
-          <a:bodyPr wrap="none" rtlCol="0">
+          <a:bodyPr wrap="square" rtlCol="0">
             <a:spAutoFit/>
           </a:bodyPr>
-          <a:lstStyle/>
-          <a:p>
-            <a:r>
-              <a:rPr lang="zh-CN" altLang="en-US" sz="2400" b="1" dirty="0" smtClean="0">
-                <a:solidFill>
-                  <a:schemeClr val="bg1"/>
-                </a:solidFill>
-              </a:rPr>
-              <a:t>爬虫框架</a:t>
-            </a:r>
-            <a:endParaRPr lang="zh-CN" altLang="en-US" sz="2400" b="1" dirty="0">
-              <a:solidFill>
-                <a:schemeClr val="bg1"/>
-              </a:solidFill>
-            </a:endParaRPr>
-          </a:p>
-        </p:txBody>
-      </p:sp>
-      <p:sp>
-        <p:nvSpPr>
-          <p:cNvPr id="6" name="文本框 5"/>
+          <a:p>
+            <a:r>
+              <a:rPr lang="en-US" altLang="zh-CN" sz="2000" dirty="0" err="1" smtClean="0">
+                <a:solidFill>
+                  <a:schemeClr val="bg1"/>
+                </a:solidFill>
+                <a:sym typeface="+mn-ea"/>
+              </a:rPr>
+              <a:t>Htmlunit</a:t>
+            </a:r>
+            <a:r>
+              <a:rPr lang="zh-CN" altLang="en-US" sz="2000" dirty="0" smtClean="0">
+                <a:solidFill>
+                  <a:schemeClr val="bg1"/>
+                </a:solidFill>
+                <a:sym typeface="+mn-ea"/>
+              </a:rPr>
+              <a:t>页面加载</a:t>
+            </a:r>
+            <a:endParaRPr lang="zh-CN" altLang="en-US" sz="2000"/>
+          </a:p>
+        </p:txBody>
+      </p:sp>
+      <p:sp>
+        <p:nvSpPr>
+          <p:cNvPr id="10" name="文本框 9"/>
           <p:cNvSpPr txBox="1"/>
           <p:nvPr/>
         </p:nvSpPr>
         <p:spPr>
           <a:xfrm>
-            <a:off x="2620972" y="2266934"/>
-            <a:ext cx="1107996" cy="369332"/>
+            <a:off x="3707130" y="2715895"/>
+            <a:ext cx="2811145" cy="398780"/>
           </a:xfrm>
           <a:prstGeom prst="rect">
             <a:avLst/>
@@ -5054,37 +8000,99 @@
           <a:noFill/>
         </p:spPr>
         <p:txBody>
-          <a:bodyPr wrap="none" rtlCol="0">
+          <a:bodyPr wrap="square" rtlCol="0">
             <a:spAutoFit/>
           </a:bodyPr>
-          <a:lstStyle/>
-          <a:p>
-            <a:r>
-              <a:rPr lang="zh-CN" altLang="en-US" dirty="0" smtClean="0">
-                <a:solidFill>
-                  <a:schemeClr val="bg1"/>
-                </a:solidFill>
-              </a:rPr>
-              <a:t>网页爬取</a:t>
-            </a:r>
-            <a:endParaRPr lang="zh-CN" altLang="en-US" dirty="0">
-              <a:solidFill>
-                <a:schemeClr val="bg1"/>
-              </a:solidFill>
+          <a:p>
+            <a:pPr algn="l"/>
+            <a:r>
+              <a:rPr lang="en-US" altLang="zh-CN" sz="2000" dirty="0" err="1" smtClean="0">
+                <a:solidFill>
+                  <a:schemeClr val="bg1"/>
+                </a:solidFill>
+                <a:sym typeface="+mn-ea"/>
+              </a:rPr>
+              <a:t>Jsoup</a:t>
+            </a:r>
+            <a:r>
+              <a:rPr lang="en-US" altLang="zh-CN" sz="2000" dirty="0" smtClean="0">
+                <a:solidFill>
+                  <a:schemeClr val="bg1"/>
+                </a:solidFill>
+                <a:sym typeface="+mn-ea"/>
+              </a:rPr>
+              <a:t> </a:t>
+            </a:r>
+            <a:r>
+              <a:rPr lang="zh-CN" altLang="en-US" sz="2000" dirty="0" smtClean="0">
+                <a:solidFill>
+                  <a:schemeClr val="bg1"/>
+                </a:solidFill>
+                <a:sym typeface="+mn-ea"/>
+              </a:rPr>
+              <a:t>用于网页的解析</a:t>
+            </a:r>
+            <a:endParaRPr lang="zh-CN" altLang="en-US" sz="2000">
+              <a:sym typeface="+mn-ea"/>
             </a:endParaRPr>
           </a:p>
         </p:txBody>
       </p:sp>
       <p:sp>
         <p:nvSpPr>
-          <p:cNvPr id="7" name="文本框 6"/>
+          <p:cNvPr id="6" name="圆角矩形 5"/>
+          <p:cNvSpPr/>
+          <p:nvPr/>
+        </p:nvSpPr>
+        <p:spPr>
+          <a:xfrm>
+            <a:off x="3707765" y="3723640"/>
+            <a:ext cx="2447925" cy="720090"/>
+          </a:xfrm>
+          <a:prstGeom prst="roundRect">
+            <a:avLst/>
+          </a:prstGeom>
+          <a:solidFill>
+            <a:schemeClr val="accent1">
+              <a:lumMod val="60000"/>
+              <a:lumOff val="40000"/>
+            </a:schemeClr>
+          </a:solidFill>
+        </p:spPr>
+        <p:style>
+          <a:lnRef idx="2">
+            <a:schemeClr val="accent1">
+              <a:shade val="50000"/>
+            </a:schemeClr>
+          </a:lnRef>
+          <a:fillRef idx="1">
+            <a:schemeClr val="accent1"/>
+          </a:fillRef>
+          <a:effectRef idx="0">
+            <a:schemeClr val="accent1"/>
+          </a:effectRef>
+          <a:fontRef idx="minor">
+            <a:schemeClr val="lt1"/>
+          </a:fontRef>
+        </p:style>
+        <p:txBody>
+          <a:bodyPr rtlCol="0" anchor="ctr"/>
+          <a:p>
+            <a:pPr algn="ctr"/>
+            <a:endParaRPr lang="zh-CN" altLang="en-US"/>
+          </a:p>
+        </p:txBody>
+      </p:sp>
+      <p:sp>
+        <p:nvSpPr>
+          <p:cNvPr id="11" name="文本框 10"/>
           <p:cNvSpPr txBox="1"/>
           <p:nvPr/>
         </p:nvSpPr>
         <p:spPr>
           <a:xfrm>
-            <a:off x="4013044" y="2266934"/>
-            <a:ext cx="1151918" cy="369332"/>
+            <a:off x="3966210" y="3915410"/>
+            <a:ext cx="1986280" cy="368300"/>
           </a:xfrm>
           <a:prstGeom prst="rect">
             <a:avLst/>
@@ -5092,634 +8100,51 @@
           <a:noFill/>
         </p:spPr>
         <p:txBody>
-          <a:bodyPr wrap="none" rtlCol="0">
+          <a:bodyPr wrap="square" rtlCol="0">
             <a:spAutoFit/>
           </a:bodyPr>
-          <a:lstStyle/>
-          <a:p>
+          <a:p>
+            <a:r>
+              <a:rPr lang="en-US" altLang="zh-CN" dirty="0" err="1" smtClean="0">
+                <a:solidFill>
+                  <a:schemeClr val="bg1"/>
+                </a:solidFill>
+                <a:sym typeface="+mn-ea"/>
+              </a:rPr>
+              <a:t>Mysql</a:t>
+            </a:r>
+            <a:r>
+              <a:rPr lang="en-US" altLang="zh-CN" dirty="0" smtClean="0">
+                <a:solidFill>
+                  <a:schemeClr val="bg1"/>
+                </a:solidFill>
+                <a:sym typeface="+mn-ea"/>
+              </a:rPr>
+              <a:t> </a:t>
+            </a:r>
             <a:r>
               <a:rPr lang="zh-CN" altLang="en-US" dirty="0" smtClean="0">
                 <a:solidFill>
                   <a:schemeClr val="bg1"/>
                 </a:solidFill>
-              </a:rPr>
-              <a:t>网页分析</a:t>
-            </a:r>
-            <a:endParaRPr lang="zh-CN" altLang="en-US" dirty="0">
-              <a:solidFill>
-                <a:schemeClr val="bg1"/>
-              </a:solidFill>
-            </a:endParaRPr>
-          </a:p>
-        </p:txBody>
-      </p:sp>
-      <p:sp>
-        <p:nvSpPr>
-          <p:cNvPr id="8" name="文本框 7"/>
-          <p:cNvSpPr txBox="1"/>
-          <p:nvPr/>
-        </p:nvSpPr>
-        <p:spPr>
-          <a:xfrm>
-            <a:off x="5719015" y="2260532"/>
-            <a:ext cx="1107996" cy="369332"/>
-          </a:xfrm>
-          <a:prstGeom prst="rect">
-            <a:avLst/>
-          </a:prstGeom>
-          <a:noFill/>
-        </p:spPr>
-        <p:txBody>
-          <a:bodyPr wrap="none" rtlCol="0">
-            <a:spAutoFit/>
-          </a:bodyPr>
-          <a:lstStyle/>
-          <a:p>
-            <a:r>
-              <a:rPr lang="zh-CN" altLang="en-US" dirty="0" smtClean="0">
-                <a:solidFill>
-                  <a:schemeClr val="bg1"/>
-                </a:solidFill>
-              </a:rPr>
-              <a:t>文件读写</a:t>
-            </a:r>
-            <a:endParaRPr lang="zh-CN" altLang="en-US" dirty="0">
-              <a:solidFill>
-                <a:schemeClr val="bg1"/>
-              </a:solidFill>
-            </a:endParaRPr>
-          </a:p>
-        </p:txBody>
-      </p:sp>
-      <p:sp>
-        <p:nvSpPr>
-          <p:cNvPr id="9" name="文本框 8"/>
-          <p:cNvSpPr txBox="1"/>
-          <p:nvPr/>
-        </p:nvSpPr>
-        <p:spPr>
-          <a:xfrm>
-            <a:off x="8032228" y="2260181"/>
-            <a:ext cx="1338828" cy="369332"/>
-          </a:xfrm>
-          <a:prstGeom prst="rect">
-            <a:avLst/>
-          </a:prstGeom>
-          <a:noFill/>
-        </p:spPr>
-        <p:txBody>
-          <a:bodyPr wrap="none" rtlCol="0">
-            <a:spAutoFit/>
-          </a:bodyPr>
-          <a:lstStyle/>
-          <a:p>
-            <a:r>
-              <a:rPr lang="zh-CN" altLang="en-US" dirty="0" smtClean="0">
-                <a:solidFill>
-                  <a:schemeClr val="bg1"/>
-                </a:solidFill>
-              </a:rPr>
-              <a:t>数据库存入</a:t>
-            </a:r>
-            <a:endParaRPr lang="zh-CN" altLang="en-US" dirty="0">
-              <a:solidFill>
-                <a:schemeClr val="bg1"/>
-              </a:solidFill>
-            </a:endParaRPr>
-          </a:p>
-        </p:txBody>
-      </p:sp>
-      <p:sp>
-        <p:nvSpPr>
-          <p:cNvPr id="10" name="文本框 9"/>
-          <p:cNvSpPr txBox="1"/>
-          <p:nvPr/>
-        </p:nvSpPr>
-        <p:spPr>
-          <a:xfrm>
-            <a:off x="2620972" y="3850916"/>
-            <a:ext cx="1800493" cy="369332"/>
-          </a:xfrm>
-          <a:prstGeom prst="rect">
-            <a:avLst/>
-          </a:prstGeom>
-          <a:noFill/>
-        </p:spPr>
-        <p:txBody>
-          <a:bodyPr wrap="none" rtlCol="0">
-            <a:spAutoFit/>
-          </a:bodyPr>
-          <a:lstStyle/>
-          <a:p>
-            <a:r>
-              <a:rPr lang="zh-CN" altLang="en-US" dirty="0">
-                <a:solidFill>
-                  <a:schemeClr val="bg1"/>
-                </a:solidFill>
-              </a:rPr>
-              <a:t>爬虫</a:t>
-            </a:r>
-            <a:r>
-              <a:rPr lang="zh-CN" altLang="en-US" dirty="0" smtClean="0">
-                <a:solidFill>
-                  <a:schemeClr val="bg1"/>
-                </a:solidFill>
-              </a:rPr>
-              <a:t>线程池工厂</a:t>
-            </a:r>
-            <a:endParaRPr lang="zh-CN" altLang="en-US" dirty="0">
-              <a:solidFill>
-                <a:schemeClr val="bg1"/>
-              </a:solidFill>
-            </a:endParaRPr>
-          </a:p>
-        </p:txBody>
-      </p:sp>
-      <p:sp>
-        <p:nvSpPr>
-          <p:cNvPr id="11" name="文本框 10"/>
-          <p:cNvSpPr txBox="1"/>
-          <p:nvPr/>
-        </p:nvSpPr>
-        <p:spPr>
-          <a:xfrm>
-            <a:off x="5719015" y="3850916"/>
-            <a:ext cx="646331" cy="369332"/>
-          </a:xfrm>
-          <a:prstGeom prst="rect">
-            <a:avLst/>
-          </a:prstGeom>
-          <a:noFill/>
-        </p:spPr>
-        <p:txBody>
-          <a:bodyPr wrap="none" rtlCol="0">
-            <a:spAutoFit/>
-          </a:bodyPr>
-          <a:lstStyle/>
-          <a:p>
-            <a:r>
-              <a:rPr lang="zh-CN" altLang="en-US" dirty="0" smtClean="0">
-                <a:solidFill>
-                  <a:schemeClr val="bg1"/>
-                </a:solidFill>
-              </a:rPr>
-              <a:t>线程</a:t>
-            </a:r>
-            <a:endParaRPr lang="zh-CN" altLang="en-US" dirty="0">
-              <a:solidFill>
-                <a:schemeClr val="bg1"/>
-              </a:solidFill>
-            </a:endParaRPr>
-          </a:p>
-        </p:txBody>
-      </p:sp>
-      <p:sp>
-        <p:nvSpPr>
-          <p:cNvPr id="15" name="文本框 14"/>
-          <p:cNvSpPr txBox="1"/>
-          <p:nvPr/>
-        </p:nvSpPr>
-        <p:spPr>
-          <a:xfrm>
-            <a:off x="2525438" y="5256634"/>
-            <a:ext cx="7542449" cy="369332"/>
-          </a:xfrm>
-          <a:prstGeom prst="rect">
-            <a:avLst/>
-          </a:prstGeom>
-          <a:noFill/>
-        </p:spPr>
-        <p:txBody>
-          <a:bodyPr wrap="none" rtlCol="0">
-            <a:spAutoFit/>
-          </a:bodyPr>
-          <a:lstStyle/>
-          <a:p>
+                <a:sym typeface="+mn-ea"/>
+              </a:rPr>
+              <a:t>以及</a:t>
+            </a:r>
             <a:r>
               <a:rPr lang="en-US" altLang="zh-CN" dirty="0" smtClean="0">
                 <a:solidFill>
                   <a:schemeClr val="bg1"/>
                 </a:solidFill>
-              </a:rPr>
-              <a:t>URL</a:t>
-            </a:r>
-            <a:r>
-              <a:rPr lang="zh-CN" altLang="en-US" dirty="0" smtClean="0">
-                <a:solidFill>
-                  <a:schemeClr val="bg1"/>
-                </a:solidFill>
-              </a:rPr>
-              <a:t>暂存容器</a:t>
-            </a:r>
-            <a:r>
-              <a:rPr lang="en-US" altLang="zh-CN" dirty="0" smtClean="0">
-                <a:solidFill>
-                  <a:schemeClr val="bg1"/>
-                </a:solidFill>
-              </a:rPr>
-              <a:t>:</a:t>
-            </a:r>
-            <a:r>
-              <a:rPr lang="zh-CN" altLang="en-US" dirty="0" smtClean="0">
-                <a:solidFill>
-                  <a:schemeClr val="bg1"/>
-                </a:solidFill>
-              </a:rPr>
-              <a:t>视频类别页面容器，视频页面容器，视频信息页面容器。</a:t>
-            </a:r>
-            <a:endParaRPr lang="zh-CN" altLang="en-US" dirty="0">
-              <a:solidFill>
-                <a:schemeClr val="bg1"/>
-              </a:solidFill>
-            </a:endParaRPr>
-          </a:p>
-        </p:txBody>
-      </p:sp>
-      <p:cxnSp>
-        <p:nvCxnSpPr>
-          <p:cNvPr id="17" name="直接箭头连接符 16"/>
-          <p:cNvCxnSpPr/>
-          <p:nvPr/>
-        </p:nvCxnSpPr>
-        <p:spPr>
-          <a:xfrm>
-            <a:off x="3455894" y="2636266"/>
-            <a:ext cx="2124635" cy="1214650"/>
-          </a:xfrm>
-          <a:prstGeom prst="straightConnector1">
-            <a:avLst/>
-          </a:prstGeom>
-          <a:ln>
-            <a:solidFill>
-              <a:schemeClr val="bg1"/>
-            </a:solidFill>
-            <a:tailEnd type="triangle"/>
-          </a:ln>
-        </p:spPr>
-        <p:style>
-          <a:lnRef idx="1">
-            <a:schemeClr val="accent1"/>
-          </a:lnRef>
-          <a:fillRef idx="0">
-            <a:schemeClr val="accent1"/>
-          </a:fillRef>
-          <a:effectRef idx="0">
-            <a:schemeClr val="accent1"/>
-          </a:effectRef>
-          <a:fontRef idx="minor">
-            <a:schemeClr val="tx1"/>
-          </a:fontRef>
-        </p:style>
-      </p:cxnSp>
-      <p:cxnSp>
-        <p:nvCxnSpPr>
-          <p:cNvPr id="19" name="直接箭头连接符 18"/>
-          <p:cNvCxnSpPr>
-            <a:endCxn id="11" idx="0"/>
-          </p:cNvCxnSpPr>
-          <p:nvPr/>
-        </p:nvCxnSpPr>
-        <p:spPr>
-          <a:xfrm>
-            <a:off x="4787153" y="2636266"/>
-            <a:ext cx="1255028" cy="1214650"/>
-          </a:xfrm>
-          <a:prstGeom prst="straightConnector1">
-            <a:avLst/>
-          </a:prstGeom>
-          <a:ln>
-            <a:solidFill>
-              <a:schemeClr val="bg1"/>
-            </a:solidFill>
-            <a:tailEnd type="triangle"/>
-          </a:ln>
-        </p:spPr>
-        <p:style>
-          <a:lnRef idx="1">
-            <a:schemeClr val="accent1"/>
-          </a:lnRef>
-          <a:fillRef idx="0">
-            <a:schemeClr val="accent1"/>
-          </a:fillRef>
-          <a:effectRef idx="0">
-            <a:schemeClr val="accent1"/>
-          </a:effectRef>
-          <a:fontRef idx="minor">
-            <a:schemeClr val="tx1"/>
-          </a:fontRef>
-        </p:style>
-      </p:cxnSp>
-      <p:cxnSp>
-        <p:nvCxnSpPr>
-          <p:cNvPr id="21" name="直接箭头连接符 20"/>
-          <p:cNvCxnSpPr>
-            <a:stCxn id="8" idx="2"/>
-          </p:cNvCxnSpPr>
-          <p:nvPr/>
-        </p:nvCxnSpPr>
-        <p:spPr>
-          <a:xfrm flipH="1">
-            <a:off x="6252882" y="2629864"/>
-            <a:ext cx="20131" cy="1221052"/>
-          </a:xfrm>
-          <a:prstGeom prst="straightConnector1">
-            <a:avLst/>
-          </a:prstGeom>
-          <a:ln>
-            <a:solidFill>
-              <a:schemeClr val="bg1"/>
-            </a:solidFill>
-            <a:tailEnd type="triangle"/>
-          </a:ln>
-        </p:spPr>
-        <p:style>
-          <a:lnRef idx="1">
-            <a:schemeClr val="accent1"/>
-          </a:lnRef>
-          <a:fillRef idx="0">
-            <a:schemeClr val="accent1"/>
-          </a:fillRef>
-          <a:effectRef idx="0">
-            <a:schemeClr val="accent1"/>
-          </a:effectRef>
-          <a:fontRef idx="minor">
-            <a:schemeClr val="tx1"/>
-          </a:fontRef>
-        </p:style>
-      </p:cxnSp>
-      <p:cxnSp>
-        <p:nvCxnSpPr>
-          <p:cNvPr id="23" name="直接箭头连接符 22"/>
-          <p:cNvCxnSpPr>
-            <a:stCxn id="10" idx="3"/>
-            <a:endCxn id="11" idx="1"/>
-          </p:cNvCxnSpPr>
-          <p:nvPr/>
-        </p:nvCxnSpPr>
-        <p:spPr>
-          <a:xfrm>
-            <a:off x="4421465" y="4035582"/>
-            <a:ext cx="1297550" cy="0"/>
-          </a:xfrm>
-          <a:prstGeom prst="straightConnector1">
-            <a:avLst/>
-          </a:prstGeom>
-          <a:ln>
-            <a:solidFill>
-              <a:schemeClr val="bg1"/>
-            </a:solidFill>
-            <a:tailEnd type="triangle"/>
-          </a:ln>
-        </p:spPr>
-        <p:style>
-          <a:lnRef idx="1">
-            <a:schemeClr val="accent1"/>
-          </a:lnRef>
-          <a:fillRef idx="0">
-            <a:schemeClr val="accent1"/>
-          </a:fillRef>
-          <a:effectRef idx="0">
-            <a:schemeClr val="accent1"/>
-          </a:effectRef>
-          <a:fontRef idx="minor">
-            <a:schemeClr val="tx1"/>
-          </a:fontRef>
-        </p:style>
-      </p:cxnSp>
-      <p:cxnSp>
-        <p:nvCxnSpPr>
-          <p:cNvPr id="25" name="直接箭头连接符 24"/>
-          <p:cNvCxnSpPr>
-            <a:endCxn id="10" idx="2"/>
-          </p:cNvCxnSpPr>
-          <p:nvPr/>
-        </p:nvCxnSpPr>
-        <p:spPr>
-          <a:xfrm flipH="1" flipV="1">
-            <a:off x="3521219" y="4220248"/>
-            <a:ext cx="207749" cy="1036386"/>
-          </a:xfrm>
-          <a:prstGeom prst="straightConnector1">
-            <a:avLst/>
-          </a:prstGeom>
-          <a:ln>
-            <a:solidFill>
-              <a:schemeClr val="bg1"/>
-            </a:solidFill>
-            <a:tailEnd type="triangle"/>
-          </a:ln>
-        </p:spPr>
-        <p:style>
-          <a:lnRef idx="1">
-            <a:schemeClr val="accent1"/>
-          </a:lnRef>
-          <a:fillRef idx="0">
-            <a:schemeClr val="accent1"/>
-          </a:fillRef>
-          <a:effectRef idx="0">
-            <a:schemeClr val="accent1"/>
-          </a:effectRef>
-          <a:fontRef idx="minor">
-            <a:schemeClr val="tx1"/>
-          </a:fontRef>
-        </p:style>
-      </p:cxnSp>
-      <p:sp>
-        <p:nvSpPr>
-          <p:cNvPr id="30" name="文本框 29"/>
-          <p:cNvSpPr txBox="1"/>
-          <p:nvPr/>
-        </p:nvSpPr>
-        <p:spPr>
-          <a:xfrm>
-            <a:off x="7906871" y="3850564"/>
-            <a:ext cx="1800493" cy="369332"/>
-          </a:xfrm>
-          <a:prstGeom prst="rect">
-            <a:avLst/>
-          </a:prstGeom>
-          <a:noFill/>
-        </p:spPr>
-        <p:txBody>
-          <a:bodyPr wrap="none" rtlCol="0">
-            <a:spAutoFit/>
-          </a:bodyPr>
-          <a:lstStyle/>
-          <a:p>
-            <a:r>
-              <a:rPr lang="zh-CN" altLang="en-US" dirty="0" smtClean="0">
-                <a:solidFill>
-                  <a:schemeClr val="bg1"/>
-                </a:solidFill>
-              </a:rPr>
-              <a:t>数据持久化存储</a:t>
-            </a:r>
-            <a:endParaRPr lang="zh-CN" altLang="en-US" dirty="0">
-              <a:solidFill>
-                <a:schemeClr val="bg1"/>
-              </a:solidFill>
-            </a:endParaRPr>
-          </a:p>
-        </p:txBody>
-      </p:sp>
-      <p:cxnSp>
-        <p:nvCxnSpPr>
-          <p:cNvPr id="32" name="直接箭头连接符 31"/>
-          <p:cNvCxnSpPr>
-            <a:stCxn id="8" idx="3"/>
-            <a:endCxn id="30" idx="1"/>
-          </p:cNvCxnSpPr>
-          <p:nvPr/>
-        </p:nvCxnSpPr>
-        <p:spPr>
-          <a:xfrm>
-            <a:off x="6827011" y="2445198"/>
-            <a:ext cx="1079860" cy="1590032"/>
-          </a:xfrm>
-          <a:prstGeom prst="straightConnector1">
-            <a:avLst/>
-          </a:prstGeom>
-          <a:ln>
-            <a:solidFill>
-              <a:schemeClr val="bg1"/>
-            </a:solidFill>
-            <a:tailEnd type="triangle"/>
-          </a:ln>
-        </p:spPr>
-        <p:style>
-          <a:lnRef idx="1">
-            <a:schemeClr val="accent1"/>
-          </a:lnRef>
-          <a:fillRef idx="0">
-            <a:schemeClr val="accent1"/>
-          </a:fillRef>
-          <a:effectRef idx="0">
-            <a:schemeClr val="accent1"/>
-          </a:effectRef>
-          <a:fontRef idx="minor">
-            <a:schemeClr val="tx1"/>
-          </a:fontRef>
-        </p:style>
-      </p:cxnSp>
-      <p:cxnSp>
-        <p:nvCxnSpPr>
-          <p:cNvPr id="34" name="直接箭头连接符 33"/>
-          <p:cNvCxnSpPr>
-            <a:stCxn id="30" idx="0"/>
-            <a:endCxn id="9" idx="2"/>
-          </p:cNvCxnSpPr>
-          <p:nvPr/>
-        </p:nvCxnSpPr>
-        <p:spPr>
-          <a:xfrm flipH="1" flipV="1">
-            <a:off x="8701642" y="2629513"/>
-            <a:ext cx="105476" cy="1221051"/>
-          </a:xfrm>
-          <a:prstGeom prst="straightConnector1">
-            <a:avLst/>
-          </a:prstGeom>
-          <a:ln>
-            <a:solidFill>
-              <a:schemeClr val="bg1"/>
-            </a:solidFill>
-            <a:tailEnd type="triangle"/>
-          </a:ln>
-        </p:spPr>
-        <p:style>
-          <a:lnRef idx="1">
-            <a:schemeClr val="accent1"/>
-          </a:lnRef>
-          <a:fillRef idx="0">
-            <a:schemeClr val="accent1"/>
-          </a:fillRef>
-          <a:effectRef idx="0">
-            <a:schemeClr val="accent1"/>
-          </a:effectRef>
-          <a:fontRef idx="minor">
-            <a:schemeClr val="tx1"/>
-          </a:fontRef>
-        </p:style>
-      </p:cxnSp>
-      <p:cxnSp>
-        <p:nvCxnSpPr>
-          <p:cNvPr id="36" name="直接箭头连接符 35"/>
-          <p:cNvCxnSpPr/>
-          <p:nvPr/>
-        </p:nvCxnSpPr>
-        <p:spPr>
-          <a:xfrm flipH="1" flipV="1">
-            <a:off x="3955795" y="4158090"/>
-            <a:ext cx="931339" cy="1036385"/>
-          </a:xfrm>
-          <a:prstGeom prst="straightConnector1">
-            <a:avLst/>
-          </a:prstGeom>
-          <a:ln>
-            <a:solidFill>
-              <a:schemeClr val="bg1"/>
-            </a:solidFill>
-            <a:tailEnd type="triangle"/>
-          </a:ln>
-        </p:spPr>
-        <p:style>
-          <a:lnRef idx="1">
-            <a:schemeClr val="accent1"/>
-          </a:lnRef>
-          <a:fillRef idx="0">
-            <a:schemeClr val="accent1"/>
-          </a:fillRef>
-          <a:effectRef idx="0">
-            <a:schemeClr val="accent1"/>
-          </a:effectRef>
-          <a:fontRef idx="minor">
-            <a:schemeClr val="tx1"/>
-          </a:fontRef>
-        </p:style>
-      </p:cxnSp>
-      <p:cxnSp>
-        <p:nvCxnSpPr>
-          <p:cNvPr id="39" name="直接箭头连接符 38"/>
-          <p:cNvCxnSpPr>
-            <a:stCxn id="15" idx="0"/>
-          </p:cNvCxnSpPr>
-          <p:nvPr/>
-        </p:nvCxnSpPr>
-        <p:spPr>
-          <a:xfrm flipH="1" flipV="1">
-            <a:off x="4322008" y="4189170"/>
-            <a:ext cx="1974655" cy="1067464"/>
-          </a:xfrm>
-          <a:prstGeom prst="straightConnector1">
-            <a:avLst/>
-          </a:prstGeom>
-          <a:ln>
-            <a:solidFill>
-              <a:schemeClr val="bg1"/>
-            </a:solidFill>
-            <a:tailEnd type="triangle"/>
-          </a:ln>
-        </p:spPr>
-        <p:style>
-          <a:lnRef idx="1">
-            <a:schemeClr val="accent1"/>
-          </a:lnRef>
-          <a:fillRef idx="0">
-            <a:schemeClr val="accent1"/>
-          </a:fillRef>
-          <a:effectRef idx="0">
-            <a:schemeClr val="accent1"/>
-          </a:effectRef>
-          <a:fontRef idx="minor">
-            <a:schemeClr val="tx1"/>
-          </a:fontRef>
-        </p:style>
-      </p:cxnSp>
+                <a:sym typeface="+mn-ea"/>
+              </a:rPr>
+              <a:t>node.js</a:t>
+            </a:r>
+            <a:endParaRPr lang="zh-CN" altLang="en-US"/>
+          </a:p>
+        </p:txBody>
+      </p:sp>
     </p:spTree>
-    <p:extLst>
-      <p:ext uri="{BB962C8B-B14F-4D97-AF65-F5344CB8AC3E}">
-        <p14:creationId xmlns:p14="http://schemas.microsoft.com/office/powerpoint/2010/main" val="511159970"/>
-      </p:ext>
-    </p:extLst>
   </p:cSld>
   <p:clrMapOvr>
     <a:masterClrMapping/>
@@ -5751,16 +8176,211 @@
           <a:chExt cx="0" cy="0"/>
         </a:xfrm>
       </p:grpSpPr>
-      <p:sp>
-        <p:nvSpPr>
-          <p:cNvPr id="4" name="文本框 3"/>
+      <p:grpSp>
+        <p:nvGrpSpPr>
+          <p:cNvPr id="2" name="组合 1"/>
+          <p:cNvGrpSpPr/>
+          <p:nvPr/>
+        </p:nvGrpSpPr>
+        <p:grpSpPr>
+          <a:xfrm>
+            <a:off x="1547664" y="484988"/>
+            <a:ext cx="6034995" cy="705445"/>
+            <a:chOff x="589234" y="915566"/>
+            <a:chExt cx="6215014" cy="814394"/>
+          </a:xfrm>
+        </p:grpSpPr>
+        <p:sp>
+          <p:nvSpPr>
+            <p:cNvPr id="3" name="矩形 2"/>
+            <p:cNvSpPr/>
+            <p:nvPr/>
+          </p:nvSpPr>
+          <p:spPr>
+            <a:xfrm>
+              <a:off x="1691680" y="1203598"/>
+              <a:ext cx="5112568" cy="491691"/>
+            </a:xfrm>
+            <a:prstGeom prst="rect">
+              <a:avLst/>
+            </a:prstGeom>
+            <a:solidFill>
+              <a:srgbClr val="E74F1D"/>
+            </a:solidFill>
+            <a:ln>
+              <a:noFill/>
+            </a:ln>
+            <a:effectLst>
+              <a:outerShdw blurRad="50800" dist="38100" dir="2700000" algn="tl" rotWithShape="0">
+                <a:prstClr val="black">
+                  <a:alpha val="40000"/>
+                </a:prstClr>
+              </a:outerShdw>
+            </a:effectLst>
+          </p:spPr>
+          <p:style>
+            <a:lnRef idx="2">
+              <a:schemeClr val="accent1">
+                <a:shade val="50000"/>
+              </a:schemeClr>
+            </a:lnRef>
+            <a:fillRef idx="1">
+              <a:schemeClr val="accent1"/>
+            </a:fillRef>
+            <a:effectRef idx="0">
+              <a:schemeClr val="accent1"/>
+            </a:effectRef>
+            <a:fontRef idx="minor">
+              <a:schemeClr val="lt1"/>
+            </a:fontRef>
+          </p:style>
+          <p:txBody>
+            <a:bodyPr rtlCol="0" anchor="ctr"/>
+            <a:lstStyle/>
+            <a:p>
+              <a:pPr algn="ctr"/>
+              <a:r>
+                <a:rPr lang="en-US" altLang="zh-CN" sz="2000" dirty="0" err="1" smtClean="0">
+                  <a:solidFill>
+                    <a:schemeClr val="bg1"/>
+                  </a:solidFill>
+                  <a:sym typeface="+mn-ea"/>
+                </a:rPr>
+                <a:t>Htmlunit</a:t>
+              </a:r>
+              <a:r>
+                <a:rPr lang="zh-CN" altLang="en-US" sz="2000" dirty="0" smtClean="0">
+                  <a:solidFill>
+                    <a:schemeClr val="bg1"/>
+                  </a:solidFill>
+                  <a:sym typeface="+mn-ea"/>
+                </a:rPr>
+                <a:t>页面加载</a:t>
+              </a:r>
+              <a:endParaRPr lang="en-US" altLang="zh-CN" sz="2000" b="1" dirty="0" err="1" smtClean="0">
+                <a:solidFill>
+                  <a:schemeClr val="bg1"/>
+                </a:solidFill>
+                <a:effectLst>
+                  <a:outerShdw blurRad="38100" dist="38100" dir="2700000" algn="tl">
+                    <a:srgbClr val="000000">
+                      <a:alpha val="43137"/>
+                    </a:srgbClr>
+                  </a:outerShdw>
+                </a:effectLst>
+                <a:latin typeface="微软雅黑" pitchFamily="34" charset="-122"/>
+                <a:ea typeface="微软雅黑" pitchFamily="34" charset="-122"/>
+                <a:sym typeface="+mn-ea"/>
+              </a:endParaRPr>
+            </a:p>
+          </p:txBody>
+        </p:sp>
+        <p:pic>
+          <p:nvPicPr>
+            <p:cNvPr id="4" name="图片 3"/>
+            <p:cNvPicPr>
+              <a:picLocks noChangeAspect="1"/>
+            </p:cNvPicPr>
+            <p:nvPr/>
+          </p:nvPicPr>
+          <p:blipFill>
+            <a:blip r:embed="rId1">
+              <a:extLst>
+                <a:ext uri="{28A0092B-C50C-407E-A947-70E740481C1C}">
+                  <a14:useLocalDpi xmlns:a14="http://schemas.microsoft.com/office/drawing/2010/main" val="0"/>
+                </a:ext>
+              </a:extLst>
+            </a:blip>
+            <a:srcRect/>
+            <a:stretch>
+              <a:fillRect/>
+            </a:stretch>
+          </p:blipFill>
+          <p:spPr>
+            <a:xfrm>
+              <a:off x="589234" y="915566"/>
+              <a:ext cx="1409528" cy="814394"/>
+            </a:xfrm>
+            <a:prstGeom prst="rect">
+              <a:avLst/>
+            </a:prstGeom>
+            <a:effectLst>
+              <a:outerShdw blurRad="50800" dist="38100" dir="2700000" algn="tl" rotWithShape="0">
+                <a:prstClr val="black">
+                  <a:alpha val="40000"/>
+                </a:prstClr>
+              </a:outerShdw>
+            </a:effectLst>
+          </p:spPr>
+        </p:pic>
+        <p:sp>
+          <p:nvSpPr>
+            <p:cNvPr id="5" name="等腰三角形 4"/>
+            <p:cNvSpPr/>
+            <p:nvPr/>
+          </p:nvSpPr>
+          <p:spPr>
+            <a:xfrm rot="5400000">
+              <a:off x="6452661" y="1341430"/>
+              <a:ext cx="343136" cy="216026"/>
+            </a:xfrm>
+            <a:prstGeom prst="triangle">
+              <a:avLst/>
+            </a:prstGeom>
+            <a:solidFill>
+              <a:srgbClr val="FFC000"/>
+            </a:solidFill>
+            <a:ln>
+              <a:noFill/>
+            </a:ln>
+            <a:effectLst>
+              <a:outerShdw blurRad="50800" dist="38100" dir="2700000" algn="tl" rotWithShape="0">
+                <a:prstClr val="black">
+                  <a:alpha val="40000"/>
+                </a:prstClr>
+              </a:outerShdw>
+            </a:effectLst>
+          </p:spPr>
+          <p:style>
+            <a:lnRef idx="2">
+              <a:schemeClr val="accent1">
+                <a:shade val="50000"/>
+              </a:schemeClr>
+            </a:lnRef>
+            <a:fillRef idx="1">
+              <a:schemeClr val="accent1"/>
+            </a:fillRef>
+            <a:effectRef idx="0">
+              <a:schemeClr val="accent1"/>
+            </a:effectRef>
+            <a:fontRef idx="minor">
+              <a:schemeClr val="lt1"/>
+            </a:fontRef>
+          </p:style>
+          <p:txBody>
+            <a:bodyPr rtlCol="0" anchor="ctr"/>
+            <a:lstStyle/>
+            <a:p>
+              <a:pPr algn="ctr"/>
+              <a:endParaRPr lang="zh-CN" altLang="en-US">
+                <a:solidFill>
+                  <a:srgbClr val="FFC000"/>
+                </a:solidFill>
+              </a:endParaRPr>
+            </a:p>
+          </p:txBody>
+        </p:sp>
+      </p:grpSp>
+      <p:sp>
+        <p:nvSpPr>
+          <p:cNvPr id="7" name="文本框 6"/>
           <p:cNvSpPr txBox="1"/>
           <p:nvPr/>
         </p:nvSpPr>
         <p:spPr>
           <a:xfrm>
-            <a:off x="373791" y="684110"/>
-            <a:ext cx="2053767" cy="461665"/>
+            <a:off x="1691640" y="1563370"/>
+            <a:ext cx="6367145" cy="2014220"/>
           </a:xfrm>
           <a:prstGeom prst="rect">
             <a:avLst/>
@@ -5768,20 +8388,27 @@
           <a:noFill/>
         </p:spPr>
         <p:txBody>
-          <a:bodyPr wrap="none" rtlCol="0">
+          <a:bodyPr wrap="square" rtlCol="0">
             <a:spAutoFit/>
           </a:bodyPr>
-          <a:lstStyle/>
-          <a:p>
-            <a:r>
-              <a:rPr lang="zh-CN" altLang="en-US" sz="2400" b="1" dirty="0" smtClean="0">
-                <a:solidFill>
-                  <a:schemeClr val="bg1"/>
-                </a:solidFill>
-              </a:rPr>
-              <a:t>前端显示界面</a:t>
-            </a:r>
-            <a:endParaRPr lang="zh-CN" altLang="en-US" sz="2400" b="1" dirty="0">
+          <a:p>
+            <a:r>
+              <a:rPr lang="en-US" altLang="zh-CN">
+                <a:solidFill>
+                  <a:schemeClr val="bg1"/>
+                </a:solidFill>
+              </a:rPr>
+              <a:t>         </a:t>
+            </a:r>
+            <a:r>
+              <a:rPr lang="zh-CN" altLang="en-US">
+                <a:solidFill>
+                  <a:schemeClr val="bg1"/>
+                </a:solidFill>
+              </a:rPr>
+              <a:t>htmlunit 是一款开源的java 页面分析工具，读取页面后，可以有效的使用htmlunit分析页面上的内容。项目可以模拟浏览器运行，被誉为java浏览器的开源实现。这个没有界面的浏览器，运行速度也是非常迅速的。采用的是Rhinojs引擎。模拟js运行。在小型爬虫项目中，这种框架十分常用，可以有效的分析出 dom的标签，并且有效的运行页面上的js以便得到一些需要执行JS才能得到的值。</a:t>
+            </a:r>
+            <a:endParaRPr lang="zh-CN" altLang="en-US">
               <a:solidFill>
                 <a:schemeClr val="bg1"/>
               </a:solidFill>
@@ -5789,87 +8416,7 @@
           </a:p>
         </p:txBody>
       </p:sp>
-      <p:sp>
-        <p:nvSpPr>
-          <p:cNvPr id="7" name="矩形 6"/>
-          <p:cNvSpPr/>
-          <p:nvPr/>
-        </p:nvSpPr>
-        <p:spPr>
-          <a:xfrm>
-            <a:off x="2427558" y="1972823"/>
-            <a:ext cx="7334628" cy="1569660"/>
-          </a:xfrm>
-          <a:prstGeom prst="rect">
-            <a:avLst/>
-          </a:prstGeom>
-        </p:spPr>
-        <p:txBody>
-          <a:bodyPr wrap="square">
-            <a:spAutoFit/>
-          </a:bodyPr>
-          <a:lstStyle/>
-          <a:p>
-            <a:r>
-              <a:rPr lang="en-US" altLang="zh-CN" sz="2400" dirty="0" smtClean="0">
-                <a:solidFill>
-                  <a:schemeClr val="bg1"/>
-                </a:solidFill>
-                <a:latin typeface="+mn-ea"/>
-              </a:rPr>
-              <a:t>	</a:t>
-            </a:r>
-            <a:r>
-              <a:rPr lang="zh-CN" altLang="en-US" sz="2400" dirty="0" smtClean="0">
-                <a:solidFill>
-                  <a:schemeClr val="bg1"/>
-                </a:solidFill>
-                <a:latin typeface="+mn-ea"/>
-              </a:rPr>
-              <a:t>可以设置多个不同的限制条件，发送到</a:t>
-            </a:r>
-            <a:r>
-              <a:rPr lang="zh-CN" altLang="en-US" sz="2400" dirty="0">
-                <a:solidFill>
-                  <a:schemeClr val="bg1"/>
-                </a:solidFill>
-                <a:latin typeface="+mn-ea"/>
-              </a:rPr>
-              <a:t>服务器。爬取数据的</a:t>
-            </a:r>
-            <a:r>
-              <a:rPr lang="zh-CN" altLang="en-US" sz="2400" dirty="0" smtClean="0">
-                <a:solidFill>
-                  <a:schemeClr val="bg1"/>
-                </a:solidFill>
-                <a:latin typeface="+mn-ea"/>
-              </a:rPr>
-              <a:t>结果已经格式化存入数据库，服务器</a:t>
-            </a:r>
-            <a:r>
-              <a:rPr lang="zh-CN" altLang="en-US" sz="2400" dirty="0" smtClean="0">
-                <a:solidFill>
-                  <a:schemeClr val="bg1"/>
-                </a:solidFill>
-                <a:latin typeface="+mn-ea"/>
-              </a:rPr>
-              <a:t>接收请求并分析返回数据。前台部分以图表和表格的形式显示结果。</a:t>
-            </a:r>
-            <a:endParaRPr lang="zh-CN" altLang="en-US" sz="2400" dirty="0">
-              <a:solidFill>
-                <a:schemeClr val="bg1"/>
-              </a:solidFill>
-              <a:latin typeface="+mn-ea"/>
-            </a:endParaRPr>
-          </a:p>
-        </p:txBody>
-      </p:sp>
     </p:spTree>
-    <p:extLst>
-      <p:ext uri="{BB962C8B-B14F-4D97-AF65-F5344CB8AC3E}">
-        <p14:creationId xmlns:p14="http://schemas.microsoft.com/office/powerpoint/2010/main" val="1034413546"/>
-      </p:ext>
-    </p:extLst>
   </p:cSld>
   <p:clrMapOvr>
     <a:masterClrMapping/>
@@ -5885,7 +8432,7 @@
 </file>
 
 <file path=ppt/theme/theme1.xml><?xml version="1.0" encoding="utf-8"?>
-<a:theme xmlns:a="http://schemas.openxmlformats.org/drawingml/2006/main" name="Office 主题">
+<a:theme xmlns:a="http://schemas.openxmlformats.org/drawingml/2006/main" name="Office 主题​​">
   <a:themeElements>
     <a:clrScheme name="Office">
       <a:dk1>
@@ -5895,39 +8442,39 @@
         <a:sysClr val="window" lastClr="FFFFFF"/>
       </a:lt1>
       <a:dk2>
-        <a:srgbClr val="44546A"/>
+        <a:srgbClr val="1F497D"/>
       </a:dk2>
       <a:lt2>
-        <a:srgbClr val="E7E6E6"/>
+        <a:srgbClr val="EEECE1"/>
       </a:lt2>
       <a:accent1>
-        <a:srgbClr val="5B9BD5"/>
+        <a:srgbClr val="4F81BD"/>
       </a:accent1>
       <a:accent2>
-        <a:srgbClr val="ED7D31"/>
+        <a:srgbClr val="C0504D"/>
       </a:accent2>
       <a:accent3>
-        <a:srgbClr val="A5A5A5"/>
+        <a:srgbClr val="9BBB59"/>
       </a:accent3>
       <a:accent4>
-        <a:srgbClr val="FFC000"/>
+        <a:srgbClr val="8064A2"/>
       </a:accent4>
       <a:accent5>
-        <a:srgbClr val="4472C4"/>
+        <a:srgbClr val="4BACC6"/>
       </a:accent5>
       <a:accent6>
-        <a:srgbClr val="70AD47"/>
+        <a:srgbClr val="F79646"/>
       </a:accent6>
       <a:hlink>
-        <a:srgbClr val="0563C1"/>
+        <a:srgbClr val="0000FF"/>
       </a:hlink>
       <a:folHlink>
-        <a:srgbClr val="954F72"/>
+        <a:srgbClr val="800080"/>
       </a:folHlink>
     </a:clrScheme>
     <a:fontScheme name="Office">
       <a:majorFont>
-        <a:latin typeface="Calibri Light" panose="020F0302020204030204"/>
+        <a:latin typeface="Calibri"/>
         <a:ea typeface=""/>
         <a:cs typeface=""/>
         <a:font script="Jpan" typeface="ＭＳ Ｐゴシック"/>
@@ -5962,7 +8509,7 @@
         <a:font script="Geor" typeface="Sylfaen"/>
       </a:majorFont>
       <a:minorFont>
-        <a:latin typeface="Calibri" panose="020F0502020204030204"/>
+        <a:latin typeface="Calibri"/>
         <a:ea typeface=""/>
         <a:cs typeface=""/>
         <a:font script="Jpan" typeface="ＭＳ Ｐゴシック"/>
@@ -6006,131 +8553,160 @@
           <a:gsLst>
             <a:gs pos="0">
               <a:schemeClr val="phClr">
-                <a:lumMod val="110000"/>
-                <a:satMod val="105000"/>
-                <a:tint val="67000"/>
+                <a:tint val="50000"/>
+                <a:satMod val="300000"/>
               </a:schemeClr>
             </a:gs>
-            <a:gs pos="50000">
+            <a:gs pos="35000">
               <a:schemeClr val="phClr">
-                <a:lumMod val="105000"/>
-                <a:satMod val="103000"/>
-                <a:tint val="73000"/>
+                <a:tint val="37000"/>
+                <a:satMod val="300000"/>
               </a:schemeClr>
             </a:gs>
             <a:gs pos="100000">
               <a:schemeClr val="phClr">
-                <a:lumMod val="105000"/>
-                <a:satMod val="109000"/>
-                <a:tint val="81000"/>
+                <a:tint val="15000"/>
+                <a:satMod val="350000"/>
               </a:schemeClr>
             </a:gs>
           </a:gsLst>
-          <a:lin ang="5400000" scaled="0"/>
+          <a:lin ang="16200000" scaled="1"/>
         </a:gradFill>
         <a:gradFill rotWithShape="1">
           <a:gsLst>
             <a:gs pos="0">
               <a:schemeClr val="phClr">
-                <a:satMod val="103000"/>
-                <a:lumMod val="102000"/>
-                <a:tint val="94000"/>
+                <a:shade val="51000"/>
+                <a:satMod val="130000"/>
               </a:schemeClr>
             </a:gs>
-            <a:gs pos="50000">
+            <a:gs pos="80000">
               <a:schemeClr val="phClr">
-                <a:satMod val="110000"/>
-                <a:lumMod val="100000"/>
-                <a:shade val="100000"/>
+                <a:shade val="93000"/>
+                <a:satMod val="130000"/>
               </a:schemeClr>
             </a:gs>
             <a:gs pos="100000">
               <a:schemeClr val="phClr">
-                <a:lumMod val="99000"/>
-                <a:satMod val="120000"/>
-                <a:shade val="78000"/>
+                <a:shade val="94000"/>
+                <a:satMod val="135000"/>
               </a:schemeClr>
             </a:gs>
           </a:gsLst>
-          <a:lin ang="5400000" scaled="0"/>
+          <a:lin ang="16200000" scaled="0"/>
         </a:gradFill>
       </a:fillStyleLst>
       <a:lnStyleLst>
-        <a:ln w="6350" cap="flat" cmpd="sng" algn="ctr">
+        <a:ln w="9525" cap="flat" cmpd="sng" algn="ctr">
+          <a:solidFill>
+            <a:schemeClr val="phClr">
+              <a:shade val="95000"/>
+              <a:satMod val="105000"/>
+            </a:schemeClr>
+          </a:solidFill>
+          <a:prstDash val="solid"/>
+        </a:ln>
+        <a:ln w="25400" cap="flat" cmpd="sng" algn="ctr">
           <a:solidFill>
             <a:schemeClr val="phClr"/>
           </a:solidFill>
           <a:prstDash val="solid"/>
-          <a:miter lim="800000"/>
         </a:ln>
-        <a:ln w="12700" cap="flat" cmpd="sng" algn="ctr">
+        <a:ln w="38100" cap="flat" cmpd="sng" algn="ctr">
           <a:solidFill>
             <a:schemeClr val="phClr"/>
           </a:solidFill>
           <a:prstDash val="solid"/>
-          <a:miter lim="800000"/>
-        </a:ln>
-        <a:ln w="19050" cap="flat" cmpd="sng" algn="ctr">
-          <a:solidFill>
-            <a:schemeClr val="phClr"/>
-          </a:solidFill>
-          <a:prstDash val="solid"/>
-          <a:miter lim="800000"/>
         </a:ln>
       </a:lnStyleLst>
       <a:effectStyleLst>
         <a:effectStyle>
-          <a:effectLst/>
-        </a:effectStyle>
-        <a:effectStyle>
-          <a:effectLst/>
+          <a:effectLst>
+            <a:outerShdw blurRad="40000" dist="20000" dir="5400000" rotWithShape="0">
+              <a:srgbClr val="000000">
+                <a:alpha val="38000"/>
+              </a:srgbClr>
+            </a:outerShdw>
+          </a:effectLst>
         </a:effectStyle>
         <a:effectStyle>
           <a:effectLst>
-            <a:outerShdw blurRad="57150" dist="19050" dir="5400000" algn="ctr" rotWithShape="0">
+            <a:outerShdw blurRad="40000" dist="23000" dir="5400000" rotWithShape="0">
               <a:srgbClr val="000000">
-                <a:alpha val="63000"/>
+                <a:alpha val="35000"/>
               </a:srgbClr>
             </a:outerShdw>
           </a:effectLst>
+        </a:effectStyle>
+        <a:effectStyle>
+          <a:effectLst>
+            <a:outerShdw blurRad="40000" dist="23000" dir="5400000" rotWithShape="0">
+              <a:srgbClr val="000000">
+                <a:alpha val="35000"/>
+              </a:srgbClr>
+            </a:outerShdw>
+          </a:effectLst>
+          <a:scene3d>
+            <a:camera prst="orthographicFront">
+              <a:rot lat="0" lon="0" rev="0"/>
+            </a:camera>
+            <a:lightRig rig="threePt" dir="t">
+              <a:rot lat="0" lon="0" rev="1200000"/>
+            </a:lightRig>
+          </a:scene3d>
+          <a:sp3d>
+            <a:bevelT w="63500" h="25400"/>
+          </a:sp3d>
         </a:effectStyle>
       </a:effectStyleLst>
       <a:bgFillStyleLst>
         <a:solidFill>
           <a:schemeClr val="phClr"/>
         </a:solidFill>
-        <a:solidFill>
-          <a:schemeClr val="phClr">
-            <a:tint val="95000"/>
-            <a:satMod val="170000"/>
-          </a:schemeClr>
-        </a:solidFill>
         <a:gradFill rotWithShape="1">
           <a:gsLst>
             <a:gs pos="0">
               <a:schemeClr val="phClr">
-                <a:tint val="93000"/>
-                <a:satMod val="150000"/>
-                <a:shade val="98000"/>
-                <a:lumMod val="102000"/>
+                <a:tint val="40000"/>
+                <a:satMod val="350000"/>
               </a:schemeClr>
             </a:gs>
-            <a:gs pos="50000">
+            <a:gs pos="40000">
               <a:schemeClr val="phClr">
-                <a:tint val="98000"/>
-                <a:satMod val="130000"/>
-                <a:shade val="90000"/>
-                <a:lumMod val="103000"/>
+                <a:tint val="45000"/>
+                <a:shade val="99000"/>
+                <a:satMod val="350000"/>
               </a:schemeClr>
             </a:gs>
             <a:gs pos="100000">
               <a:schemeClr val="phClr">
-                <a:shade val="63000"/>
-                <a:satMod val="120000"/>
+                <a:shade val="20000"/>
+                <a:satMod val="255000"/>
               </a:schemeClr>
             </a:gs>
           </a:gsLst>
-          <a:lin ang="5400000" scaled="0"/>
+          <a:path path="circle">
+            <a:fillToRect l="50000" t="-80000" r="50000" b="180000"/>
+          </a:path>
+        </a:gradFill>
+        <a:gradFill rotWithShape="1">
+          <a:gsLst>
+            <a:gs pos="0">
+              <a:schemeClr val="phClr">
+                <a:tint val="80000"/>
+                <a:satMod val="300000"/>
+              </a:schemeClr>
+            </a:gs>
+            <a:gs pos="100000">
+              <a:schemeClr val="phClr">
+                <a:shade val="30000"/>
+                <a:satMod val="200000"/>
+              </a:schemeClr>
+            </a:gs>
+          </a:gsLst>
+          <a:path path="circle">
+            <a:fillToRect l="50000" t="50000" r="50000" b="50000"/>
+          </a:path>
         </a:gradFill>
       </a:bgFillStyleLst>
     </a:fmtScheme>
@@ -6146,7 +8722,7 @@
 </file>
 
 <file path=ppt/theme/theme2.xml><?xml version="1.0" encoding="utf-8"?>
-<a:theme xmlns:a="http://schemas.openxmlformats.org/drawingml/2006/main" name="Office 主题">
+<a:theme xmlns:a="http://schemas.openxmlformats.org/drawingml/2006/main" name="Office 主题​​">
   <a:themeElements>
     <a:clrScheme name="Office">
       <a:dk1>
@@ -6156,39 +8732,39 @@
         <a:sysClr val="window" lastClr="FFFFFF"/>
       </a:lt1>
       <a:dk2>
-        <a:srgbClr val="44546A"/>
+        <a:srgbClr val="1F497D"/>
       </a:dk2>
       <a:lt2>
-        <a:srgbClr val="E7E6E6"/>
+        <a:srgbClr val="EEECE1"/>
       </a:lt2>
       <a:accent1>
-        <a:srgbClr val="5B9BD5"/>
+        <a:srgbClr val="4F81BD"/>
       </a:accent1>
       <a:accent2>
-        <a:srgbClr val="ED7D31"/>
+        <a:srgbClr val="C0504D"/>
       </a:accent2>
       <a:accent3>
-        <a:srgbClr val="A5A5A5"/>
+        <a:srgbClr val="9BBB59"/>
       </a:accent3>
       <a:accent4>
-        <a:srgbClr val="FFC000"/>
+        <a:srgbClr val="8064A2"/>
       </a:accent4>
       <a:accent5>
-        <a:srgbClr val="4472C4"/>
+        <a:srgbClr val="4BACC6"/>
       </a:accent5>
       <a:accent6>
-        <a:srgbClr val="70AD47"/>
+        <a:srgbClr val="F79646"/>
       </a:accent6>
       <a:hlink>
-        <a:srgbClr val="0563C1"/>
+        <a:srgbClr val="0000FF"/>
       </a:hlink>
       <a:folHlink>
-        <a:srgbClr val="954F72"/>
+        <a:srgbClr val="800080"/>
       </a:folHlink>
     </a:clrScheme>
     <a:fontScheme name="Office">
       <a:majorFont>
-        <a:latin typeface="Calibri Light" panose="020F0302020204030204"/>
+        <a:latin typeface="Calibri"/>
         <a:ea typeface=""/>
         <a:cs typeface=""/>
         <a:font script="Jpan" typeface="ＭＳ Ｐゴシック"/>
@@ -6223,7 +8799,7 @@
         <a:font script="Geor" typeface="Sylfaen"/>
       </a:majorFont>
       <a:minorFont>
-        <a:latin typeface="Calibri" panose="020F0502020204030204"/>
+        <a:latin typeface="Calibri"/>
         <a:ea typeface=""/>
         <a:cs typeface=""/>
         <a:font script="Jpan" typeface="ＭＳ Ｐゴシック"/>
@@ -6267,131 +8843,160 @@
           <a:gsLst>
             <a:gs pos="0">
               <a:schemeClr val="phClr">
-                <a:lumMod val="110000"/>
-                <a:satMod val="105000"/>
-                <a:tint val="67000"/>
+                <a:tint val="50000"/>
+                <a:satMod val="300000"/>
               </a:schemeClr>
             </a:gs>
-            <a:gs pos="50000">
+            <a:gs pos="35000">
               <a:schemeClr val="phClr">
-                <a:lumMod val="105000"/>
-                <a:satMod val="103000"/>
-                <a:tint val="73000"/>
+                <a:tint val="37000"/>
+                <a:satMod val="300000"/>
               </a:schemeClr>
             </a:gs>
             <a:gs pos="100000">
               <a:schemeClr val="phClr">
-                <a:lumMod val="105000"/>
-                <a:satMod val="109000"/>
-                <a:tint val="81000"/>
+                <a:tint val="15000"/>
+                <a:satMod val="350000"/>
               </a:schemeClr>
             </a:gs>
           </a:gsLst>
-          <a:lin ang="5400000" scaled="0"/>
+          <a:lin ang="16200000" scaled="1"/>
         </a:gradFill>
         <a:gradFill rotWithShape="1">
           <a:gsLst>
             <a:gs pos="0">
               <a:schemeClr val="phClr">
-                <a:satMod val="103000"/>
-                <a:lumMod val="102000"/>
-                <a:tint val="94000"/>
+                <a:shade val="51000"/>
+                <a:satMod val="130000"/>
               </a:schemeClr>
             </a:gs>
-            <a:gs pos="50000">
+            <a:gs pos="80000">
               <a:schemeClr val="phClr">
-                <a:satMod val="110000"/>
-                <a:lumMod val="100000"/>
-                <a:shade val="100000"/>
+                <a:shade val="93000"/>
+                <a:satMod val="130000"/>
               </a:schemeClr>
             </a:gs>
             <a:gs pos="100000">
               <a:schemeClr val="phClr">
-                <a:lumMod val="99000"/>
-                <a:satMod val="120000"/>
-                <a:shade val="78000"/>
+                <a:shade val="94000"/>
+                <a:satMod val="135000"/>
               </a:schemeClr>
             </a:gs>
           </a:gsLst>
-          <a:lin ang="5400000" scaled="0"/>
+          <a:lin ang="16200000" scaled="0"/>
         </a:gradFill>
       </a:fillStyleLst>
       <a:lnStyleLst>
-        <a:ln w="6350" cap="flat" cmpd="sng" algn="ctr">
+        <a:ln w="9525" cap="flat" cmpd="sng" algn="ctr">
+          <a:solidFill>
+            <a:schemeClr val="phClr">
+              <a:shade val="95000"/>
+              <a:satMod val="105000"/>
+            </a:schemeClr>
+          </a:solidFill>
+          <a:prstDash val="solid"/>
+        </a:ln>
+        <a:ln w="25400" cap="flat" cmpd="sng" algn="ctr">
           <a:solidFill>
             <a:schemeClr val="phClr"/>
           </a:solidFill>
           <a:prstDash val="solid"/>
-          <a:miter lim="800000"/>
         </a:ln>
-        <a:ln w="12700" cap="flat" cmpd="sng" algn="ctr">
+        <a:ln w="38100" cap="flat" cmpd="sng" algn="ctr">
           <a:solidFill>
             <a:schemeClr val="phClr"/>
           </a:solidFill>
           <a:prstDash val="solid"/>
-          <a:miter lim="800000"/>
-        </a:ln>
-        <a:ln w="19050" cap="flat" cmpd="sng" algn="ctr">
-          <a:solidFill>
-            <a:schemeClr val="phClr"/>
-          </a:solidFill>
-          <a:prstDash val="solid"/>
-          <a:miter lim="800000"/>
         </a:ln>
       </a:lnStyleLst>
       <a:effectStyleLst>
         <a:effectStyle>
-          <a:effectLst/>
-        </a:effectStyle>
-        <a:effectStyle>
-          <a:effectLst/>
+          <a:effectLst>
+            <a:outerShdw blurRad="40000" dist="20000" dir="5400000" rotWithShape="0">
+              <a:srgbClr val="000000">
+                <a:alpha val="38000"/>
+              </a:srgbClr>
+            </a:outerShdw>
+          </a:effectLst>
         </a:effectStyle>
         <a:effectStyle>
           <a:effectLst>
-            <a:outerShdw blurRad="57150" dist="19050" dir="5400000" algn="ctr" rotWithShape="0">
+            <a:outerShdw blurRad="40000" dist="23000" dir="5400000" rotWithShape="0">
               <a:srgbClr val="000000">
-                <a:alpha val="63000"/>
+                <a:alpha val="35000"/>
               </a:srgbClr>
             </a:outerShdw>
           </a:effectLst>
+        </a:effectStyle>
+        <a:effectStyle>
+          <a:effectLst>
+            <a:outerShdw blurRad="40000" dist="23000" dir="5400000" rotWithShape="0">
+              <a:srgbClr val="000000">
+                <a:alpha val="35000"/>
+              </a:srgbClr>
+            </a:outerShdw>
+          </a:effectLst>
+          <a:scene3d>
+            <a:camera prst="orthographicFront">
+              <a:rot lat="0" lon="0" rev="0"/>
+            </a:camera>
+            <a:lightRig rig="threePt" dir="t">
+              <a:rot lat="0" lon="0" rev="1200000"/>
+            </a:lightRig>
+          </a:scene3d>
+          <a:sp3d>
+            <a:bevelT w="63500" h="25400"/>
+          </a:sp3d>
         </a:effectStyle>
       </a:effectStyleLst>
       <a:bgFillStyleLst>
         <a:solidFill>
           <a:schemeClr val="phClr"/>
         </a:solidFill>
-        <a:solidFill>
-          <a:schemeClr val="phClr">
-            <a:tint val="95000"/>
-            <a:satMod val="170000"/>
-          </a:schemeClr>
-        </a:solidFill>
         <a:gradFill rotWithShape="1">
           <a:gsLst>
             <a:gs pos="0">
               <a:schemeClr val="phClr">
-                <a:tint val="93000"/>
-                <a:satMod val="150000"/>
-                <a:shade val="98000"/>
-                <a:lumMod val="102000"/>
+                <a:tint val="40000"/>
+                <a:satMod val="350000"/>
               </a:schemeClr>
             </a:gs>
-            <a:gs pos="50000">
+            <a:gs pos="40000">
               <a:schemeClr val="phClr">
-                <a:tint val="98000"/>
-                <a:satMod val="130000"/>
-                <a:shade val="90000"/>
-                <a:lumMod val="103000"/>
+                <a:tint val="45000"/>
+                <a:shade val="99000"/>
+                <a:satMod val="350000"/>
               </a:schemeClr>
             </a:gs>
             <a:gs pos="100000">
               <a:schemeClr val="phClr">
-                <a:shade val="63000"/>
-                <a:satMod val="120000"/>
+                <a:shade val="20000"/>
+                <a:satMod val="255000"/>
               </a:schemeClr>
             </a:gs>
           </a:gsLst>
-          <a:lin ang="5400000" scaled="0"/>
+          <a:path path="circle">
+            <a:fillToRect l="50000" t="-80000" r="50000" b="180000"/>
+          </a:path>
+        </a:gradFill>
+        <a:gradFill rotWithShape="1">
+          <a:gsLst>
+            <a:gs pos="0">
+              <a:schemeClr val="phClr">
+                <a:tint val="80000"/>
+                <a:satMod val="300000"/>
+              </a:schemeClr>
+            </a:gs>
+            <a:gs pos="100000">
+              <a:schemeClr val="phClr">
+                <a:shade val="30000"/>
+                <a:satMod val="200000"/>
+              </a:schemeClr>
+            </a:gs>
+          </a:gsLst>
+          <a:path path="circle">
+            <a:fillToRect l="50000" t="50000" r="50000" b="50000"/>
+          </a:path>
         </a:gradFill>
       </a:bgFillStyleLst>
     </a:fmtScheme>
